--- a/Lectures/CS418-Lecture3-Transformations.pptx
+++ b/Lectures/CS418-Lecture3-Transformations.pptx
@@ -244,7 +244,7 @@
           <a:p>
             <a:fld id="{564DAAA6-4117-4992-859F-BAA0EB4FC72C}" type="datetimeFigureOut">
               <a:rPr lang="en-US" smtClean="0"/>
-              <a:t>1/16/2019</a:t>
+              <a:t>9/3/2019</a:t>
             </a:fld>
             <a:endParaRPr lang="en-US"/>
           </a:p>
@@ -3482,17 +3482,17 @@
           <a:ln/>
           <a:extLst>
             <a:ext uri="{FAA26D3D-D897-4be2-8F04-BA451C77F1D7}">
-              <ma14:placeholderFlag xmlns="" xmlns:ma14="http://schemas.microsoft.com/office/mac/drawingml/2011/main" val="1"/>
+              <ma14:placeholderFlag xmlns:ma14="http://schemas.microsoft.com/office/mac/drawingml/2011/main" xmlns="" val="1"/>
             </a:ext>
             <a:ext uri="{909E8E84-426E-40dd-AFC4-6F175D3DCCD1}">
-              <a14:hiddenFill xmlns="" xmlns:a14="http://schemas.microsoft.com/office/drawing/2010/main">
+              <a14:hiddenFill xmlns:a14="http://schemas.microsoft.com/office/drawing/2010/main" xmlns="">
                 <a:solidFill>
                   <a:srgbClr val="FFFFFF"/>
                 </a:solidFill>
               </a14:hiddenFill>
             </a:ext>
             <a:ext uri="{91240B29-F687-4f45-9708-019B960494DF}">
-              <a14:hiddenLine xmlns="" xmlns:a14="http://schemas.microsoft.com/office/drawing/2010/main" w="9525">
+              <a14:hiddenLine xmlns:a14="http://schemas.microsoft.com/office/drawing/2010/main" xmlns="" w="9525">
                 <a:solidFill>
                   <a:srgbClr val="000000"/>
                 </a:solidFill>
@@ -3529,14 +3529,14 @@
           <a:ln/>
           <a:extLst>
             <a:ext uri="{909E8E84-426E-40dd-AFC4-6F175D3DCCD1}">
-              <a14:hiddenFill xmlns="" xmlns:a14="http://schemas.microsoft.com/office/drawing/2010/main">
+              <a14:hiddenFill xmlns:a14="http://schemas.microsoft.com/office/drawing/2010/main" xmlns="">
                 <a:solidFill>
                   <a:srgbClr val="FFFFFF"/>
                 </a:solidFill>
               </a14:hiddenFill>
             </a:ext>
             <a:ext uri="{91240B29-F687-4f45-9708-019B960494DF}">
-              <a14:hiddenLine xmlns="" xmlns:a14="http://schemas.microsoft.com/office/drawing/2010/main" w="9525">
+              <a14:hiddenLine xmlns:a14="http://schemas.microsoft.com/office/drawing/2010/main" xmlns="" w="9525">
                 <a:solidFill>
                   <a:srgbClr val="000000"/>
                 </a:solidFill>
@@ -3858,17 +3858,17 @@
           <a:ln/>
           <a:extLst>
             <a:ext uri="{FAA26D3D-D897-4be2-8F04-BA451C77F1D7}">
-              <ma14:placeholderFlag xmlns="" xmlns:ma14="http://schemas.microsoft.com/office/mac/drawingml/2011/main" val="1"/>
+              <ma14:placeholderFlag xmlns:ma14="http://schemas.microsoft.com/office/mac/drawingml/2011/main" xmlns="" val="1"/>
             </a:ext>
             <a:ext uri="{909E8E84-426E-40dd-AFC4-6F175D3DCCD1}">
-              <a14:hiddenFill xmlns="" xmlns:a14="http://schemas.microsoft.com/office/drawing/2010/main">
+              <a14:hiddenFill xmlns:a14="http://schemas.microsoft.com/office/drawing/2010/main" xmlns="">
                 <a:solidFill>
                   <a:srgbClr val="FFFFFF"/>
                 </a:solidFill>
               </a14:hiddenFill>
             </a:ext>
             <a:ext uri="{91240B29-F687-4f45-9708-019B960494DF}">
-              <a14:hiddenLine xmlns="" xmlns:a14="http://schemas.microsoft.com/office/drawing/2010/main" w="9525">
+              <a14:hiddenLine xmlns:a14="http://schemas.microsoft.com/office/drawing/2010/main" xmlns="" w="9525">
                 <a:solidFill>
                   <a:srgbClr val="000000"/>
                 </a:solidFill>
@@ -3905,14 +3905,14 @@
           <a:ln/>
           <a:extLst>
             <a:ext uri="{909E8E84-426E-40dd-AFC4-6F175D3DCCD1}">
-              <a14:hiddenFill xmlns="" xmlns:a14="http://schemas.microsoft.com/office/drawing/2010/main">
+              <a14:hiddenFill xmlns:a14="http://schemas.microsoft.com/office/drawing/2010/main" xmlns="">
                 <a:solidFill>
                   <a:srgbClr val="FFFFFF"/>
                 </a:solidFill>
               </a14:hiddenFill>
             </a:ext>
             <a:ext uri="{91240B29-F687-4f45-9708-019B960494DF}">
-              <a14:hiddenLine xmlns="" xmlns:a14="http://schemas.microsoft.com/office/drawing/2010/main" w="9525">
+              <a14:hiddenLine xmlns:a14="http://schemas.microsoft.com/office/drawing/2010/main" xmlns="" w="9525">
                 <a:solidFill>
                   <a:srgbClr val="000000"/>
                 </a:solidFill>
@@ -4102,17 +4102,17 @@
           <a:ln/>
           <a:extLst>
             <a:ext uri="{FAA26D3D-D897-4be2-8F04-BA451C77F1D7}">
-              <ma14:placeholderFlag xmlns="" xmlns:ma14="http://schemas.microsoft.com/office/mac/drawingml/2011/main" val="1"/>
+              <ma14:placeholderFlag xmlns:ma14="http://schemas.microsoft.com/office/mac/drawingml/2011/main" xmlns="" val="1"/>
             </a:ext>
             <a:ext uri="{909E8E84-426E-40dd-AFC4-6F175D3DCCD1}">
-              <a14:hiddenFill xmlns="" xmlns:a14="http://schemas.microsoft.com/office/drawing/2010/main">
+              <a14:hiddenFill xmlns:a14="http://schemas.microsoft.com/office/drawing/2010/main" xmlns="">
                 <a:solidFill>
                   <a:srgbClr val="FFFFFF"/>
                 </a:solidFill>
               </a14:hiddenFill>
             </a:ext>
             <a:ext uri="{91240B29-F687-4f45-9708-019B960494DF}">
-              <a14:hiddenLine xmlns="" xmlns:a14="http://schemas.microsoft.com/office/drawing/2010/main" w="9525">
+              <a14:hiddenLine xmlns:a14="http://schemas.microsoft.com/office/drawing/2010/main" xmlns="" w="9525">
                 <a:solidFill>
                   <a:srgbClr val="000000"/>
                 </a:solidFill>
@@ -4149,14 +4149,14 @@
           <a:ln/>
           <a:extLst>
             <a:ext uri="{909E8E84-426E-40dd-AFC4-6F175D3DCCD1}">
-              <a14:hiddenFill xmlns="" xmlns:a14="http://schemas.microsoft.com/office/drawing/2010/main">
+              <a14:hiddenFill xmlns:a14="http://schemas.microsoft.com/office/drawing/2010/main" xmlns="">
                 <a:solidFill>
                   <a:srgbClr val="FFFFFF"/>
                 </a:solidFill>
               </a14:hiddenFill>
             </a:ext>
             <a:ext uri="{91240B29-F687-4f45-9708-019B960494DF}">
-              <a14:hiddenLine xmlns="" xmlns:a14="http://schemas.microsoft.com/office/drawing/2010/main" w="9525">
+              <a14:hiddenLine xmlns:a14="http://schemas.microsoft.com/office/drawing/2010/main" xmlns="" w="9525">
                 <a:solidFill>
                   <a:srgbClr val="000000"/>
                 </a:solidFill>
@@ -4346,17 +4346,17 @@
           <a:ln/>
           <a:extLst>
             <a:ext uri="{FAA26D3D-D897-4be2-8F04-BA451C77F1D7}">
-              <ma14:placeholderFlag xmlns="" xmlns:ma14="http://schemas.microsoft.com/office/mac/drawingml/2011/main" val="1"/>
+              <ma14:placeholderFlag xmlns:ma14="http://schemas.microsoft.com/office/mac/drawingml/2011/main" xmlns="" val="1"/>
             </a:ext>
             <a:ext uri="{909E8E84-426E-40dd-AFC4-6F175D3DCCD1}">
-              <a14:hiddenFill xmlns="" xmlns:a14="http://schemas.microsoft.com/office/drawing/2010/main">
+              <a14:hiddenFill xmlns:a14="http://schemas.microsoft.com/office/drawing/2010/main" xmlns="">
                 <a:solidFill>
                   <a:srgbClr val="FFFFFF"/>
                 </a:solidFill>
               </a14:hiddenFill>
             </a:ext>
             <a:ext uri="{91240B29-F687-4f45-9708-019B960494DF}">
-              <a14:hiddenLine xmlns="" xmlns:a14="http://schemas.microsoft.com/office/drawing/2010/main" w="9525">
+              <a14:hiddenLine xmlns:a14="http://schemas.microsoft.com/office/drawing/2010/main" xmlns="" w="9525">
                 <a:solidFill>
                   <a:srgbClr val="000000"/>
                 </a:solidFill>
@@ -4393,14 +4393,14 @@
           <a:ln/>
           <a:extLst>
             <a:ext uri="{909E8E84-426E-40dd-AFC4-6F175D3DCCD1}">
-              <a14:hiddenFill xmlns="" xmlns:a14="http://schemas.microsoft.com/office/drawing/2010/main">
+              <a14:hiddenFill xmlns:a14="http://schemas.microsoft.com/office/drawing/2010/main" xmlns="">
                 <a:solidFill>
                   <a:srgbClr val="FFFFFF"/>
                 </a:solidFill>
               </a14:hiddenFill>
             </a:ext>
             <a:ext uri="{91240B29-F687-4f45-9708-019B960494DF}">
-              <a14:hiddenLine xmlns="" xmlns:a14="http://schemas.microsoft.com/office/drawing/2010/main" w="9525">
+              <a14:hiddenLine xmlns:a14="http://schemas.microsoft.com/office/drawing/2010/main" xmlns="" w="9525">
                 <a:solidFill>
                   <a:srgbClr val="000000"/>
                 </a:solidFill>
@@ -4590,17 +4590,17 @@
           <a:ln/>
           <a:extLst>
             <a:ext uri="{FAA26D3D-D897-4be2-8F04-BA451C77F1D7}">
-              <ma14:placeholderFlag xmlns="" xmlns:ma14="http://schemas.microsoft.com/office/mac/drawingml/2011/main" val="1"/>
+              <ma14:placeholderFlag xmlns:ma14="http://schemas.microsoft.com/office/mac/drawingml/2011/main" xmlns="" val="1"/>
             </a:ext>
             <a:ext uri="{909E8E84-426E-40dd-AFC4-6F175D3DCCD1}">
-              <a14:hiddenFill xmlns="" xmlns:a14="http://schemas.microsoft.com/office/drawing/2010/main">
+              <a14:hiddenFill xmlns:a14="http://schemas.microsoft.com/office/drawing/2010/main" xmlns="">
                 <a:solidFill>
                   <a:srgbClr val="FFFFFF"/>
                 </a:solidFill>
               </a14:hiddenFill>
             </a:ext>
             <a:ext uri="{91240B29-F687-4f45-9708-019B960494DF}">
-              <a14:hiddenLine xmlns="" xmlns:a14="http://schemas.microsoft.com/office/drawing/2010/main" w="9525">
+              <a14:hiddenLine xmlns:a14="http://schemas.microsoft.com/office/drawing/2010/main" xmlns="" w="9525">
                 <a:solidFill>
                   <a:srgbClr val="000000"/>
                 </a:solidFill>
@@ -4637,14 +4637,14 @@
           <a:ln/>
           <a:extLst>
             <a:ext uri="{909E8E84-426E-40dd-AFC4-6F175D3DCCD1}">
-              <a14:hiddenFill xmlns="" xmlns:a14="http://schemas.microsoft.com/office/drawing/2010/main">
+              <a14:hiddenFill xmlns:a14="http://schemas.microsoft.com/office/drawing/2010/main" xmlns="">
                 <a:solidFill>
                   <a:srgbClr val="FFFFFF"/>
                 </a:solidFill>
               </a14:hiddenFill>
             </a:ext>
             <a:ext uri="{91240B29-F687-4f45-9708-019B960494DF}">
-              <a14:hiddenLine xmlns="" xmlns:a14="http://schemas.microsoft.com/office/drawing/2010/main" w="9525">
+              <a14:hiddenLine xmlns:a14="http://schemas.microsoft.com/office/drawing/2010/main" xmlns="" w="9525">
                 <a:solidFill>
                   <a:srgbClr val="000000"/>
                 </a:solidFill>
@@ -4834,17 +4834,17 @@
           <a:ln/>
           <a:extLst>
             <a:ext uri="{FAA26D3D-D897-4be2-8F04-BA451C77F1D7}">
-              <ma14:placeholderFlag xmlns="" xmlns:ma14="http://schemas.microsoft.com/office/mac/drawingml/2011/main" val="1"/>
+              <ma14:placeholderFlag xmlns:ma14="http://schemas.microsoft.com/office/mac/drawingml/2011/main" xmlns="" val="1"/>
             </a:ext>
             <a:ext uri="{909E8E84-426E-40dd-AFC4-6F175D3DCCD1}">
-              <a14:hiddenFill xmlns="" xmlns:a14="http://schemas.microsoft.com/office/drawing/2010/main">
+              <a14:hiddenFill xmlns:a14="http://schemas.microsoft.com/office/drawing/2010/main" xmlns="">
                 <a:solidFill>
                   <a:srgbClr val="FFFFFF"/>
                 </a:solidFill>
               </a14:hiddenFill>
             </a:ext>
             <a:ext uri="{91240B29-F687-4f45-9708-019B960494DF}">
-              <a14:hiddenLine xmlns="" xmlns:a14="http://schemas.microsoft.com/office/drawing/2010/main" w="9525">
+              <a14:hiddenLine xmlns:a14="http://schemas.microsoft.com/office/drawing/2010/main" xmlns="" w="9525">
                 <a:solidFill>
                   <a:srgbClr val="000000"/>
                 </a:solidFill>
@@ -4881,14 +4881,14 @@
           <a:ln/>
           <a:extLst>
             <a:ext uri="{909E8E84-426E-40dd-AFC4-6F175D3DCCD1}">
-              <a14:hiddenFill xmlns="" xmlns:a14="http://schemas.microsoft.com/office/drawing/2010/main">
+              <a14:hiddenFill xmlns:a14="http://schemas.microsoft.com/office/drawing/2010/main" xmlns="">
                 <a:solidFill>
                   <a:srgbClr val="FFFFFF"/>
                 </a:solidFill>
               </a14:hiddenFill>
             </a:ext>
             <a:ext uri="{91240B29-F687-4f45-9708-019B960494DF}">
-              <a14:hiddenLine xmlns="" xmlns:a14="http://schemas.microsoft.com/office/drawing/2010/main" w="9525">
+              <a14:hiddenLine xmlns:a14="http://schemas.microsoft.com/office/drawing/2010/main" xmlns="" w="9525">
                 <a:solidFill>
                   <a:srgbClr val="000000"/>
                 </a:solidFill>
@@ -5298,7 +5298,7 @@
           <a:p>
             <a:fld id="{CF64A208-0694-964E-93B1-EAF2C4DF2BAD}" type="datetimeFigureOut">
               <a:rPr lang="en-US" smtClean="0"/>
-              <a:t>1/16/2019</a:t>
+              <a:t>9/3/2019</a:t>
             </a:fld>
             <a:endParaRPr lang="en-US"/>
           </a:p>
@@ -5505,7 +5505,7 @@
             <a:fld id="{CF64A208-0694-964E-93B1-EAF2C4DF2BAD}" type="datetimeFigureOut">
               <a:rPr lang="en-US" smtClean="0"/>
               <a:pPr/>
-              <a:t>1/16/2019</a:t>
+              <a:t>9/3/2019</a:t>
             </a:fld>
             <a:endParaRPr lang="en-US" dirty="0"/>
           </a:p>
@@ -5735,7 +5735,7 @@
             <a:fld id="{CF64A208-0694-964E-93B1-EAF2C4DF2BAD}" type="datetimeFigureOut">
               <a:rPr lang="en-US" smtClean="0"/>
               <a:pPr/>
-              <a:t>1/16/2019</a:t>
+              <a:t>9/3/2019</a:t>
             </a:fld>
             <a:endParaRPr lang="en-US" dirty="0"/>
           </a:p>
@@ -5948,7 +5948,7 @@
           <a:p>
             <a:fld id="{CF64A208-0694-964E-93B1-EAF2C4DF2BAD}" type="datetimeFigureOut">
               <a:rPr lang="en-US" smtClean="0"/>
-              <a:t>1/16/2019</a:t>
+              <a:t>9/3/2019</a:t>
             </a:fld>
             <a:endParaRPr lang="en-US"/>
           </a:p>
@@ -6203,7 +6203,7 @@
             <a:fld id="{CF64A208-0694-964E-93B1-EAF2C4DF2BAD}" type="datetimeFigureOut">
               <a:rPr lang="en-US" smtClean="0"/>
               <a:pPr/>
-              <a:t>1/16/2019</a:t>
+              <a:t>9/3/2019</a:t>
             </a:fld>
             <a:endParaRPr lang="en-US" dirty="0"/>
           </a:p>
@@ -6503,7 +6503,7 @@
           <a:p>
             <a:fld id="{CF64A208-0694-964E-93B1-EAF2C4DF2BAD}" type="datetimeFigureOut">
               <a:rPr lang="en-US" smtClean="0"/>
-              <a:t>1/16/2019</a:t>
+              <a:t>9/3/2019</a:t>
             </a:fld>
             <a:endParaRPr lang="en-US"/>
           </a:p>
@@ -6936,7 +6936,7 @@
             <a:fld id="{CF64A208-0694-964E-93B1-EAF2C4DF2BAD}" type="datetimeFigureOut">
               <a:rPr lang="en-US" smtClean="0"/>
               <a:pPr/>
-              <a:t>1/16/2019</a:t>
+              <a:t>9/3/2019</a:t>
             </a:fld>
             <a:endParaRPr lang="en-US" dirty="0"/>
           </a:p>
@@ -7079,7 +7079,7 @@
             <a:fld id="{CF64A208-0694-964E-93B1-EAF2C4DF2BAD}" type="datetimeFigureOut">
               <a:rPr lang="en-US" smtClean="0"/>
               <a:pPr/>
-              <a:t>1/16/2019</a:t>
+              <a:t>9/3/2019</a:t>
             </a:fld>
             <a:endParaRPr lang="en-US" dirty="0"/>
           </a:p>
@@ -7194,7 +7194,7 @@
             <a:fld id="{CF64A208-0694-964E-93B1-EAF2C4DF2BAD}" type="datetimeFigureOut">
               <a:rPr lang="en-US" smtClean="0"/>
               <a:pPr/>
-              <a:t>1/16/2019</a:t>
+              <a:t>9/3/2019</a:t>
             </a:fld>
             <a:endParaRPr lang="en-US" dirty="0"/>
           </a:p>
@@ -7503,7 +7503,7 @@
             <a:fld id="{CF64A208-0694-964E-93B1-EAF2C4DF2BAD}" type="datetimeFigureOut">
               <a:rPr lang="en-US" smtClean="0"/>
               <a:pPr/>
-              <a:t>1/16/2019</a:t>
+              <a:t>9/3/2019</a:t>
             </a:fld>
             <a:endParaRPr lang="en-US" dirty="0"/>
           </a:p>
@@ -7784,7 +7784,7 @@
             <a:fld id="{CF64A208-0694-964E-93B1-EAF2C4DF2BAD}" type="datetimeFigureOut">
               <a:rPr lang="en-US" smtClean="0"/>
               <a:pPr/>
-              <a:t>1/16/2019</a:t>
+              <a:t>9/3/2019</a:t>
             </a:fld>
             <a:endParaRPr lang="en-US" dirty="0"/>
           </a:p>
@@ -8008,7 +8008,7 @@
           <a:p>
             <a:fld id="{CF64A208-0694-964E-93B1-EAF2C4DF2BAD}" type="datetimeFigureOut">
               <a:rPr lang="en-US" smtClean="0"/>
-              <a:t>1/16/2019</a:t>
+              <a:t>9/3/2019</a:t>
             </a:fld>
             <a:endParaRPr lang="en-US"/>
           </a:p>
@@ -9103,14 +9103,14 @@
           </a:ln>
           <a:extLst>
             <a:ext uri="{909E8E84-426E-40dd-AFC4-6F175D3DCCD1}">
-              <a14:hiddenFill xmlns="" xmlns:a14="http://schemas.microsoft.com/office/drawing/2010/main">
+              <a14:hiddenFill xmlns:a14="http://schemas.microsoft.com/office/drawing/2010/main" xmlns="">
                 <a:solidFill>
                   <a:srgbClr val="FFFFFF"/>
                 </a:solidFill>
               </a14:hiddenFill>
             </a:ext>
             <a:ext uri="{91240B29-F687-4f45-9708-019B960494DF}">
-              <a14:hiddenLine xmlns="" xmlns:a14="http://schemas.microsoft.com/office/drawing/2010/main" w="9525">
+              <a14:hiddenLine xmlns:a14="http://schemas.microsoft.com/office/drawing/2010/main" xmlns="" w="9525">
                 <a:solidFill>
                   <a:srgbClr val="000000"/>
                 </a:solidFill>
@@ -9144,14 +9144,14 @@
           </a:ln>
           <a:extLst>
             <a:ext uri="{909E8E84-426E-40dd-AFC4-6F175D3DCCD1}">
-              <a14:hiddenFill xmlns="" xmlns:a14="http://schemas.microsoft.com/office/drawing/2010/main">
+              <a14:hiddenFill xmlns:a14="http://schemas.microsoft.com/office/drawing/2010/main" xmlns="">
                 <a:solidFill>
                   <a:srgbClr val="FFFFFF"/>
                 </a:solidFill>
               </a14:hiddenFill>
             </a:ext>
             <a:ext uri="{91240B29-F687-4f45-9708-019B960494DF}">
-              <a14:hiddenLine xmlns="" xmlns:a14="http://schemas.microsoft.com/office/drawing/2010/main" w="12700">
+              <a14:hiddenLine xmlns:a14="http://schemas.microsoft.com/office/drawing/2010/main" xmlns="" w="12700">
                 <a:solidFill>
                   <a:srgbClr val="000000"/>
                 </a:solidFill>
@@ -9318,14 +9318,14 @@
           </a:ln>
           <a:extLst>
             <a:ext uri="{909E8E84-426E-40dd-AFC4-6F175D3DCCD1}">
-              <a14:hiddenFill xmlns="" xmlns:a14="http://schemas.microsoft.com/office/drawing/2010/main">
+              <a14:hiddenFill xmlns:a14="http://schemas.microsoft.com/office/drawing/2010/main" xmlns="">
                 <a:solidFill>
                   <a:srgbClr val="FFFFFF"/>
                 </a:solidFill>
               </a14:hiddenFill>
             </a:ext>
             <a:ext uri="{91240B29-F687-4f45-9708-019B960494DF}">
-              <a14:hiddenLine xmlns="" xmlns:a14="http://schemas.microsoft.com/office/drawing/2010/main" w="12700">
+              <a14:hiddenLine xmlns:a14="http://schemas.microsoft.com/office/drawing/2010/main" xmlns="" w="12700">
                 <a:solidFill>
                   <a:srgbClr val="000000"/>
                 </a:solidFill>
@@ -10952,7 +10952,7 @@
           <a:graphicData uri="http://schemas.openxmlformats.org/presentationml/2006/ole">
             <mc:AlternateContent xmlns:mc="http://schemas.openxmlformats.org/markup-compatibility/2006">
               <mc:Choice xmlns:v="urn:schemas-microsoft-com:vml" Requires="v">
-                <p:oleObj spid="_x0000_s1038" name="Equation" r:id="rId4" imgW="914400" imgH="267840" progId="Equation.DSMT4">
+                <p:oleObj spid="_x0000_s1044" name="Equation" r:id="rId4" imgW="914400" imgH="267840" progId="Equation.DSMT4">
                   <p:embed/>
                 </p:oleObj>
               </mc:Choice>
@@ -10991,7 +10991,7 @@
                       <a:noFill/>
                       <a:extLst>
                         <a:ext uri="{909E8E84-426E-40dd-AFC4-6F175D3DCCD1}">
-                          <a14:hiddenFill xmlns="" xmlns:a14="http://schemas.microsoft.com/office/drawing/2010/main">
+                          <a14:hiddenFill xmlns:a14="http://schemas.microsoft.com/office/drawing/2010/main" xmlns="">
                             <a:solidFill>
                               <a:srgbClr val="FFFFFF"/>
                             </a:solidFill>
@@ -11022,7 +11022,7 @@
           <a:graphicData uri="http://schemas.openxmlformats.org/presentationml/2006/ole">
             <mc:AlternateContent xmlns:mc="http://schemas.openxmlformats.org/markup-compatibility/2006">
               <mc:Choice xmlns:v="urn:schemas-microsoft-com:vml" Requires="v">
-                <p:oleObj spid="_x0000_s1039" name="Equation" r:id="rId6" imgW="596880" imgH="711000" progId="Equation.DSMT4">
+                <p:oleObj spid="_x0000_s1045" name="Equation" r:id="rId6" imgW="596880" imgH="711000" progId="Equation.DSMT4">
                   <p:embed/>
                 </p:oleObj>
               </mc:Choice>
@@ -11061,7 +11061,7 @@
                       <a:noFill/>
                       <a:extLst>
                         <a:ext uri="{909E8E84-426E-40dd-AFC4-6F175D3DCCD1}">
-                          <a14:hiddenFill xmlns="" xmlns:a14="http://schemas.microsoft.com/office/drawing/2010/main">
+                          <a14:hiddenFill xmlns:a14="http://schemas.microsoft.com/office/drawing/2010/main" xmlns="">
                             <a:solidFill>
                               <a:srgbClr val="FFFFFF"/>
                             </a:solidFill>
@@ -11181,7 +11181,7 @@
           <a:graphicData uri="http://schemas.openxmlformats.org/presentationml/2006/ole">
             <mc:AlternateContent xmlns:mc="http://schemas.openxmlformats.org/markup-compatibility/2006">
               <mc:Choice xmlns:v="urn:schemas-microsoft-com:vml" Requires="v">
-                <p:oleObj spid="_x0000_s1040" name="Equation" r:id="rId8" imgW="419040" imgH="711000" progId="Equation.3">
+                <p:oleObj spid="_x0000_s1046" name="Equation" r:id="rId8" imgW="419040" imgH="711000" progId="Equation.3">
                   <p:embed/>
                 </p:oleObj>
               </mc:Choice>
@@ -11220,7 +11220,7 @@
                       <a:noFill/>
                       <a:extLst>
                         <a:ext uri="{909E8E84-426E-40dd-AFC4-6F175D3DCCD1}">
-                          <a14:hiddenFill xmlns="" xmlns:a14="http://schemas.microsoft.com/office/drawing/2010/main">
+                          <a14:hiddenFill xmlns:a14="http://schemas.microsoft.com/office/drawing/2010/main" xmlns="">
                             <a:solidFill>
                               <a:srgbClr val="FFFFFF"/>
                             </a:solidFill>
@@ -12042,7 +12042,7 @@
           <a:graphicData uri="http://schemas.openxmlformats.org/presentationml/2006/ole">
             <mc:AlternateContent xmlns:mc="http://schemas.openxmlformats.org/markup-compatibility/2006">
               <mc:Choice xmlns:v="urn:schemas-microsoft-com:vml" Requires="v">
-                <p:oleObj spid="_x0000_s2058" name="Equation" r:id="rId4" imgW="914400" imgH="267840" progId="Equation.DSMT4">
+                <p:oleObj spid="_x0000_s2062" name="Equation" r:id="rId4" imgW="914400" imgH="267840" progId="Equation.DSMT4">
                   <p:embed/>
                 </p:oleObj>
               </mc:Choice>
@@ -12081,7 +12081,7 @@
                       <a:noFill/>
                       <a:extLst>
                         <a:ext uri="{909E8E84-426E-40dd-AFC4-6F175D3DCCD1}">
-                          <a14:hiddenFill xmlns="" xmlns:a14="http://schemas.microsoft.com/office/drawing/2010/main">
+                          <a14:hiddenFill xmlns:a14="http://schemas.microsoft.com/office/drawing/2010/main" xmlns="">
                             <a:solidFill>
                               <a:srgbClr val="FFFFFF"/>
                             </a:solidFill>
@@ -12112,7 +12112,7 @@
           <a:graphicData uri="http://schemas.openxmlformats.org/presentationml/2006/ole">
             <mc:AlternateContent xmlns:mc="http://schemas.openxmlformats.org/markup-compatibility/2006">
               <mc:Choice xmlns:v="urn:schemas-microsoft-com:vml" Requires="v">
-                <p:oleObj spid="_x0000_s2059" name="Equation" r:id="rId6" imgW="419040" imgH="711000" progId="Equation.3">
+                <p:oleObj spid="_x0000_s2063" name="Equation" r:id="rId6" imgW="419040" imgH="711000" progId="Equation.3">
                   <p:embed/>
                 </p:oleObj>
               </mc:Choice>
@@ -12151,7 +12151,7 @@
                       <a:noFill/>
                       <a:extLst>
                         <a:ext uri="{909E8E84-426E-40dd-AFC4-6F175D3DCCD1}">
-                          <a14:hiddenFill xmlns="" xmlns:a14="http://schemas.microsoft.com/office/drawing/2010/main">
+                          <a14:hiddenFill xmlns:a14="http://schemas.microsoft.com/office/drawing/2010/main" xmlns="">
                             <a:solidFill>
                               <a:srgbClr val="FFFFFF"/>
                             </a:solidFill>
@@ -13027,7 +13027,7 @@
           <a:graphicData uri="http://schemas.openxmlformats.org/presentationml/2006/ole">
             <mc:AlternateContent xmlns:mc="http://schemas.openxmlformats.org/markup-compatibility/2006">
               <mc:Choice xmlns:v="urn:schemas-microsoft-com:vml" Requires="v">
-                <p:oleObj spid="_x0000_s3104" name="Equation" r:id="rId4" imgW="914400" imgH="267840" progId="Equation.DSMT4">
+                <p:oleObj spid="_x0000_s3116" name="Equation" r:id="rId4" imgW="914400" imgH="267840" progId="Equation.DSMT4">
                   <p:embed/>
                 </p:oleObj>
               </mc:Choice>
@@ -13066,7 +13066,7 @@
                       <a:noFill/>
                       <a:extLst>
                         <a:ext uri="{909E8E84-426E-40dd-AFC4-6F175D3DCCD1}">
-                          <a14:hiddenFill xmlns="" xmlns:a14="http://schemas.microsoft.com/office/drawing/2010/main">
+                          <a14:hiddenFill xmlns:a14="http://schemas.microsoft.com/office/drawing/2010/main" xmlns="">
                             <a:solidFill>
                               <a:srgbClr val="FFFFFF"/>
                             </a:solidFill>
@@ -13103,7 +13103,7 @@
           <a:graphicData uri="http://schemas.openxmlformats.org/presentationml/2006/ole">
             <mc:AlternateContent xmlns:mc="http://schemas.openxmlformats.org/markup-compatibility/2006">
               <mc:Choice xmlns:v="urn:schemas-microsoft-com:vml" Requires="v">
-                <p:oleObj spid="_x0000_s3105" name="Equation" r:id="rId6" imgW="419040" imgH="711000" progId="Equation.DSMT4">
+                <p:oleObj spid="_x0000_s3117" name="Equation" r:id="rId6" imgW="419040" imgH="711000" progId="Equation.DSMT4">
                   <p:embed/>
                 </p:oleObj>
               </mc:Choice>
@@ -13142,7 +13142,7 @@
                       <a:noFill/>
                       <a:extLst>
                         <a:ext uri="{909E8E84-426E-40dd-AFC4-6F175D3DCCD1}">
-                          <a14:hiddenFill xmlns="" xmlns:a14="http://schemas.microsoft.com/office/drawing/2010/main">
+                          <a14:hiddenFill xmlns:a14="http://schemas.microsoft.com/office/drawing/2010/main" xmlns="">
                             <a:solidFill>
                               <a:srgbClr val="FFFFFF"/>
                             </a:solidFill>
@@ -13179,7 +13179,7 @@
           <a:graphicData uri="http://schemas.openxmlformats.org/presentationml/2006/ole">
             <mc:AlternateContent xmlns:mc="http://schemas.openxmlformats.org/markup-compatibility/2006">
               <mc:Choice xmlns:v="urn:schemas-microsoft-com:vml" Requires="v">
-                <p:oleObj spid="_x0000_s3106" name="Equation" r:id="rId8" imgW="1917360" imgH="711000" progId="Equation.DSMT4">
+                <p:oleObj spid="_x0000_s3118" name="Equation" r:id="rId8" imgW="1917360" imgH="711000" progId="Equation.DSMT4">
                   <p:embed/>
                 </p:oleObj>
               </mc:Choice>
@@ -13218,7 +13218,7 @@
                       <a:noFill/>
                       <a:extLst>
                         <a:ext uri="{909E8E84-426E-40dd-AFC4-6F175D3DCCD1}">
-                          <a14:hiddenFill xmlns="" xmlns:a14="http://schemas.microsoft.com/office/drawing/2010/main">
+                          <a14:hiddenFill xmlns:a14="http://schemas.microsoft.com/office/drawing/2010/main" xmlns="">
                             <a:solidFill>
                               <a:srgbClr val="FFFFFF"/>
                             </a:solidFill>
@@ -13281,7 +13281,7 @@
           <a:graphicData uri="http://schemas.openxmlformats.org/presentationml/2006/ole">
             <mc:AlternateContent xmlns:mc="http://schemas.openxmlformats.org/markup-compatibility/2006">
               <mc:Choice xmlns:v="urn:schemas-microsoft-com:vml" Requires="v">
-                <p:oleObj spid="_x0000_s3107" name="Equation" r:id="rId11" imgW="1257120" imgH="711000" progId="Equation.DSMT4">
+                <p:oleObj spid="_x0000_s3119" name="Equation" r:id="rId11" imgW="1257120" imgH="711000" progId="Equation.DSMT4">
                   <p:embed/>
                 </p:oleObj>
               </mc:Choice>
@@ -13320,7 +13320,7 @@
                       <a:noFill/>
                       <a:extLst>
                         <a:ext uri="{909E8E84-426E-40dd-AFC4-6F175D3DCCD1}">
-                          <a14:hiddenFill xmlns="" xmlns:a14="http://schemas.microsoft.com/office/drawing/2010/main">
+                          <a14:hiddenFill xmlns:a14="http://schemas.microsoft.com/office/drawing/2010/main" xmlns="">
                             <a:solidFill>
                               <a:srgbClr val="FFFFFF"/>
                             </a:solidFill>
@@ -13470,7 +13470,7 @@
           <a:graphicData uri="http://schemas.openxmlformats.org/presentationml/2006/ole">
             <mc:AlternateContent xmlns:mc="http://schemas.openxmlformats.org/markup-compatibility/2006">
               <mc:Choice xmlns:v="urn:schemas-microsoft-com:vml" Requires="v">
-                <p:oleObj spid="_x0000_s3108" name="Equation" r:id="rId13" imgW="419040" imgH="711000" progId="Equation.DSMT4">
+                <p:oleObj spid="_x0000_s3120" name="Equation" r:id="rId13" imgW="419040" imgH="711000" progId="Equation.DSMT4">
                   <p:embed/>
                 </p:oleObj>
               </mc:Choice>
@@ -13509,7 +13509,7 @@
                       <a:noFill/>
                       <a:extLst>
                         <a:ext uri="{909E8E84-426E-40dd-AFC4-6F175D3DCCD1}">
-                          <a14:hiddenFill xmlns="" xmlns:a14="http://schemas.microsoft.com/office/drawing/2010/main">
+                          <a14:hiddenFill xmlns:a14="http://schemas.microsoft.com/office/drawing/2010/main" xmlns="">
                             <a:solidFill>
                               <a:srgbClr val="FFFFFF"/>
                             </a:solidFill>
@@ -13540,7 +13540,7 @@
           <a:graphicData uri="http://schemas.openxmlformats.org/presentationml/2006/ole">
             <mc:AlternateContent xmlns:mc="http://schemas.openxmlformats.org/markup-compatibility/2006">
               <mc:Choice xmlns:v="urn:schemas-microsoft-com:vml" Requires="v">
-                <p:oleObj spid="_x0000_s3109" name="Equation" r:id="rId14" imgW="596880" imgH="711000" progId="Equation.3">
+                <p:oleObj spid="_x0000_s3121" name="Equation" r:id="rId14" imgW="596880" imgH="711000" progId="Equation.3">
                   <p:embed/>
                 </p:oleObj>
               </mc:Choice>
@@ -13579,7 +13579,7 @@
                       <a:noFill/>
                       <a:extLst>
                         <a:ext uri="{909E8E84-426E-40dd-AFC4-6F175D3DCCD1}">
-                          <a14:hiddenFill xmlns="" xmlns:a14="http://schemas.microsoft.com/office/drawing/2010/main">
+                          <a14:hiddenFill xmlns:a14="http://schemas.microsoft.com/office/drawing/2010/main" xmlns="">
                             <a:solidFill>
                               <a:srgbClr val="FFFFFF"/>
                             </a:solidFill>
@@ -14799,7 +14799,7 @@
           <a:graphicData uri="http://schemas.openxmlformats.org/presentationml/2006/ole">
             <mc:AlternateContent xmlns:mc="http://schemas.openxmlformats.org/markup-compatibility/2006">
               <mc:Choice xmlns:v="urn:schemas-microsoft-com:vml" Requires="v">
-                <p:oleObj spid="_x0000_s4118" name="Equation" r:id="rId4" imgW="914400" imgH="267840" progId="Equation.DSMT4">
+                <p:oleObj spid="_x0000_s4128" name="Equation" r:id="rId4" imgW="914400" imgH="267840" progId="Equation.DSMT4">
                   <p:embed/>
                 </p:oleObj>
               </mc:Choice>
@@ -14838,7 +14838,7 @@
                       <a:noFill/>
                       <a:extLst>
                         <a:ext uri="{909E8E84-426E-40dd-AFC4-6F175D3DCCD1}">
-                          <a14:hiddenFill xmlns="" xmlns:a14="http://schemas.microsoft.com/office/drawing/2010/main">
+                          <a14:hiddenFill xmlns:a14="http://schemas.microsoft.com/office/drawing/2010/main" xmlns="">
                             <a:solidFill>
                               <a:srgbClr val="FFFFFF"/>
                             </a:solidFill>
@@ -14869,7 +14869,7 @@
           <a:graphicData uri="http://schemas.openxmlformats.org/presentationml/2006/ole">
             <mc:AlternateContent xmlns:mc="http://schemas.openxmlformats.org/markup-compatibility/2006">
               <mc:Choice xmlns:v="urn:schemas-microsoft-com:vml" Requires="v">
-                <p:oleObj spid="_x0000_s4119" name="Equation" r:id="rId6" imgW="419040" imgH="711000" progId="Equation.DSMT4">
+                <p:oleObj spid="_x0000_s4129" name="Equation" r:id="rId6" imgW="419040" imgH="711000" progId="Equation.DSMT4">
                   <p:embed/>
                 </p:oleObj>
               </mc:Choice>
@@ -14908,7 +14908,7 @@
                       <a:noFill/>
                       <a:extLst>
                         <a:ext uri="{909E8E84-426E-40dd-AFC4-6F175D3DCCD1}">
-                          <a14:hiddenFill xmlns="" xmlns:a14="http://schemas.microsoft.com/office/drawing/2010/main">
+                          <a14:hiddenFill xmlns:a14="http://schemas.microsoft.com/office/drawing/2010/main" xmlns="">
                             <a:solidFill>
                               <a:srgbClr val="FFFFFF"/>
                             </a:solidFill>
@@ -14941,7 +14941,7 @@
           <a:graphicData uri="http://schemas.openxmlformats.org/presentationml/2006/ole">
             <mc:AlternateContent xmlns:mc="http://schemas.openxmlformats.org/markup-compatibility/2006">
               <mc:Choice xmlns:v="urn:schemas-microsoft-com:vml" Requires="v">
-                <p:oleObj spid="_x0000_s4120" name="Equation" r:id="rId8" imgW="1993680" imgH="711000" progId="Equation.DSMT4">
+                <p:oleObj spid="_x0000_s4130" name="Equation" r:id="rId8" imgW="1993680" imgH="711000" progId="Equation.DSMT4">
                   <p:embed/>
                 </p:oleObj>
               </mc:Choice>
@@ -14980,7 +14980,7 @@
                       <a:noFill/>
                       <a:extLst>
                         <a:ext uri="{909E8E84-426E-40dd-AFC4-6F175D3DCCD1}">
-                          <a14:hiddenFill xmlns="" xmlns:a14="http://schemas.microsoft.com/office/drawing/2010/main">
+                          <a14:hiddenFill xmlns:a14="http://schemas.microsoft.com/office/drawing/2010/main" xmlns="">
                             <a:solidFill>
                               <a:srgbClr val="FFFFFF"/>
                             </a:solidFill>
@@ -15043,7 +15043,7 @@
           <a:graphicData uri="http://schemas.openxmlformats.org/presentationml/2006/ole">
             <mc:AlternateContent xmlns:mc="http://schemas.openxmlformats.org/markup-compatibility/2006">
               <mc:Choice xmlns:v="urn:schemas-microsoft-com:vml" Requires="v">
-                <p:oleObj spid="_x0000_s4121" name="Equation" r:id="rId11" imgW="1206360" imgH="711000" progId="Equation.DSMT4">
+                <p:oleObj spid="_x0000_s4131" name="Equation" r:id="rId11" imgW="1206360" imgH="711000" progId="Equation.DSMT4">
                   <p:embed/>
                 </p:oleObj>
               </mc:Choice>
@@ -15082,7 +15082,7 @@
                       <a:noFill/>
                       <a:extLst>
                         <a:ext uri="{909E8E84-426E-40dd-AFC4-6F175D3DCCD1}">
-                          <a14:hiddenFill xmlns="" xmlns:a14="http://schemas.microsoft.com/office/drawing/2010/main">
+                          <a14:hiddenFill xmlns:a14="http://schemas.microsoft.com/office/drawing/2010/main" xmlns="">
                             <a:solidFill>
                               <a:srgbClr val="FFFFFF"/>
                             </a:solidFill>
@@ -15115,7 +15115,7 @@
           <a:graphicData uri="http://schemas.openxmlformats.org/presentationml/2006/ole">
             <mc:AlternateContent xmlns:mc="http://schemas.openxmlformats.org/markup-compatibility/2006">
               <mc:Choice xmlns:v="urn:schemas-microsoft-com:vml" Requires="v">
-                <p:oleObj spid="_x0000_s4122" name="Equation" r:id="rId13" imgW="1917360" imgH="711000" progId="Equation.3">
+                <p:oleObj spid="_x0000_s4132" name="Equation" r:id="rId13" imgW="1917360" imgH="711000" progId="Equation.3">
                   <p:embed/>
                 </p:oleObj>
               </mc:Choice>
@@ -15154,7 +15154,7 @@
                       <a:noFill/>
                       <a:extLst>
                         <a:ext uri="{909E8E84-426E-40dd-AFC4-6F175D3DCCD1}">
-                          <a14:hiddenFill xmlns="" xmlns:a14="http://schemas.microsoft.com/office/drawing/2010/main">
+                          <a14:hiddenFill xmlns:a14="http://schemas.microsoft.com/office/drawing/2010/main" xmlns="">
                             <a:solidFill>
                               <a:srgbClr val="FFFFFF"/>
                             </a:solidFill>
@@ -16030,14 +16030,14 @@
             </a:ln>
             <a:extLst>
               <a:ext uri="{909E8E84-426E-40dd-AFC4-6F175D3DCCD1}">
-                <a14:hiddenFill xmlns="" xmlns:a14="http://schemas.microsoft.com/office/drawing/2010/main">
+                <a14:hiddenFill xmlns:a14="http://schemas.microsoft.com/office/drawing/2010/main" xmlns="">
                   <a:solidFill>
                     <a:srgbClr val="FFFFFF"/>
                   </a:solidFill>
                 </a14:hiddenFill>
               </a:ext>
               <a:ext uri="{91240B29-F687-4f45-9708-019B960494DF}">
-                <a14:hiddenLine xmlns="" xmlns:a14="http://schemas.microsoft.com/office/drawing/2010/main" w="9525">
+                <a14:hiddenLine xmlns:a14="http://schemas.microsoft.com/office/drawing/2010/main" xmlns="" w="9525">
                   <a:solidFill>
                     <a:srgbClr val="000000"/>
                   </a:solidFill>
@@ -16267,7 +16267,7 @@
             </a:ln>
             <a:extLst>
               <a:ext uri="{909E8E84-426E-40dd-AFC4-6F175D3DCCD1}">
-                <a14:hiddenFill xmlns="" xmlns:a14="http://schemas.microsoft.com/office/drawing/2010/main">
+                <a14:hiddenFill xmlns:a14="http://schemas.microsoft.com/office/drawing/2010/main" xmlns="">
                   <a:solidFill>
                     <a:srgbClr val="FFFFFF"/>
                   </a:solidFill>
@@ -16374,7 +16374,7 @@
             </a:ln>
             <a:extLst>
               <a:ext uri="{909E8E84-426E-40dd-AFC4-6F175D3DCCD1}">
-                <a14:hiddenFill xmlns="" xmlns:a14="http://schemas.microsoft.com/office/drawing/2010/main">
+                <a14:hiddenFill xmlns:a14="http://schemas.microsoft.com/office/drawing/2010/main" xmlns="">
                   <a:solidFill>
                     <a:srgbClr val="FFFFFF"/>
                   </a:solidFill>
@@ -17416,7 +17416,7 @@
           <a:graphicData uri="http://schemas.openxmlformats.org/presentationml/2006/ole">
             <mc:AlternateContent xmlns:mc="http://schemas.openxmlformats.org/markup-compatibility/2006">
               <mc:Choice xmlns:v="urn:schemas-microsoft-com:vml" Requires="v">
-                <p:oleObj spid="_x0000_s5152" name="Equation" r:id="rId4" imgW="914400" imgH="267840" progId="Equation.DSMT4">
+                <p:oleObj spid="_x0000_s5164" name="Equation" r:id="rId4" imgW="914400" imgH="267840" progId="Equation.DSMT4">
                   <p:embed/>
                 </p:oleObj>
               </mc:Choice>
@@ -17455,7 +17455,7 @@
                       <a:noFill/>
                       <a:extLst>
                         <a:ext uri="{909E8E84-426E-40dd-AFC4-6F175D3DCCD1}">
-                          <a14:hiddenFill xmlns="" xmlns:a14="http://schemas.microsoft.com/office/drawing/2010/main">
+                          <a14:hiddenFill xmlns:a14="http://schemas.microsoft.com/office/drawing/2010/main" xmlns="">
                             <a:solidFill>
                               <a:srgbClr val="FFFFFF"/>
                             </a:solidFill>
@@ -17488,7 +17488,7 @@
           <a:graphicData uri="http://schemas.openxmlformats.org/presentationml/2006/ole">
             <mc:AlternateContent xmlns:mc="http://schemas.openxmlformats.org/markup-compatibility/2006">
               <mc:Choice xmlns:v="urn:schemas-microsoft-com:vml" Requires="v">
-                <p:oleObj spid="_x0000_s5153" name="Equation" r:id="rId6" imgW="419040" imgH="711000" progId="Equation.DSMT4">
+                <p:oleObj spid="_x0000_s5165" name="Equation" r:id="rId6" imgW="419040" imgH="711000" progId="Equation.DSMT4">
                   <p:embed/>
                 </p:oleObj>
               </mc:Choice>
@@ -17527,7 +17527,7 @@
                       <a:noFill/>
                       <a:extLst>
                         <a:ext uri="{909E8E84-426E-40dd-AFC4-6F175D3DCCD1}">
-                          <a14:hiddenFill xmlns="" xmlns:a14="http://schemas.microsoft.com/office/drawing/2010/main">
+                          <a14:hiddenFill xmlns:a14="http://schemas.microsoft.com/office/drawing/2010/main" xmlns="">
                             <a:solidFill>
                               <a:srgbClr val="FFFFFF"/>
                             </a:solidFill>
@@ -17560,7 +17560,7 @@
           <a:graphicData uri="http://schemas.openxmlformats.org/presentationml/2006/ole">
             <mc:AlternateContent xmlns:mc="http://schemas.openxmlformats.org/markup-compatibility/2006">
               <mc:Choice xmlns:v="urn:schemas-microsoft-com:vml" Requires="v">
-                <p:oleObj spid="_x0000_s5154" name="Equation" r:id="rId8" imgW="1993680" imgH="711000" progId="Equation.DSMT4">
+                <p:oleObj spid="_x0000_s5166" name="Equation" r:id="rId8" imgW="1993680" imgH="711000" progId="Equation.DSMT4">
                   <p:embed/>
                 </p:oleObj>
               </mc:Choice>
@@ -17599,7 +17599,7 @@
                       <a:noFill/>
                       <a:extLst>
                         <a:ext uri="{909E8E84-426E-40dd-AFC4-6F175D3DCCD1}">
-                          <a14:hiddenFill xmlns="" xmlns:a14="http://schemas.microsoft.com/office/drawing/2010/main">
+                          <a14:hiddenFill xmlns:a14="http://schemas.microsoft.com/office/drawing/2010/main" xmlns="">
                             <a:solidFill>
                               <a:srgbClr val="FFFFFF"/>
                             </a:solidFill>
@@ -17630,7 +17630,7 @@
           <a:graphicData uri="http://schemas.openxmlformats.org/presentationml/2006/ole">
             <mc:AlternateContent xmlns:mc="http://schemas.openxmlformats.org/markup-compatibility/2006">
               <mc:Choice xmlns:v="urn:schemas-microsoft-com:vml" Requires="v">
-                <p:oleObj spid="_x0000_s5155" name="Equation" r:id="rId10" imgW="2044440" imgH="711000" progId="Equation.DSMT4">
+                <p:oleObj spid="_x0000_s5167" name="Equation" r:id="rId10" imgW="2044440" imgH="711000" progId="Equation.DSMT4">
                   <p:embed/>
                 </p:oleObj>
               </mc:Choice>
@@ -17669,7 +17669,7 @@
                       <a:noFill/>
                       <a:extLst>
                         <a:ext uri="{909E8E84-426E-40dd-AFC4-6F175D3DCCD1}">
-                          <a14:hiddenFill xmlns="" xmlns:a14="http://schemas.microsoft.com/office/drawing/2010/main">
+                          <a14:hiddenFill xmlns:a14="http://schemas.microsoft.com/office/drawing/2010/main" xmlns="">
                             <a:solidFill>
                               <a:srgbClr val="FFFFFF"/>
                             </a:solidFill>
@@ -17702,7 +17702,7 @@
           <a:graphicData uri="http://schemas.openxmlformats.org/presentationml/2006/ole">
             <mc:AlternateContent xmlns:mc="http://schemas.openxmlformats.org/markup-compatibility/2006">
               <mc:Choice xmlns:v="urn:schemas-microsoft-com:vml" Requires="v">
-                <p:oleObj spid="_x0000_s5156" name="Equation" r:id="rId12" imgW="1917360" imgH="711000" progId="Equation.DSMT4">
+                <p:oleObj spid="_x0000_s5168" name="Equation" r:id="rId12" imgW="1917360" imgH="711000" progId="Equation.DSMT4">
                   <p:embed/>
                 </p:oleObj>
               </mc:Choice>
@@ -17741,7 +17741,7 @@
                       <a:noFill/>
                       <a:extLst>
                         <a:ext uri="{909E8E84-426E-40dd-AFC4-6F175D3DCCD1}">
-                          <a14:hiddenFill xmlns="" xmlns:a14="http://schemas.microsoft.com/office/drawing/2010/main">
+                          <a14:hiddenFill xmlns:a14="http://schemas.microsoft.com/office/drawing/2010/main" xmlns="">
                             <a:solidFill>
                               <a:srgbClr val="FFFFFF"/>
                             </a:solidFill>
@@ -18472,7 +18472,7 @@
           <a:graphicData uri="http://schemas.openxmlformats.org/presentationml/2006/ole">
             <mc:AlternateContent xmlns:mc="http://schemas.openxmlformats.org/markup-compatibility/2006">
               <mc:Choice xmlns:v="urn:schemas-microsoft-com:vml" Requires="v">
-                <p:oleObj spid="_x0000_s5157" name="Equation" r:id="rId14" imgW="2286000" imgH="736560" progId="Equation.3">
+                <p:oleObj spid="_x0000_s5169" name="Equation" r:id="rId14" imgW="2286000" imgH="736560" progId="Equation.3">
                   <p:embed/>
                 </p:oleObj>
               </mc:Choice>
@@ -18511,7 +18511,7 @@
                       <a:noFill/>
                       <a:extLst>
                         <a:ext uri="{909E8E84-426E-40dd-AFC4-6F175D3DCCD1}">
-                          <a14:hiddenFill xmlns="" xmlns:a14="http://schemas.microsoft.com/office/drawing/2010/main">
+                          <a14:hiddenFill xmlns:a14="http://schemas.microsoft.com/office/drawing/2010/main" xmlns="">
                             <a:solidFill>
                               <a:srgbClr val="FFFFFF"/>
                             </a:solidFill>
@@ -18846,7 +18846,7 @@
           <a:graphicData uri="http://schemas.openxmlformats.org/presentationml/2006/ole">
             <mc:AlternateContent xmlns:mc="http://schemas.openxmlformats.org/markup-compatibility/2006">
               <mc:Choice xmlns:v="urn:schemas-microsoft-com:vml" Requires="v">
-                <p:oleObj spid="_x0000_s6166" name="Equation" r:id="rId4" imgW="2286000" imgH="736560" progId="Equation.DSMT4">
+                <p:oleObj spid="_x0000_s6174" name="Equation" r:id="rId4" imgW="2286000" imgH="736560" progId="Equation.DSMT4">
                   <p:embed/>
                 </p:oleObj>
               </mc:Choice>
@@ -18885,7 +18885,7 @@
                       <a:noFill/>
                       <a:extLst>
                         <a:ext uri="{909E8E84-426E-40dd-AFC4-6F175D3DCCD1}">
-                          <a14:hiddenFill xmlns="" xmlns:a14="http://schemas.microsoft.com/office/drawing/2010/main">
+                          <a14:hiddenFill xmlns:a14="http://schemas.microsoft.com/office/drawing/2010/main" xmlns="">
                             <a:solidFill>
                               <a:srgbClr val="FFFFFF"/>
                             </a:solidFill>
@@ -18916,7 +18916,7 @@
           <a:graphicData uri="http://schemas.openxmlformats.org/presentationml/2006/ole">
             <mc:AlternateContent xmlns:mc="http://schemas.openxmlformats.org/markup-compatibility/2006">
               <mc:Choice xmlns:v="urn:schemas-microsoft-com:vml" Requires="v">
-                <p:oleObj spid="_x0000_s6167" name="Equation" r:id="rId6" imgW="2514600" imgH="1117440" progId="Equation.DSMT4">
+                <p:oleObj spid="_x0000_s6175" name="Equation" r:id="rId6" imgW="2514600" imgH="1117440" progId="Equation.DSMT4">
                   <p:embed/>
                 </p:oleObj>
               </mc:Choice>
@@ -18955,7 +18955,7 @@
                       <a:noFill/>
                       <a:extLst>
                         <a:ext uri="{909E8E84-426E-40dd-AFC4-6F175D3DCCD1}">
-                          <a14:hiddenFill xmlns="" xmlns:a14="http://schemas.microsoft.com/office/drawing/2010/main">
+                          <a14:hiddenFill xmlns:a14="http://schemas.microsoft.com/office/drawing/2010/main" xmlns="">
                             <a:solidFill>
                               <a:srgbClr val="FFFFFF"/>
                             </a:solidFill>
@@ -18986,7 +18986,7 @@
           <a:graphicData uri="http://schemas.openxmlformats.org/presentationml/2006/ole">
             <mc:AlternateContent xmlns:mc="http://schemas.openxmlformats.org/markup-compatibility/2006">
               <mc:Choice xmlns:v="urn:schemas-microsoft-com:vml" Requires="v">
-                <p:oleObj spid="_x0000_s6168" name="Equation" r:id="rId8" imgW="1993680" imgH="711000" progId="Equation.DSMT4">
+                <p:oleObj spid="_x0000_s6176" name="Equation" r:id="rId8" imgW="1993680" imgH="711000" progId="Equation.DSMT4">
                   <p:embed/>
                 </p:oleObj>
               </mc:Choice>
@@ -19025,7 +19025,7 @@
                       <a:noFill/>
                       <a:extLst>
                         <a:ext uri="{909E8E84-426E-40dd-AFC4-6F175D3DCCD1}">
-                          <a14:hiddenFill xmlns="" xmlns:a14="http://schemas.microsoft.com/office/drawing/2010/main">
+                          <a14:hiddenFill xmlns:a14="http://schemas.microsoft.com/office/drawing/2010/main" xmlns="">
                             <a:solidFill>
                               <a:srgbClr val="FFFFFF"/>
                             </a:solidFill>
@@ -19106,7 +19106,7 @@
           <a:graphicData uri="http://schemas.openxmlformats.org/presentationml/2006/ole">
             <mc:AlternateContent xmlns:mc="http://schemas.openxmlformats.org/markup-compatibility/2006">
               <mc:Choice xmlns:v="urn:schemas-microsoft-com:vml" Requires="v">
-                <p:oleObj spid="_x0000_s6169" name="Equation" r:id="rId10" imgW="4152600" imgH="1117440" progId="Equation.3">
+                <p:oleObj spid="_x0000_s6177" name="Equation" r:id="rId10" imgW="4152600" imgH="1117440" progId="Equation.3">
                   <p:embed/>
                 </p:oleObj>
               </mc:Choice>
@@ -19145,7 +19145,7 @@
                       <a:noFill/>
                       <a:extLst>
                         <a:ext uri="{909E8E84-426E-40dd-AFC4-6F175D3DCCD1}">
-                          <a14:hiddenFill xmlns="" xmlns:a14="http://schemas.microsoft.com/office/drawing/2010/main">
+                          <a14:hiddenFill xmlns:a14="http://schemas.microsoft.com/office/drawing/2010/main" xmlns="">
                             <a:solidFill>
                               <a:srgbClr val="FFFFFF"/>
                             </a:solidFill>
@@ -20473,7 +20473,7 @@
           <a:graphicData uri="http://schemas.openxmlformats.org/presentationml/2006/ole">
             <mc:AlternateContent xmlns:mc="http://schemas.openxmlformats.org/markup-compatibility/2006">
               <mc:Choice xmlns:v="urn:schemas-microsoft-com:vml" Requires="v">
-                <p:oleObj spid="_x0000_s7182" name="Equation" r:id="rId4" imgW="2920680" imgH="3098520" progId="Equation.DSMT4">
+                <p:oleObj spid="_x0000_s7188" name="Equation" r:id="rId4" imgW="2920680" imgH="3098520" progId="Equation.DSMT4">
                   <p:embed/>
                 </p:oleObj>
               </mc:Choice>
@@ -20512,7 +20512,7 @@
                       <a:noFill/>
                       <a:extLst>
                         <a:ext uri="{909E8E84-426E-40dd-AFC4-6F175D3DCCD1}">
-                          <a14:hiddenFill xmlns="" xmlns:a14="http://schemas.microsoft.com/office/drawing/2010/main">
+                          <a14:hiddenFill xmlns:a14="http://schemas.microsoft.com/office/drawing/2010/main" xmlns="">
                             <a:solidFill>
                               <a:srgbClr val="FFFFFF"/>
                             </a:solidFill>
@@ -20543,7 +20543,7 @@
           <a:graphicData uri="http://schemas.openxmlformats.org/presentationml/2006/ole">
             <mc:AlternateContent xmlns:mc="http://schemas.openxmlformats.org/markup-compatibility/2006">
               <mc:Choice xmlns:v="urn:schemas-microsoft-com:vml" Requires="v">
-                <p:oleObj spid="_x0000_s7183" name="Equation" r:id="rId6" imgW="2920680" imgH="3073320" progId="Equation.DSMT4">
+                <p:oleObj spid="_x0000_s7189" name="Equation" r:id="rId6" imgW="2920680" imgH="3073320" progId="Equation.DSMT4">
                   <p:embed/>
                 </p:oleObj>
               </mc:Choice>
@@ -20582,7 +20582,7 @@
                       <a:noFill/>
                       <a:extLst>
                         <a:ext uri="{909E8E84-426E-40dd-AFC4-6F175D3DCCD1}">
-                          <a14:hiddenFill xmlns="" xmlns:a14="http://schemas.microsoft.com/office/drawing/2010/main">
+                          <a14:hiddenFill xmlns:a14="http://schemas.microsoft.com/office/drawing/2010/main" xmlns="">
                             <a:solidFill>
                               <a:srgbClr val="FFFFFF"/>
                             </a:solidFill>
@@ -21262,7 +21262,7 @@
           <a:graphicData uri="http://schemas.openxmlformats.org/presentationml/2006/ole">
             <mc:AlternateContent xmlns:mc="http://schemas.openxmlformats.org/markup-compatibility/2006">
               <mc:Choice xmlns:v="urn:schemas-microsoft-com:vml" Requires="v">
-                <p:oleObj spid="_x0000_s7184" name="Equation" r:id="rId8" imgW="914400" imgH="267840" progId="Equation.3">
+                <p:oleObj spid="_x0000_s7190" name="Equation" r:id="rId8" imgW="914400" imgH="267840" progId="Equation.3">
                   <p:embed/>
                 </p:oleObj>
               </mc:Choice>
@@ -21301,7 +21301,7 @@
                       <a:noFill/>
                       <a:extLst>
                         <a:ext uri="{909E8E84-426E-40dd-AFC4-6F175D3DCCD1}">
-                          <a14:hiddenFill xmlns="" xmlns:a14="http://schemas.microsoft.com/office/drawing/2010/main">
+                          <a14:hiddenFill xmlns:a14="http://schemas.microsoft.com/office/drawing/2010/main" xmlns="">
                             <a:solidFill>
                               <a:srgbClr val="FFFFFF"/>
                             </a:solidFill>
@@ -26597,7 +26597,7 @@
           <a:graphicData uri="http://schemas.openxmlformats.org/presentationml/2006/ole">
             <mc:AlternateContent xmlns:mc="http://schemas.openxmlformats.org/markup-compatibility/2006">
               <mc:Choice xmlns:v="urn:schemas-microsoft-com:vml" Requires="v">
-                <p:oleObj spid="_x0000_s8209" name="Equation" r:id="rId4" imgW="1473120" imgH="1117440" progId="Equation.DSMT4">
+                <p:oleObj spid="_x0000_s8215" name="Equation" r:id="rId4" imgW="1473120" imgH="1117440" progId="Equation.DSMT4">
                   <p:embed/>
                 </p:oleObj>
               </mc:Choice>
@@ -26636,7 +26636,7 @@
                       <a:noFill/>
                       <a:extLst>
                         <a:ext uri="{909E8E84-426E-40dd-AFC4-6F175D3DCCD1}">
-                          <a14:hiddenFill xmlns="" xmlns:a14="http://schemas.microsoft.com/office/drawing/2010/main">
+                          <a14:hiddenFill xmlns:a14="http://schemas.microsoft.com/office/drawing/2010/main" xmlns="">
                             <a:solidFill>
                               <a:srgbClr val="FFFFFF"/>
                             </a:solidFill>
@@ -26669,7 +26669,7 @@
           <a:graphicData uri="http://schemas.openxmlformats.org/presentationml/2006/ole">
             <mc:AlternateContent xmlns:mc="http://schemas.openxmlformats.org/markup-compatibility/2006">
               <mc:Choice xmlns:v="urn:schemas-microsoft-com:vml" Requires="v">
-                <p:oleObj spid="_x0000_s8210" name="Equation" r:id="rId6" imgW="3009600" imgH="1422360" progId="Equation.DSMT4">
+                <p:oleObj spid="_x0000_s8216" name="Equation" r:id="rId6" imgW="3009600" imgH="1422360" progId="Equation.DSMT4">
                   <p:embed/>
                 </p:oleObj>
               </mc:Choice>
@@ -26731,7 +26731,7 @@
           <a:graphicData uri="http://schemas.openxmlformats.org/presentationml/2006/ole">
             <mc:AlternateContent xmlns:mc="http://schemas.openxmlformats.org/markup-compatibility/2006">
               <mc:Choice xmlns:v="urn:schemas-microsoft-com:vml" Requires="v">
-                <p:oleObj spid="_x0000_s8211" name="Equation" r:id="rId8" imgW="2184120" imgH="1422360" progId="Equation.3">
+                <p:oleObj spid="_x0000_s8217" name="Equation" r:id="rId8" imgW="2184120" imgH="1422360" progId="Equation.3">
                   <p:embed/>
                 </p:oleObj>
               </mc:Choice>
@@ -26770,7 +26770,7 @@
                       <a:noFill/>
                       <a:extLst>
                         <a:ext uri="{909E8E84-426E-40dd-AFC4-6F175D3DCCD1}">
-                          <a14:hiddenFill xmlns="" xmlns:a14="http://schemas.microsoft.com/office/drawing/2010/main">
+                          <a14:hiddenFill xmlns:a14="http://schemas.microsoft.com/office/drawing/2010/main" xmlns="">
                             <a:solidFill>
                               <a:srgbClr val="FFFFFF"/>
                             </a:solidFill>
@@ -27495,7 +27495,7 @@
           <a:graphicData uri="http://schemas.openxmlformats.org/presentationml/2006/ole">
             <mc:AlternateContent xmlns:mc="http://schemas.openxmlformats.org/markup-compatibility/2006">
               <mc:Choice xmlns:v="urn:schemas-microsoft-com:vml" Requires="v">
-                <p:oleObj spid="_x0000_s9226" name="Equation" r:id="rId4" imgW="914400" imgH="267840" progId="Equation.DSMT4">
+                <p:oleObj spid="_x0000_s9230" name="Equation" r:id="rId4" imgW="914400" imgH="267840" progId="Equation.DSMT4">
                   <p:embed/>
                 </p:oleObj>
               </mc:Choice>
@@ -27534,7 +27534,7 @@
                       <a:noFill/>
                       <a:extLst>
                         <a:ext uri="{909E8E84-426E-40dd-AFC4-6F175D3DCCD1}">
-                          <a14:hiddenFill xmlns="" xmlns:a14="http://schemas.microsoft.com/office/drawing/2010/main">
+                          <a14:hiddenFill xmlns:a14="http://schemas.microsoft.com/office/drawing/2010/main" xmlns="">
                             <a:solidFill>
                               <a:srgbClr val="FFFFFF"/>
                             </a:solidFill>
@@ -27565,7 +27565,7 @@
           <a:graphicData uri="http://schemas.openxmlformats.org/presentationml/2006/ole">
             <mc:AlternateContent xmlns:mc="http://schemas.openxmlformats.org/markup-compatibility/2006">
               <mc:Choice xmlns:v="urn:schemas-microsoft-com:vml" Requires="v">
-                <p:oleObj spid="_x0000_s9227" name="Equation" r:id="rId6" imgW="419040" imgH="711000" progId="Equation.3">
+                <p:oleObj spid="_x0000_s9231" name="Equation" r:id="rId6" imgW="419040" imgH="711000" progId="Equation.3">
                   <p:embed/>
                 </p:oleObj>
               </mc:Choice>
@@ -27604,7 +27604,7 @@
                       <a:noFill/>
                       <a:extLst>
                         <a:ext uri="{909E8E84-426E-40dd-AFC4-6F175D3DCCD1}">
-                          <a14:hiddenFill xmlns="" xmlns:a14="http://schemas.microsoft.com/office/drawing/2010/main">
+                          <a14:hiddenFill xmlns:a14="http://schemas.microsoft.com/office/drawing/2010/main" xmlns="">
                             <a:solidFill>
                               <a:srgbClr val="FFFFFF"/>
                             </a:solidFill>
@@ -28340,7 +28340,7 @@
           <a:graphicData uri="http://schemas.openxmlformats.org/presentationml/2006/ole">
             <mc:AlternateContent xmlns:mc="http://schemas.openxmlformats.org/markup-compatibility/2006">
               <mc:Choice xmlns:v="urn:schemas-microsoft-com:vml" Requires="v">
-                <p:oleObj spid="_x0000_s10246" name="Equation" r:id="rId4" imgW="419040" imgH="711000" progId="Equation.3">
+                <p:oleObj spid="_x0000_s10248" name="Equation" r:id="rId4" imgW="419040" imgH="711000" progId="Equation.3">
                   <p:embed/>
                 </p:oleObj>
               </mc:Choice>
@@ -28379,7 +28379,7 @@
                       <a:noFill/>
                       <a:extLst>
                         <a:ext uri="{909E8E84-426E-40dd-AFC4-6F175D3DCCD1}">
-                          <a14:hiddenFill xmlns="" xmlns:a14="http://schemas.microsoft.com/office/drawing/2010/main">
+                          <a14:hiddenFill xmlns:a14="http://schemas.microsoft.com/office/drawing/2010/main" xmlns="">
                             <a:solidFill>
                               <a:srgbClr val="FFFFFF"/>
                             </a:solidFill>
@@ -29180,7 +29180,7 @@
           <a:graphicData uri="http://schemas.openxmlformats.org/presentationml/2006/ole">
             <mc:AlternateContent xmlns:mc="http://schemas.openxmlformats.org/markup-compatibility/2006">
               <mc:Choice xmlns:v="urn:schemas-microsoft-com:vml" Requires="v">
-                <p:oleObj spid="_x0000_s11274" name="Equation" r:id="rId4" imgW="419040" imgH="711000" progId="Equation.DSMT4">
+                <p:oleObj spid="_x0000_s11278" name="Equation" r:id="rId4" imgW="419040" imgH="711000" progId="Equation.DSMT4">
                   <p:embed/>
                 </p:oleObj>
               </mc:Choice>
@@ -29219,7 +29219,7 @@
                       <a:noFill/>
                       <a:extLst>
                         <a:ext uri="{909E8E84-426E-40dd-AFC4-6F175D3DCCD1}">
-                          <a14:hiddenFill xmlns="" xmlns:a14="http://schemas.microsoft.com/office/drawing/2010/main">
+                          <a14:hiddenFill xmlns:a14="http://schemas.microsoft.com/office/drawing/2010/main" xmlns="">
                             <a:solidFill>
                               <a:srgbClr val="FFFFFF"/>
                             </a:solidFill>
@@ -29674,7 +29674,7 @@
           <a:graphicData uri="http://schemas.openxmlformats.org/presentationml/2006/ole">
             <mc:AlternateContent xmlns:mc="http://schemas.openxmlformats.org/markup-compatibility/2006">
               <mc:Choice xmlns:v="urn:schemas-microsoft-com:vml" Requires="v">
-                <p:oleObj spid="_x0000_s11275" name="Equation" r:id="rId6" imgW="774360" imgH="711000" progId="Equation.3">
+                <p:oleObj spid="_x0000_s11279" name="Equation" r:id="rId6" imgW="774360" imgH="711000" progId="Equation.3">
                   <p:embed/>
                 </p:oleObj>
               </mc:Choice>
@@ -29713,7 +29713,7 @@
                       <a:noFill/>
                       <a:extLst>
                         <a:ext uri="{909E8E84-426E-40dd-AFC4-6F175D3DCCD1}">
-                          <a14:hiddenFill xmlns="" xmlns:a14="http://schemas.microsoft.com/office/drawing/2010/main">
+                          <a14:hiddenFill xmlns:a14="http://schemas.microsoft.com/office/drawing/2010/main" xmlns="">
                             <a:solidFill>
                               <a:srgbClr val="FFFFFF"/>
                             </a:solidFill>
@@ -30334,7 +30334,7 @@
           <a:graphicData uri="http://schemas.openxmlformats.org/presentationml/2006/ole">
             <mc:AlternateContent xmlns:mc="http://schemas.openxmlformats.org/markup-compatibility/2006">
               <mc:Choice xmlns:v="urn:schemas-microsoft-com:vml" Requires="v">
-                <p:oleObj spid="_x0000_s12298" name="Equation" r:id="rId4" imgW="419040" imgH="711000" progId="Equation.DSMT4">
+                <p:oleObj spid="_x0000_s12302" name="Equation" r:id="rId4" imgW="419040" imgH="711000" progId="Equation.DSMT4">
                   <p:embed/>
                 </p:oleObj>
               </mc:Choice>
@@ -30373,7 +30373,7 @@
                       <a:noFill/>
                       <a:extLst>
                         <a:ext uri="{909E8E84-426E-40dd-AFC4-6F175D3DCCD1}">
-                          <a14:hiddenFill xmlns="" xmlns:a14="http://schemas.microsoft.com/office/drawing/2010/main">
+                          <a14:hiddenFill xmlns:a14="http://schemas.microsoft.com/office/drawing/2010/main" xmlns="">
                             <a:solidFill>
                               <a:srgbClr val="FFFFFF"/>
                             </a:solidFill>
@@ -30828,7 +30828,7 @@
           <a:graphicData uri="http://schemas.openxmlformats.org/presentationml/2006/ole">
             <mc:AlternateContent xmlns:mc="http://schemas.openxmlformats.org/markup-compatibility/2006">
               <mc:Choice xmlns:v="urn:schemas-microsoft-com:vml" Requires="v">
-                <p:oleObj spid="_x0000_s12299" name="Equation" r:id="rId6" imgW="774360" imgH="711000" progId="Equation.3">
+                <p:oleObj spid="_x0000_s12303" name="Equation" r:id="rId6" imgW="774360" imgH="711000" progId="Equation.3">
                   <p:embed/>
                 </p:oleObj>
               </mc:Choice>
@@ -30867,7 +30867,7 @@
                       <a:noFill/>
                       <a:extLst>
                         <a:ext uri="{909E8E84-426E-40dd-AFC4-6F175D3DCCD1}">
-                          <a14:hiddenFill xmlns="" xmlns:a14="http://schemas.microsoft.com/office/drawing/2010/main">
+                          <a14:hiddenFill xmlns:a14="http://schemas.microsoft.com/office/drawing/2010/main" xmlns="">
                             <a:solidFill>
                               <a:srgbClr val="FFFFFF"/>
                             </a:solidFill>
@@ -31678,7 +31678,7 @@
           <a:graphicData uri="http://schemas.openxmlformats.org/presentationml/2006/ole">
             <mc:AlternateContent xmlns:mc="http://schemas.openxmlformats.org/markup-compatibility/2006">
               <mc:Choice xmlns:v="urn:schemas-microsoft-com:vml" Requires="v">
-                <p:oleObj spid="_x0000_s13322" name="Equation" r:id="rId4" imgW="419040" imgH="711000" progId="Equation.DSMT4">
+                <p:oleObj spid="_x0000_s13326" name="Equation" r:id="rId4" imgW="419040" imgH="711000" progId="Equation.DSMT4">
                   <p:embed/>
                 </p:oleObj>
               </mc:Choice>
@@ -31717,7 +31717,7 @@
                       <a:noFill/>
                       <a:extLst>
                         <a:ext uri="{909E8E84-426E-40dd-AFC4-6F175D3DCCD1}">
-                          <a14:hiddenFill xmlns="" xmlns:a14="http://schemas.microsoft.com/office/drawing/2010/main">
+                          <a14:hiddenFill xmlns:a14="http://schemas.microsoft.com/office/drawing/2010/main" xmlns="">
                             <a:solidFill>
                               <a:srgbClr val="FFFFFF"/>
                             </a:solidFill>
@@ -32172,7 +32172,7 @@
           <a:graphicData uri="http://schemas.openxmlformats.org/presentationml/2006/ole">
             <mc:AlternateContent xmlns:mc="http://schemas.openxmlformats.org/markup-compatibility/2006">
               <mc:Choice xmlns:v="urn:schemas-microsoft-com:vml" Requires="v">
-                <p:oleObj spid="_x0000_s13323" name="Equation" r:id="rId6" imgW="774360" imgH="711000" progId="Equation.3">
+                <p:oleObj spid="_x0000_s13327" name="Equation" r:id="rId6" imgW="774360" imgH="711000" progId="Equation.3">
                   <p:embed/>
                 </p:oleObj>
               </mc:Choice>
@@ -32211,7 +32211,7 @@
                       <a:noFill/>
                       <a:extLst>
                         <a:ext uri="{909E8E84-426E-40dd-AFC4-6F175D3DCCD1}">
-                          <a14:hiddenFill xmlns="" xmlns:a14="http://schemas.microsoft.com/office/drawing/2010/main">
+                          <a14:hiddenFill xmlns:a14="http://schemas.microsoft.com/office/drawing/2010/main" xmlns="">
                             <a:solidFill>
                               <a:srgbClr val="FFFFFF"/>
                             </a:solidFill>
@@ -32444,7 +32444,7 @@
           <a:graphicData uri="http://schemas.openxmlformats.org/presentationml/2006/ole">
             <mc:AlternateContent xmlns:mc="http://schemas.openxmlformats.org/markup-compatibility/2006">
               <mc:Choice xmlns:v="urn:schemas-microsoft-com:vml" Requires="v">
-                <p:oleObj spid="_x0000_s14346" name="Equation" r:id="rId4" imgW="419040" imgH="711000" progId="Equation.DSMT4">
+                <p:oleObj spid="_x0000_s14350" name="Equation" r:id="rId4" imgW="419040" imgH="711000" progId="Equation.DSMT4">
                   <p:embed/>
                 </p:oleObj>
               </mc:Choice>
@@ -32483,7 +32483,7 @@
                       <a:noFill/>
                       <a:extLst>
                         <a:ext uri="{909E8E84-426E-40dd-AFC4-6F175D3DCCD1}">
-                          <a14:hiddenFill xmlns="" xmlns:a14="http://schemas.microsoft.com/office/drawing/2010/main">
+                          <a14:hiddenFill xmlns:a14="http://schemas.microsoft.com/office/drawing/2010/main" xmlns="">
                             <a:solidFill>
                               <a:srgbClr val="FFFFFF"/>
                             </a:solidFill>
@@ -32938,7 +32938,7 @@
           <a:graphicData uri="http://schemas.openxmlformats.org/presentationml/2006/ole">
             <mc:AlternateContent xmlns:mc="http://schemas.openxmlformats.org/markup-compatibility/2006">
               <mc:Choice xmlns:v="urn:schemas-microsoft-com:vml" Requires="v">
-                <p:oleObj spid="_x0000_s14347" name="Equation" r:id="rId6" imgW="774360" imgH="711000" progId="Equation.3">
+                <p:oleObj spid="_x0000_s14351" name="Equation" r:id="rId6" imgW="774360" imgH="711000" progId="Equation.3">
                   <p:embed/>
                 </p:oleObj>
               </mc:Choice>
@@ -32977,7 +32977,7 @@
                       <a:noFill/>
                       <a:extLst>
                         <a:ext uri="{909E8E84-426E-40dd-AFC4-6F175D3DCCD1}">
-                          <a14:hiddenFill xmlns="" xmlns:a14="http://schemas.microsoft.com/office/drawing/2010/main">
+                          <a14:hiddenFill xmlns:a14="http://schemas.microsoft.com/office/drawing/2010/main" xmlns="">
                             <a:solidFill>
                               <a:srgbClr val="FFFFFF"/>
                             </a:solidFill>
@@ -33883,7 +33883,7 @@
           <a:graphicData uri="http://schemas.openxmlformats.org/presentationml/2006/ole">
             <mc:AlternateContent xmlns:mc="http://schemas.openxmlformats.org/markup-compatibility/2006">
               <mc:Choice xmlns:v="urn:schemas-microsoft-com:vml" Requires="v">
-                <p:oleObj spid="_x0000_s15374" name="Equation" r:id="rId4" imgW="419040" imgH="711000" progId="Equation.DSMT4">
+                <p:oleObj spid="_x0000_s15380" name="Equation" r:id="rId4" imgW="419040" imgH="711000" progId="Equation.DSMT4">
                   <p:embed/>
                 </p:oleObj>
               </mc:Choice>
@@ -33922,7 +33922,7 @@
                       <a:noFill/>
                       <a:extLst>
                         <a:ext uri="{909E8E84-426E-40dd-AFC4-6F175D3DCCD1}">
-                          <a14:hiddenFill xmlns="" xmlns:a14="http://schemas.microsoft.com/office/drawing/2010/main">
+                          <a14:hiddenFill xmlns:a14="http://schemas.microsoft.com/office/drawing/2010/main" xmlns="">
                             <a:solidFill>
                               <a:srgbClr val="FFFFFF"/>
                             </a:solidFill>
@@ -34377,7 +34377,7 @@
           <a:graphicData uri="http://schemas.openxmlformats.org/presentationml/2006/ole">
             <mc:AlternateContent xmlns:mc="http://schemas.openxmlformats.org/markup-compatibility/2006">
               <mc:Choice xmlns:v="urn:schemas-microsoft-com:vml" Requires="v">
-                <p:oleObj spid="_x0000_s15375" name="Equation" r:id="rId6" imgW="774360" imgH="711000" progId="Equation.DSMT4">
+                <p:oleObj spid="_x0000_s15381" name="Equation" r:id="rId6" imgW="774360" imgH="711000" progId="Equation.DSMT4">
                   <p:embed/>
                 </p:oleObj>
               </mc:Choice>
@@ -34416,7 +34416,7 @@
                       <a:noFill/>
                       <a:extLst>
                         <a:ext uri="{909E8E84-426E-40dd-AFC4-6F175D3DCCD1}">
-                          <a14:hiddenFill xmlns="" xmlns:a14="http://schemas.microsoft.com/office/drawing/2010/main">
+                          <a14:hiddenFill xmlns:a14="http://schemas.microsoft.com/office/drawing/2010/main" xmlns="">
                             <a:solidFill>
                               <a:srgbClr val="FFFFFF"/>
                             </a:solidFill>
@@ -34698,7 +34698,7 @@
           <a:graphicData uri="http://schemas.openxmlformats.org/presentationml/2006/ole">
             <mc:AlternateContent xmlns:mc="http://schemas.openxmlformats.org/markup-compatibility/2006">
               <mc:Choice xmlns:v="urn:schemas-microsoft-com:vml" Requires="v">
-                <p:oleObj spid="_x0000_s15376" name="Equation" r:id="rId8" imgW="2400120" imgH="1117440" progId="Equation.3">
+                <p:oleObj spid="_x0000_s15382" name="Equation" r:id="rId8" imgW="2400120" imgH="1117440" progId="Equation.3">
                   <p:embed/>
                 </p:oleObj>
               </mc:Choice>
@@ -34737,7 +34737,7 @@
                       <a:noFill/>
                       <a:extLst>
                         <a:ext uri="{909E8E84-426E-40dd-AFC4-6F175D3DCCD1}">
-                          <a14:hiddenFill xmlns="" xmlns:a14="http://schemas.microsoft.com/office/drawing/2010/main">
+                          <a14:hiddenFill xmlns:a14="http://schemas.microsoft.com/office/drawing/2010/main" xmlns="">
                             <a:solidFill>
                               <a:srgbClr val="FFFFFF"/>
                             </a:solidFill>
@@ -35505,14 +35505,14 @@
           <a:effectLst/>
           <a:extLst>
             <a:ext uri="{909E8E84-426E-40dd-AFC4-6F175D3DCCD1}">
-              <a14:hiddenFill xmlns="" xmlns:a14="http://schemas.microsoft.com/office/drawing/2010/main">
+              <a14:hiddenFill xmlns:a14="http://schemas.microsoft.com/office/drawing/2010/main" xmlns="">
                 <a:solidFill>
                   <a:schemeClr val="accent1"/>
                 </a:solidFill>
               </a14:hiddenFill>
             </a:ext>
             <a:ext uri="{91240B29-F687-4f45-9708-019B960494DF}">
-              <a14:hiddenLine xmlns="" xmlns:a14="http://schemas.microsoft.com/office/drawing/2010/main" w="9525">
+              <a14:hiddenLine xmlns:a14="http://schemas.microsoft.com/office/drawing/2010/main" xmlns="" w="9525">
                 <a:solidFill>
                   <a:schemeClr val="tx1"/>
                 </a:solidFill>
@@ -35522,7 +35522,7 @@
               </a14:hiddenLine>
             </a:ext>
             <a:ext uri="{AF507438-7753-43e0-B8FC-AC1667EBCBE1}">
-              <a14:hiddenEffects xmlns="" xmlns:a14="http://schemas.microsoft.com/office/drawing/2010/main">
+              <a14:hiddenEffects xmlns:a14="http://schemas.microsoft.com/office/drawing/2010/main" xmlns="">
                 <a:effectLst>
                   <a:outerShdw dist="35921" dir="2700000" algn="ctr" rotWithShape="0">
                     <a:schemeClr val="bg2"/>
@@ -35569,14 +35569,14 @@
           <a:effectLst/>
           <a:extLst>
             <a:ext uri="{909E8E84-426E-40dd-AFC4-6F175D3DCCD1}">
-              <a14:hiddenFill xmlns="" xmlns:a14="http://schemas.microsoft.com/office/drawing/2010/main">
+              <a14:hiddenFill xmlns:a14="http://schemas.microsoft.com/office/drawing/2010/main" xmlns="">
                 <a:solidFill>
                   <a:schemeClr val="accent1"/>
                 </a:solidFill>
               </a14:hiddenFill>
             </a:ext>
             <a:ext uri="{91240B29-F687-4f45-9708-019B960494DF}">
-              <a14:hiddenLine xmlns="" xmlns:a14="http://schemas.microsoft.com/office/drawing/2010/main" w="9525">
+              <a14:hiddenLine xmlns:a14="http://schemas.microsoft.com/office/drawing/2010/main" xmlns="" w="9525">
                 <a:solidFill>
                   <a:schemeClr val="tx1"/>
                 </a:solidFill>
@@ -35586,7 +35586,7 @@
               </a14:hiddenLine>
             </a:ext>
             <a:ext uri="{AF507438-7753-43e0-B8FC-AC1667EBCBE1}">
-              <a14:hiddenEffects xmlns="" xmlns:a14="http://schemas.microsoft.com/office/drawing/2010/main">
+              <a14:hiddenEffects xmlns:a14="http://schemas.microsoft.com/office/drawing/2010/main" xmlns="">
                 <a:effectLst>
                   <a:outerShdw dist="35921" dir="2700000" algn="ctr" rotWithShape="0">
                     <a:schemeClr val="bg2"/>
@@ -35633,14 +35633,14 @@
           <a:effectLst/>
           <a:extLst>
             <a:ext uri="{909E8E84-426E-40dd-AFC4-6F175D3DCCD1}">
-              <a14:hiddenFill xmlns="" xmlns:a14="http://schemas.microsoft.com/office/drawing/2010/main">
+              <a14:hiddenFill xmlns:a14="http://schemas.microsoft.com/office/drawing/2010/main" xmlns="">
                 <a:solidFill>
                   <a:schemeClr val="accent1"/>
                 </a:solidFill>
               </a14:hiddenFill>
             </a:ext>
             <a:ext uri="{91240B29-F687-4f45-9708-019B960494DF}">
-              <a14:hiddenLine xmlns="" xmlns:a14="http://schemas.microsoft.com/office/drawing/2010/main" w="9525">
+              <a14:hiddenLine xmlns:a14="http://schemas.microsoft.com/office/drawing/2010/main" xmlns="" w="9525">
                 <a:solidFill>
                   <a:schemeClr val="tx1"/>
                 </a:solidFill>
@@ -35650,7 +35650,7 @@
               </a14:hiddenLine>
             </a:ext>
             <a:ext uri="{AF507438-7753-43e0-B8FC-AC1667EBCBE1}">
-              <a14:hiddenEffects xmlns="" xmlns:a14="http://schemas.microsoft.com/office/drawing/2010/main">
+              <a14:hiddenEffects xmlns:a14="http://schemas.microsoft.com/office/drawing/2010/main" xmlns="">
                 <a:effectLst>
                   <a:outerShdw dist="35921" dir="2700000" algn="ctr" rotWithShape="0">
                     <a:schemeClr val="bg2"/>
@@ -35697,14 +35697,14 @@
           <a:effectLst/>
           <a:extLst>
             <a:ext uri="{909E8E84-426E-40dd-AFC4-6F175D3DCCD1}">
-              <a14:hiddenFill xmlns="" xmlns:a14="http://schemas.microsoft.com/office/drawing/2010/main">
+              <a14:hiddenFill xmlns:a14="http://schemas.microsoft.com/office/drawing/2010/main" xmlns="">
                 <a:solidFill>
                   <a:schemeClr val="accent1"/>
                 </a:solidFill>
               </a14:hiddenFill>
             </a:ext>
             <a:ext uri="{91240B29-F687-4f45-9708-019B960494DF}">
-              <a14:hiddenLine xmlns="" xmlns:a14="http://schemas.microsoft.com/office/drawing/2010/main" w="9525">
+              <a14:hiddenLine xmlns:a14="http://schemas.microsoft.com/office/drawing/2010/main" xmlns="" w="9525">
                 <a:solidFill>
                   <a:schemeClr val="tx1"/>
                 </a:solidFill>
@@ -35714,7 +35714,7 @@
               </a14:hiddenLine>
             </a:ext>
             <a:ext uri="{AF507438-7753-43e0-B8FC-AC1667EBCBE1}">
-              <a14:hiddenEffects xmlns="" xmlns:a14="http://schemas.microsoft.com/office/drawing/2010/main">
+              <a14:hiddenEffects xmlns:a14="http://schemas.microsoft.com/office/drawing/2010/main" xmlns="">
                 <a:effectLst>
                   <a:outerShdw dist="35921" dir="2700000" algn="ctr" rotWithShape="0">
                     <a:schemeClr val="bg2"/>
@@ -36963,6 +36963,48 @@
             <a:r>
               <a:rPr lang="en-US" dirty="0"/>
               <a:t>? </a:t>
+            </a:r>
+          </a:p>
+        </p:txBody>
+      </p:sp>
+      <p:sp>
+        <p:nvSpPr>
+          <p:cNvPr id="18" name="TextBox 17">
+            <a:extLst>
+              <a:ext uri="{FF2B5EF4-FFF2-40B4-BE49-F238E27FC236}">
+                <a16:creationId xmlns:a16="http://schemas.microsoft.com/office/drawing/2014/main" id="{F23FBD2D-A3DC-4A91-93BA-ACAB018516FF}"/>
+              </a:ext>
+            </a:extLst>
+          </p:cNvPr>
+          <p:cNvSpPr txBox="1"/>
+          <p:nvPr/>
+        </p:nvSpPr>
+        <p:spPr>
+          <a:xfrm>
+            <a:off x="9249876" y="4297680"/>
+            <a:ext cx="2375876" cy="2308324"/>
+          </a:xfrm>
+          <a:prstGeom prst="rect">
+            <a:avLst/>
+          </a:prstGeom>
+          <a:noFill/>
+          <a:ln>
+            <a:solidFill>
+              <a:schemeClr val="accent1"/>
+            </a:solidFill>
+          </a:ln>
+        </p:spPr>
+        <p:txBody>
+          <a:bodyPr wrap="square" rtlCol="0">
+            <a:spAutoFit/>
+          </a:bodyPr>
+          <a:lstStyle/>
+          <a:p>
+            <a:r>
+              <a:rPr lang="en-US" dirty="0">
+                <a:latin typeface="Comic Sans MS" panose="030F0702030302020204" pitchFamily="66" charset="0"/>
+              </a:rPr>
+              <a:t>Most of the transformations described here are accomplished by matrix-vector multiplications…so we will review some linear algebra</a:t>
             </a:r>
           </a:p>
         </p:txBody>
@@ -38194,7 +38236,7 @@
           <a:graphicData uri="http://schemas.openxmlformats.org/presentationml/2006/ole">
             <mc:AlternateContent xmlns:mc="http://schemas.openxmlformats.org/markup-compatibility/2006">
               <mc:Choice xmlns:v="urn:schemas-microsoft-com:vml" Requires="v">
-                <p:oleObj spid="_x0000_s16390" name="Equation" r:id="rId4" imgW="2603160" imgH="1473120" progId="Equation.3">
+                <p:oleObj spid="_x0000_s16392" name="Equation" r:id="rId4" imgW="2603160" imgH="1473120" progId="Equation.3">
                   <p:embed/>
                 </p:oleObj>
               </mc:Choice>
@@ -38314,14 +38356,14 @@
           </a:ln>
           <a:extLst>
             <a:ext uri="{909E8E84-426E-40dd-AFC4-6F175D3DCCD1}">
-              <a14:hiddenFill xmlns="" xmlns:a14="http://schemas.microsoft.com/office/drawing/2010/main">
+              <a14:hiddenFill xmlns:a14="http://schemas.microsoft.com/office/drawing/2010/main" xmlns="">
                 <a:solidFill>
                   <a:srgbClr val="FFFFFF"/>
                 </a:solidFill>
               </a14:hiddenFill>
             </a:ext>
             <a:ext uri="{91240B29-F687-4f45-9708-019B960494DF}">
-              <a14:hiddenLine xmlns="" xmlns:a14="http://schemas.microsoft.com/office/drawing/2010/main" w="9525">
+              <a14:hiddenLine xmlns:a14="http://schemas.microsoft.com/office/drawing/2010/main" xmlns="" w="9525">
                 <a:solidFill>
                   <a:srgbClr val="000000"/>
                 </a:solidFill>
@@ -38377,14 +38419,14 @@
           </a:ln>
           <a:extLst>
             <a:ext uri="{909E8E84-426E-40dd-AFC4-6F175D3DCCD1}">
-              <a14:hiddenFill xmlns="" xmlns:a14="http://schemas.microsoft.com/office/drawing/2010/main">
+              <a14:hiddenFill xmlns:a14="http://schemas.microsoft.com/office/drawing/2010/main" xmlns="">
                 <a:solidFill>
                   <a:srgbClr val="FFFFFF"/>
                 </a:solidFill>
               </a14:hiddenFill>
             </a:ext>
             <a:ext uri="{91240B29-F687-4f45-9708-019B960494DF}">
-              <a14:hiddenLine xmlns="" xmlns:a14="http://schemas.microsoft.com/office/drawing/2010/main" w="9525">
+              <a14:hiddenLine xmlns:a14="http://schemas.microsoft.com/office/drawing/2010/main" xmlns="" w="9525">
                 <a:solidFill>
                   <a:srgbClr val="000000"/>
                 </a:solidFill>
@@ -39022,14 +39064,14 @@
           </a:ln>
           <a:extLst>
             <a:ext uri="{909E8E84-426E-40dd-AFC4-6F175D3DCCD1}">
-              <a14:hiddenFill xmlns="" xmlns:a14="http://schemas.microsoft.com/office/drawing/2010/main">
+              <a14:hiddenFill xmlns:a14="http://schemas.microsoft.com/office/drawing/2010/main" xmlns="">
                 <a:solidFill>
                   <a:srgbClr val="FFFFFF"/>
                 </a:solidFill>
               </a14:hiddenFill>
             </a:ext>
             <a:ext uri="{91240B29-F687-4f45-9708-019B960494DF}">
-              <a14:hiddenLine xmlns="" xmlns:a14="http://schemas.microsoft.com/office/drawing/2010/main" w="9525">
+              <a14:hiddenLine xmlns:a14="http://schemas.microsoft.com/office/drawing/2010/main" xmlns="" w="9525">
                 <a:solidFill>
                   <a:srgbClr val="000000"/>
                 </a:solidFill>
@@ -39323,7 +39365,7 @@
           <a:graphicData uri="http://schemas.openxmlformats.org/presentationml/2006/ole">
             <mc:AlternateContent xmlns:mc="http://schemas.openxmlformats.org/markup-compatibility/2006">
               <mc:Choice xmlns:v="urn:schemas-microsoft-com:vml" Requires="v">
-                <p:oleObj spid="_x0000_s17422" name="Equation" r:id="rId4" imgW="2361960" imgH="1473120" progId="Equation.DSMT4">
+                <p:oleObj spid="_x0000_s17428" name="Equation" r:id="rId4" imgW="2361960" imgH="1473120" progId="Equation.DSMT4">
                   <p:embed/>
                 </p:oleObj>
               </mc:Choice>
@@ -39362,7 +39404,7 @@
                       <a:noFill/>
                       <a:extLst>
                         <a:ext uri="{909E8E84-426E-40dd-AFC4-6F175D3DCCD1}">
-                          <a14:hiddenFill xmlns="" xmlns:a14="http://schemas.microsoft.com/office/drawing/2010/main">
+                          <a14:hiddenFill xmlns:a14="http://schemas.microsoft.com/office/drawing/2010/main" xmlns="">
                             <a:solidFill>
                               <a:srgbClr val="FFFFFF"/>
                             </a:solidFill>
@@ -39393,7 +39435,7 @@
           <a:graphicData uri="http://schemas.openxmlformats.org/presentationml/2006/ole">
             <mc:AlternateContent xmlns:mc="http://schemas.openxmlformats.org/markup-compatibility/2006">
               <mc:Choice xmlns:v="urn:schemas-microsoft-com:vml" Requires="v">
-                <p:oleObj spid="_x0000_s17423" name="Equation" r:id="rId6" imgW="2361960" imgH="1473120" progId="Equation.DSMT4">
+                <p:oleObj spid="_x0000_s17429" name="Equation" r:id="rId6" imgW="2361960" imgH="1473120" progId="Equation.DSMT4">
                   <p:embed/>
                 </p:oleObj>
               </mc:Choice>
@@ -39432,7 +39474,7 @@
                       <a:noFill/>
                       <a:extLst>
                         <a:ext uri="{909E8E84-426E-40dd-AFC4-6F175D3DCCD1}">
-                          <a14:hiddenFill xmlns="" xmlns:a14="http://schemas.microsoft.com/office/drawing/2010/main">
+                          <a14:hiddenFill xmlns:a14="http://schemas.microsoft.com/office/drawing/2010/main" xmlns="">
                             <a:solidFill>
                               <a:srgbClr val="FFFFFF"/>
                             </a:solidFill>
@@ -39463,7 +39505,7 @@
           <a:graphicData uri="http://schemas.openxmlformats.org/presentationml/2006/ole">
             <mc:AlternateContent xmlns:mc="http://schemas.openxmlformats.org/markup-compatibility/2006">
               <mc:Choice xmlns:v="urn:schemas-microsoft-com:vml" Requires="v">
-                <p:oleObj spid="_x0000_s17424" name="Equation" r:id="rId8" imgW="2361960" imgH="1473120" progId="Equation.3">
+                <p:oleObj spid="_x0000_s17430" name="Equation" r:id="rId8" imgW="2361960" imgH="1473120" progId="Equation.3">
                   <p:embed/>
                 </p:oleObj>
               </mc:Choice>
@@ -39502,7 +39544,7 @@
                       <a:noFill/>
                       <a:extLst>
                         <a:ext uri="{909E8E84-426E-40dd-AFC4-6F175D3DCCD1}">
-                          <a14:hiddenFill xmlns="" xmlns:a14="http://schemas.microsoft.com/office/drawing/2010/main">
+                          <a14:hiddenFill xmlns:a14="http://schemas.microsoft.com/office/drawing/2010/main" xmlns="">
                             <a:solidFill>
                               <a:srgbClr val="FFFFFF"/>
                             </a:solidFill>
@@ -40677,7 +40719,7 @@
           <a:graphicData uri="http://schemas.openxmlformats.org/presentationml/2006/ole">
             <mc:AlternateContent xmlns:mc="http://schemas.openxmlformats.org/markup-compatibility/2006">
               <mc:Choice xmlns:v="urn:schemas-microsoft-com:vml" Requires="v">
-                <p:oleObj spid="_x0000_s19462" name="Equation" r:id="rId4" imgW="5816520" imgH="1473120" progId="Equation.3">
+                <p:oleObj spid="_x0000_s19464" name="Equation" r:id="rId4" imgW="5816520" imgH="1473120" progId="Equation.3">
                   <p:embed/>
                 </p:oleObj>
               </mc:Choice>
@@ -40716,7 +40758,7 @@
                       <a:noFill/>
                       <a:extLst>
                         <a:ext uri="{909E8E84-426E-40dd-AFC4-6F175D3DCCD1}">
-                          <a14:hiddenFill xmlns="" xmlns:a14="http://schemas.microsoft.com/office/drawing/2010/main">
+                          <a14:hiddenFill xmlns:a14="http://schemas.microsoft.com/office/drawing/2010/main" xmlns="">
                             <a:solidFill>
                               <a:srgbClr val="FFFFFF"/>
                             </a:solidFill>
@@ -41797,7 +41839,7 @@
           <a:graphicData uri="http://schemas.openxmlformats.org/presentationml/2006/ole">
             <mc:AlternateContent xmlns:mc="http://schemas.openxmlformats.org/markup-compatibility/2006">
               <mc:Choice xmlns:v="urn:schemas-microsoft-com:vml" Requires="v">
-                <p:oleObj spid="_x0000_s20506" name="Equation" r:id="rId8" imgW="1002960" imgH="1473120" progId="Equation.DSMT4">
+                <p:oleObj spid="_x0000_s20518" name="Equation" r:id="rId8" imgW="1002960" imgH="1473120" progId="Equation.DSMT4">
                   <p:embed/>
                 </p:oleObj>
               </mc:Choice>
@@ -41836,7 +41878,7 @@
                       <a:noFill/>
                       <a:extLst>
                         <a:ext uri="{909E8E84-426E-40dd-AFC4-6F175D3DCCD1}">
-                          <a14:hiddenFill xmlns="" xmlns:a14="http://schemas.microsoft.com/office/drawing/2010/main">
+                          <a14:hiddenFill xmlns:a14="http://schemas.microsoft.com/office/drawing/2010/main" xmlns="">
                             <a:solidFill>
                               <a:srgbClr val="FFFFFF"/>
                             </a:solidFill>
@@ -41867,7 +41909,7 @@
           <a:graphicData uri="http://schemas.openxmlformats.org/presentationml/2006/ole">
             <mc:AlternateContent xmlns:mc="http://schemas.openxmlformats.org/markup-compatibility/2006">
               <mc:Choice xmlns:v="urn:schemas-microsoft-com:vml" Requires="v">
-                <p:oleObj spid="_x0000_s20507" name="Equation" r:id="rId10" imgW="838080" imgH="1473120" progId="Equation.DSMT4">
+                <p:oleObj spid="_x0000_s20519" name="Equation" r:id="rId10" imgW="838080" imgH="1473120" progId="Equation.DSMT4">
                   <p:embed/>
                 </p:oleObj>
               </mc:Choice>
@@ -41906,7 +41948,7 @@
                       <a:noFill/>
                       <a:extLst>
                         <a:ext uri="{909E8E84-426E-40dd-AFC4-6F175D3DCCD1}">
-                          <a14:hiddenFill xmlns="" xmlns:a14="http://schemas.microsoft.com/office/drawing/2010/main">
+                          <a14:hiddenFill xmlns:a14="http://schemas.microsoft.com/office/drawing/2010/main" xmlns="">
                             <a:solidFill>
                               <a:srgbClr val="FFFFFF"/>
                             </a:solidFill>
@@ -42206,7 +42248,7 @@
           <a:graphicData uri="http://schemas.openxmlformats.org/presentationml/2006/ole">
             <mc:AlternateContent xmlns:mc="http://schemas.openxmlformats.org/markup-compatibility/2006">
               <mc:Choice xmlns:v="urn:schemas-microsoft-com:vml" Requires="v">
-                <p:oleObj spid="_x0000_s20508" name="Equation" r:id="rId13" imgW="1002960" imgH="1473120" progId="Equation.DSMT4">
+                <p:oleObj spid="_x0000_s20520" name="Equation" r:id="rId13" imgW="1002960" imgH="1473120" progId="Equation.DSMT4">
                   <p:embed/>
                 </p:oleObj>
               </mc:Choice>
@@ -42245,7 +42287,7 @@
                       <a:noFill/>
                       <a:extLst>
                         <a:ext uri="{909E8E84-426E-40dd-AFC4-6F175D3DCCD1}">
-                          <a14:hiddenFill xmlns="" xmlns:a14="http://schemas.microsoft.com/office/drawing/2010/main">
+                          <a14:hiddenFill xmlns:a14="http://schemas.microsoft.com/office/drawing/2010/main" xmlns="">
                             <a:solidFill>
                               <a:srgbClr val="FFFFFF"/>
                             </a:solidFill>
@@ -42276,7 +42318,7 @@
           <a:graphicData uri="http://schemas.openxmlformats.org/presentationml/2006/ole">
             <mc:AlternateContent xmlns:mc="http://schemas.openxmlformats.org/markup-compatibility/2006">
               <mc:Choice xmlns:v="urn:schemas-microsoft-com:vml" Requires="v">
-                <p:oleObj spid="_x0000_s20509" name="Equation" r:id="rId14" imgW="2286000" imgH="1473120" progId="Equation.DSMT4">
+                <p:oleObj spid="_x0000_s20521" name="Equation" r:id="rId14" imgW="2286000" imgH="1473120" progId="Equation.DSMT4">
                   <p:embed/>
                 </p:oleObj>
               </mc:Choice>
@@ -42315,7 +42357,7 @@
                       <a:noFill/>
                       <a:extLst>
                         <a:ext uri="{909E8E84-426E-40dd-AFC4-6F175D3DCCD1}">
-                          <a14:hiddenFill xmlns="" xmlns:a14="http://schemas.microsoft.com/office/drawing/2010/main">
+                          <a14:hiddenFill xmlns:a14="http://schemas.microsoft.com/office/drawing/2010/main" xmlns="">
                             <a:solidFill>
                               <a:srgbClr val="FFFFFF"/>
                             </a:solidFill>
@@ -42463,7 +42505,7 @@
           <a:graphicData uri="http://schemas.openxmlformats.org/presentationml/2006/ole">
             <mc:AlternateContent xmlns:mc="http://schemas.openxmlformats.org/markup-compatibility/2006">
               <mc:Choice xmlns:v="urn:schemas-microsoft-com:vml" Requires="v">
-                <p:oleObj spid="_x0000_s20510" name="Equation" r:id="rId16" imgW="1002960" imgH="1473120" progId="Equation.DSMT4">
+                <p:oleObj spid="_x0000_s20522" name="Equation" r:id="rId16" imgW="1002960" imgH="1473120" progId="Equation.DSMT4">
                   <p:embed/>
                 </p:oleObj>
               </mc:Choice>
@@ -42502,7 +42544,7 @@
                       <a:noFill/>
                       <a:extLst>
                         <a:ext uri="{909E8E84-426E-40dd-AFC4-6F175D3DCCD1}">
-                          <a14:hiddenFill xmlns="" xmlns:a14="http://schemas.microsoft.com/office/drawing/2010/main">
+                          <a14:hiddenFill xmlns:a14="http://schemas.microsoft.com/office/drawing/2010/main" xmlns="">
                             <a:solidFill>
                               <a:srgbClr val="FFFFFF"/>
                             </a:solidFill>
@@ -42533,7 +42575,7 @@
           <a:graphicData uri="http://schemas.openxmlformats.org/presentationml/2006/ole">
             <mc:AlternateContent xmlns:mc="http://schemas.openxmlformats.org/markup-compatibility/2006">
               <mc:Choice xmlns:v="urn:schemas-microsoft-com:vml" Requires="v">
-                <p:oleObj spid="_x0000_s20511" name="Equation" r:id="rId17" imgW="2286000" imgH="1473120" progId="Equation.3">
+                <p:oleObj spid="_x0000_s20523" name="Equation" r:id="rId17" imgW="2286000" imgH="1473120" progId="Equation.3">
                   <p:embed/>
                 </p:oleObj>
               </mc:Choice>
@@ -42572,7 +42614,7 @@
                       <a:noFill/>
                       <a:extLst>
                         <a:ext uri="{909E8E84-426E-40dd-AFC4-6F175D3DCCD1}">
-                          <a14:hiddenFill xmlns="" xmlns:a14="http://schemas.microsoft.com/office/drawing/2010/main">
+                          <a14:hiddenFill xmlns:a14="http://schemas.microsoft.com/office/drawing/2010/main" xmlns="">
                             <a:solidFill>
                               <a:srgbClr val="FFFFFF"/>
                             </a:solidFill>
@@ -43180,14 +43222,14 @@
           <a:ln/>
           <a:extLst>
             <a:ext uri="{909E8E84-426E-40dd-AFC4-6F175D3DCCD1}">
-              <a14:hiddenFill xmlns="" xmlns:a14="http://schemas.microsoft.com/office/drawing/2010/main">
+              <a14:hiddenFill xmlns:a14="http://schemas.microsoft.com/office/drawing/2010/main" xmlns="">
                 <a:solidFill>
                   <a:srgbClr val="FFFFFF"/>
                 </a:solidFill>
               </a14:hiddenFill>
             </a:ext>
             <a:ext uri="{91240B29-F687-4f45-9708-019B960494DF}">
-              <a14:hiddenLine xmlns="" xmlns:a14="http://schemas.microsoft.com/office/drawing/2010/main" w="9525">
+              <a14:hiddenLine xmlns:a14="http://schemas.microsoft.com/office/drawing/2010/main" xmlns="" w="9525">
                 <a:solidFill>
                   <a:srgbClr val="000000"/>
                 </a:solidFill>
@@ -43955,7 +43997,7 @@
           </a:ln>
           <a:extLst>
             <a:ext uri="{909E8E84-426E-40dd-AFC4-6F175D3DCCD1}">
-              <a14:hiddenFill xmlns="" xmlns:a14="http://schemas.microsoft.com/office/drawing/2010/main">
+              <a14:hiddenFill xmlns:a14="http://schemas.microsoft.com/office/drawing/2010/main" xmlns="">
                 <a:noFill/>
               </a14:hiddenFill>
             </a:ext>
@@ -43991,14 +44033,14 @@
           </a:ln>
           <a:extLst>
             <a:ext uri="{909E8E84-426E-40dd-AFC4-6F175D3DCCD1}">
-              <a14:hiddenFill xmlns="" xmlns:a14="http://schemas.microsoft.com/office/drawing/2010/main">
+              <a14:hiddenFill xmlns:a14="http://schemas.microsoft.com/office/drawing/2010/main" xmlns="">
                 <a:solidFill>
                   <a:srgbClr val="FFFFFF"/>
                 </a:solidFill>
               </a14:hiddenFill>
             </a:ext>
             <a:ext uri="{91240B29-F687-4f45-9708-019B960494DF}">
-              <a14:hiddenLine xmlns="" xmlns:a14="http://schemas.microsoft.com/office/drawing/2010/main" w="12700">
+              <a14:hiddenLine xmlns:a14="http://schemas.microsoft.com/office/drawing/2010/main" xmlns="" w="12700">
                 <a:solidFill>
                   <a:srgbClr val="000000"/>
                 </a:solidFill>
@@ -44298,7 +44340,7 @@
                 <a:ea typeface="ＭＳ Ｐゴシック" charset="0"/>
                 <a:cs typeface="ＭＳ Ｐゴシック" charset="0"/>
               </a:rPr>
-              <a:t>Every vector has an inverse</a:t>
+              <a:t>Every vector has an additive verse</a:t>
             </a:r>
           </a:p>
           <a:p>
@@ -44393,7 +44435,7 @@
           </a:ln>
           <a:extLst>
             <a:ext uri="{909E8E84-426E-40dd-AFC4-6F175D3DCCD1}">
-              <a14:hiddenFill xmlns="" xmlns:a14="http://schemas.microsoft.com/office/drawing/2010/main">
+              <a14:hiddenFill xmlns:a14="http://schemas.microsoft.com/office/drawing/2010/main" xmlns="">
                 <a:noFill/>
               </a14:hiddenFill>
             </a:ext>
@@ -44429,14 +44471,14 @@
           </a:ln>
           <a:extLst>
             <a:ext uri="{909E8E84-426E-40dd-AFC4-6F175D3DCCD1}">
-              <a14:hiddenFill xmlns="" xmlns:a14="http://schemas.microsoft.com/office/drawing/2010/main">
+              <a14:hiddenFill xmlns:a14="http://schemas.microsoft.com/office/drawing/2010/main" xmlns="">
                 <a:solidFill>
                   <a:srgbClr val="FFFFFF"/>
                 </a:solidFill>
               </a14:hiddenFill>
             </a:ext>
             <a:ext uri="{91240B29-F687-4f45-9708-019B960494DF}">
-              <a14:hiddenLine xmlns="" xmlns:a14="http://schemas.microsoft.com/office/drawing/2010/main" w="12700">
+              <a14:hiddenLine xmlns:a14="http://schemas.microsoft.com/office/drawing/2010/main" xmlns="" w="12700">
                 <a:solidFill>
                   <a:srgbClr val="000000"/>
                 </a:solidFill>
@@ -44594,7 +44636,7 @@
           </a:ln>
           <a:extLst>
             <a:ext uri="{909E8E84-426E-40dd-AFC4-6F175D3DCCD1}">
-              <a14:hiddenFill xmlns="" xmlns:a14="http://schemas.microsoft.com/office/drawing/2010/main">
+              <a14:hiddenFill xmlns:a14="http://schemas.microsoft.com/office/drawing/2010/main" xmlns="">
                 <a:noFill/>
               </a14:hiddenFill>
             </a:ext>
@@ -44630,14 +44672,14 @@
           </a:ln>
           <a:extLst>
             <a:ext uri="{909E8E84-426E-40dd-AFC4-6F175D3DCCD1}">
-              <a14:hiddenFill xmlns="" xmlns:a14="http://schemas.microsoft.com/office/drawing/2010/main">
+              <a14:hiddenFill xmlns:a14="http://schemas.microsoft.com/office/drawing/2010/main" xmlns="">
                 <a:solidFill>
                   <a:srgbClr val="FFFFFF"/>
                 </a:solidFill>
               </a14:hiddenFill>
             </a:ext>
             <a:ext uri="{91240B29-F687-4f45-9708-019B960494DF}">
-              <a14:hiddenLine xmlns="" xmlns:a14="http://schemas.microsoft.com/office/drawing/2010/main" w="12700">
+              <a14:hiddenLine xmlns:a14="http://schemas.microsoft.com/office/drawing/2010/main" xmlns="" w="12700">
                 <a:solidFill>
                   <a:srgbClr val="000000"/>
                 </a:solidFill>
@@ -44795,7 +44837,7 @@
           </a:ln>
           <a:extLst>
             <a:ext uri="{909E8E84-426E-40dd-AFC4-6F175D3DCCD1}">
-              <a14:hiddenFill xmlns="" xmlns:a14="http://schemas.microsoft.com/office/drawing/2010/main">
+              <a14:hiddenFill xmlns:a14="http://schemas.microsoft.com/office/drawing/2010/main" xmlns="">
                 <a:noFill/>
               </a14:hiddenFill>
             </a:ext>
@@ -44831,14 +44873,14 @@
           </a:ln>
           <a:extLst>
             <a:ext uri="{909E8E84-426E-40dd-AFC4-6F175D3DCCD1}">
-              <a14:hiddenFill xmlns="" xmlns:a14="http://schemas.microsoft.com/office/drawing/2010/main">
+              <a14:hiddenFill xmlns:a14="http://schemas.microsoft.com/office/drawing/2010/main" xmlns="">
                 <a:solidFill>
                   <a:srgbClr val="FFFFFF"/>
                 </a:solidFill>
               </a14:hiddenFill>
             </a:ext>
             <a:ext uri="{91240B29-F687-4f45-9708-019B960494DF}">
-              <a14:hiddenLine xmlns="" xmlns:a14="http://schemas.microsoft.com/office/drawing/2010/main" w="12700">
+              <a14:hiddenLine xmlns:a14="http://schemas.microsoft.com/office/drawing/2010/main" xmlns="" w="12700">
                 <a:solidFill>
                   <a:srgbClr val="000000"/>
                 </a:solidFill>
@@ -45002,7 +45044,7 @@
           </a:ln>
           <a:extLst>
             <a:ext uri="{909E8E84-426E-40dd-AFC4-6F175D3DCCD1}">
-              <a14:hiddenFill xmlns="" xmlns:a14="http://schemas.microsoft.com/office/drawing/2010/main">
+              <a14:hiddenFill xmlns:a14="http://schemas.microsoft.com/office/drawing/2010/main" xmlns="">
                 <a:noFill/>
               </a14:hiddenFill>
             </a:ext>
@@ -45038,14 +45080,14 @@
           </a:ln>
           <a:extLst>
             <a:ext uri="{909E8E84-426E-40dd-AFC4-6F175D3DCCD1}">
-              <a14:hiddenFill xmlns="" xmlns:a14="http://schemas.microsoft.com/office/drawing/2010/main">
+              <a14:hiddenFill xmlns:a14="http://schemas.microsoft.com/office/drawing/2010/main" xmlns="">
                 <a:solidFill>
                   <a:srgbClr val="FFFFFF"/>
                 </a:solidFill>
               </a14:hiddenFill>
             </a:ext>
             <a:ext uri="{91240B29-F687-4f45-9708-019B960494DF}">
-              <a14:hiddenLine xmlns="" xmlns:a14="http://schemas.microsoft.com/office/drawing/2010/main" w="12700">
+              <a14:hiddenLine xmlns:a14="http://schemas.microsoft.com/office/drawing/2010/main" xmlns="" w="12700">
                 <a:solidFill>
                   <a:srgbClr val="000000"/>
                 </a:solidFill>
@@ -45203,7 +45245,7 @@
           </a:ln>
           <a:extLst>
             <a:ext uri="{909E8E84-426E-40dd-AFC4-6F175D3DCCD1}">
-              <a14:hiddenFill xmlns="" xmlns:a14="http://schemas.microsoft.com/office/drawing/2010/main">
+              <a14:hiddenFill xmlns:a14="http://schemas.microsoft.com/office/drawing/2010/main" xmlns="">
                 <a:noFill/>
               </a14:hiddenFill>
             </a:ext>
@@ -45244,7 +45286,7 @@
           </a:ln>
           <a:extLst>
             <a:ext uri="{909E8E84-426E-40dd-AFC4-6F175D3DCCD1}">
-              <a14:hiddenFill xmlns="" xmlns:a14="http://schemas.microsoft.com/office/drawing/2010/main">
+              <a14:hiddenFill xmlns:a14="http://schemas.microsoft.com/office/drawing/2010/main" xmlns="">
                 <a:noFill/>
               </a14:hiddenFill>
             </a:ext>
@@ -45280,14 +45322,14 @@
           </a:ln>
           <a:extLst>
             <a:ext uri="{909E8E84-426E-40dd-AFC4-6F175D3DCCD1}">
-              <a14:hiddenFill xmlns="" xmlns:a14="http://schemas.microsoft.com/office/drawing/2010/main">
+              <a14:hiddenFill xmlns:a14="http://schemas.microsoft.com/office/drawing/2010/main" xmlns="">
                 <a:solidFill>
                   <a:srgbClr val="FFFFFF"/>
                 </a:solidFill>
               </a14:hiddenFill>
             </a:ext>
             <a:ext uri="{91240B29-F687-4f45-9708-019B960494DF}">
-              <a14:hiddenLine xmlns="" xmlns:a14="http://schemas.microsoft.com/office/drawing/2010/main" w="12700">
+              <a14:hiddenLine xmlns:a14="http://schemas.microsoft.com/office/drawing/2010/main" xmlns="" w="12700">
                 <a:solidFill>
                   <a:srgbClr val="000000"/>
                 </a:solidFill>
@@ -45440,14 +45482,14 @@
           </a:ln>
           <a:extLst>
             <a:ext uri="{909E8E84-426E-40dd-AFC4-6F175D3DCCD1}">
-              <a14:hiddenFill xmlns="" xmlns:a14="http://schemas.microsoft.com/office/drawing/2010/main">
+              <a14:hiddenFill xmlns:a14="http://schemas.microsoft.com/office/drawing/2010/main" xmlns="">
                 <a:solidFill>
                   <a:srgbClr val="FFFFFF"/>
                 </a:solidFill>
               </a14:hiddenFill>
             </a:ext>
             <a:ext uri="{91240B29-F687-4f45-9708-019B960494DF}">
-              <a14:hiddenLine xmlns="" xmlns:a14="http://schemas.microsoft.com/office/drawing/2010/main" w="12700">
+              <a14:hiddenLine xmlns:a14="http://schemas.microsoft.com/office/drawing/2010/main" xmlns="" w="12700">
                 <a:solidFill>
                   <a:srgbClr val="000000"/>
                 </a:solidFill>

--- a/Lectures/CS418-Lecture3-Transformations.pptx
+++ b/Lectures/CS418-Lecture3-Transformations.pptx
@@ -19,14 +19,14 @@
     <p:sldId id="327" r:id="rId10"/>
     <p:sldId id="328" r:id="rId11"/>
     <p:sldId id="319" r:id="rId12"/>
-    <p:sldId id="320" r:id="rId13"/>
-    <p:sldId id="264" r:id="rId14"/>
-    <p:sldId id="265" r:id="rId15"/>
-    <p:sldId id="266" r:id="rId16"/>
-    <p:sldId id="267" r:id="rId17"/>
-    <p:sldId id="290" r:id="rId18"/>
-    <p:sldId id="268" r:id="rId19"/>
-    <p:sldId id="269" r:id="rId20"/>
+    <p:sldId id="264" r:id="rId13"/>
+    <p:sldId id="265" r:id="rId14"/>
+    <p:sldId id="266" r:id="rId15"/>
+    <p:sldId id="267" r:id="rId16"/>
+    <p:sldId id="290" r:id="rId17"/>
+    <p:sldId id="268" r:id="rId18"/>
+    <p:sldId id="269" r:id="rId19"/>
+    <p:sldId id="320" r:id="rId20"/>
     <p:sldId id="270" r:id="rId21"/>
     <p:sldId id="271" r:id="rId22"/>
     <p:sldId id="272" r:id="rId23"/>
@@ -244,7 +244,7 @@
           <a:p>
             <a:fld id="{564DAAA6-4117-4992-859F-BAA0EB4FC72C}" type="datetimeFigureOut">
               <a:rPr lang="en-US" smtClean="0"/>
-              <a:t>9/3/2019</a:t>
+              <a:t>1/29/2020</a:t>
             </a:fld>
             <a:endParaRPr lang="en-US"/>
           </a:p>
@@ -758,7 +758,7 @@
                 </a:spcAft>
                 <a:defRPr/>
               </a:pPr>
-              <a:t>14</a:t>
+              <a:t>13</a:t>
             </a:fld>
             <a:endParaRPr lang="en-US"/>
           </a:p>
@@ -891,7 +891,7 @@
                 </a:spcAft>
                 <a:defRPr/>
               </a:pPr>
-              <a:t>15</a:t>
+              <a:t>14</a:t>
             </a:fld>
             <a:endParaRPr lang="en-US"/>
           </a:p>
@@ -1024,7 +1024,7 @@
                 </a:spcAft>
                 <a:defRPr/>
               </a:pPr>
-              <a:t>16</a:t>
+              <a:t>15</a:t>
             </a:fld>
             <a:endParaRPr lang="en-US"/>
           </a:p>
@@ -1157,7 +1157,7 @@
                 </a:spcAft>
                 <a:defRPr/>
               </a:pPr>
-              <a:t>17</a:t>
+              <a:t>16</a:t>
             </a:fld>
             <a:endParaRPr lang="en-US"/>
           </a:p>
@@ -1290,7 +1290,7 @@
                 </a:spcAft>
                 <a:defRPr/>
               </a:pPr>
-              <a:t>18</a:t>
+              <a:t>17</a:t>
             </a:fld>
             <a:endParaRPr lang="en-US"/>
           </a:p>
@@ -1423,7 +1423,7 @@
                 </a:spcAft>
                 <a:defRPr/>
               </a:pPr>
-              <a:t>19</a:t>
+              <a:t>18</a:t>
             </a:fld>
             <a:endParaRPr lang="en-US"/>
           </a:p>
@@ -3482,17 +3482,17 @@
           <a:ln/>
           <a:extLst>
             <a:ext uri="{FAA26D3D-D897-4be2-8F04-BA451C77F1D7}">
-              <ma14:placeholderFlag xmlns:ma14="http://schemas.microsoft.com/office/mac/drawingml/2011/main" xmlns="" val="1"/>
+              <ma14:placeholderFlag xmlns="" xmlns:ma14="http://schemas.microsoft.com/office/mac/drawingml/2011/main" val="1"/>
             </a:ext>
             <a:ext uri="{909E8E84-426E-40dd-AFC4-6F175D3DCCD1}">
-              <a14:hiddenFill xmlns:a14="http://schemas.microsoft.com/office/drawing/2010/main" xmlns="">
+              <a14:hiddenFill xmlns="" xmlns:a14="http://schemas.microsoft.com/office/drawing/2010/main">
                 <a:solidFill>
                   <a:srgbClr val="FFFFFF"/>
                 </a:solidFill>
               </a14:hiddenFill>
             </a:ext>
             <a:ext uri="{91240B29-F687-4f45-9708-019B960494DF}">
-              <a14:hiddenLine xmlns:a14="http://schemas.microsoft.com/office/drawing/2010/main" xmlns="" w="9525">
+              <a14:hiddenLine xmlns="" xmlns:a14="http://schemas.microsoft.com/office/drawing/2010/main" w="9525">
                 <a:solidFill>
                   <a:srgbClr val="000000"/>
                 </a:solidFill>
@@ -3529,14 +3529,14 @@
           <a:ln/>
           <a:extLst>
             <a:ext uri="{909E8E84-426E-40dd-AFC4-6F175D3DCCD1}">
-              <a14:hiddenFill xmlns:a14="http://schemas.microsoft.com/office/drawing/2010/main" xmlns="">
+              <a14:hiddenFill xmlns="" xmlns:a14="http://schemas.microsoft.com/office/drawing/2010/main">
                 <a:solidFill>
                   <a:srgbClr val="FFFFFF"/>
                 </a:solidFill>
               </a14:hiddenFill>
             </a:ext>
             <a:ext uri="{91240B29-F687-4f45-9708-019B960494DF}">
-              <a14:hiddenLine xmlns:a14="http://schemas.microsoft.com/office/drawing/2010/main" xmlns="" w="9525">
+              <a14:hiddenLine xmlns="" xmlns:a14="http://schemas.microsoft.com/office/drawing/2010/main" w="9525">
                 <a:solidFill>
                   <a:srgbClr val="000000"/>
                 </a:solidFill>
@@ -3858,17 +3858,17 @@
           <a:ln/>
           <a:extLst>
             <a:ext uri="{FAA26D3D-D897-4be2-8F04-BA451C77F1D7}">
-              <ma14:placeholderFlag xmlns:ma14="http://schemas.microsoft.com/office/mac/drawingml/2011/main" xmlns="" val="1"/>
+              <ma14:placeholderFlag xmlns="" xmlns:ma14="http://schemas.microsoft.com/office/mac/drawingml/2011/main" val="1"/>
             </a:ext>
             <a:ext uri="{909E8E84-426E-40dd-AFC4-6F175D3DCCD1}">
-              <a14:hiddenFill xmlns:a14="http://schemas.microsoft.com/office/drawing/2010/main" xmlns="">
+              <a14:hiddenFill xmlns="" xmlns:a14="http://schemas.microsoft.com/office/drawing/2010/main">
                 <a:solidFill>
                   <a:srgbClr val="FFFFFF"/>
                 </a:solidFill>
               </a14:hiddenFill>
             </a:ext>
             <a:ext uri="{91240B29-F687-4f45-9708-019B960494DF}">
-              <a14:hiddenLine xmlns:a14="http://schemas.microsoft.com/office/drawing/2010/main" xmlns="" w="9525">
+              <a14:hiddenLine xmlns="" xmlns:a14="http://schemas.microsoft.com/office/drawing/2010/main" w="9525">
                 <a:solidFill>
                   <a:srgbClr val="000000"/>
                 </a:solidFill>
@@ -3905,14 +3905,14 @@
           <a:ln/>
           <a:extLst>
             <a:ext uri="{909E8E84-426E-40dd-AFC4-6F175D3DCCD1}">
-              <a14:hiddenFill xmlns:a14="http://schemas.microsoft.com/office/drawing/2010/main" xmlns="">
+              <a14:hiddenFill xmlns="" xmlns:a14="http://schemas.microsoft.com/office/drawing/2010/main">
                 <a:solidFill>
                   <a:srgbClr val="FFFFFF"/>
                 </a:solidFill>
               </a14:hiddenFill>
             </a:ext>
             <a:ext uri="{91240B29-F687-4f45-9708-019B960494DF}">
-              <a14:hiddenLine xmlns:a14="http://schemas.microsoft.com/office/drawing/2010/main" xmlns="" w="9525">
+              <a14:hiddenLine xmlns="" xmlns:a14="http://schemas.microsoft.com/office/drawing/2010/main" w="9525">
                 <a:solidFill>
                   <a:srgbClr val="000000"/>
                 </a:solidFill>
@@ -4102,17 +4102,17 @@
           <a:ln/>
           <a:extLst>
             <a:ext uri="{FAA26D3D-D897-4be2-8F04-BA451C77F1D7}">
-              <ma14:placeholderFlag xmlns:ma14="http://schemas.microsoft.com/office/mac/drawingml/2011/main" xmlns="" val="1"/>
+              <ma14:placeholderFlag xmlns="" xmlns:ma14="http://schemas.microsoft.com/office/mac/drawingml/2011/main" val="1"/>
             </a:ext>
             <a:ext uri="{909E8E84-426E-40dd-AFC4-6F175D3DCCD1}">
-              <a14:hiddenFill xmlns:a14="http://schemas.microsoft.com/office/drawing/2010/main" xmlns="">
+              <a14:hiddenFill xmlns="" xmlns:a14="http://schemas.microsoft.com/office/drawing/2010/main">
                 <a:solidFill>
                   <a:srgbClr val="FFFFFF"/>
                 </a:solidFill>
               </a14:hiddenFill>
             </a:ext>
             <a:ext uri="{91240B29-F687-4f45-9708-019B960494DF}">
-              <a14:hiddenLine xmlns:a14="http://schemas.microsoft.com/office/drawing/2010/main" xmlns="" w="9525">
+              <a14:hiddenLine xmlns="" xmlns:a14="http://schemas.microsoft.com/office/drawing/2010/main" w="9525">
                 <a:solidFill>
                   <a:srgbClr val="000000"/>
                 </a:solidFill>
@@ -4149,14 +4149,14 @@
           <a:ln/>
           <a:extLst>
             <a:ext uri="{909E8E84-426E-40dd-AFC4-6F175D3DCCD1}">
-              <a14:hiddenFill xmlns:a14="http://schemas.microsoft.com/office/drawing/2010/main" xmlns="">
+              <a14:hiddenFill xmlns="" xmlns:a14="http://schemas.microsoft.com/office/drawing/2010/main">
                 <a:solidFill>
                   <a:srgbClr val="FFFFFF"/>
                 </a:solidFill>
               </a14:hiddenFill>
             </a:ext>
             <a:ext uri="{91240B29-F687-4f45-9708-019B960494DF}">
-              <a14:hiddenLine xmlns:a14="http://schemas.microsoft.com/office/drawing/2010/main" xmlns="" w="9525">
+              <a14:hiddenLine xmlns="" xmlns:a14="http://schemas.microsoft.com/office/drawing/2010/main" w="9525">
                 <a:solidFill>
                   <a:srgbClr val="000000"/>
                 </a:solidFill>
@@ -4346,17 +4346,17 @@
           <a:ln/>
           <a:extLst>
             <a:ext uri="{FAA26D3D-D897-4be2-8F04-BA451C77F1D7}">
-              <ma14:placeholderFlag xmlns:ma14="http://schemas.microsoft.com/office/mac/drawingml/2011/main" xmlns="" val="1"/>
+              <ma14:placeholderFlag xmlns="" xmlns:ma14="http://schemas.microsoft.com/office/mac/drawingml/2011/main" val="1"/>
             </a:ext>
             <a:ext uri="{909E8E84-426E-40dd-AFC4-6F175D3DCCD1}">
-              <a14:hiddenFill xmlns:a14="http://schemas.microsoft.com/office/drawing/2010/main" xmlns="">
+              <a14:hiddenFill xmlns="" xmlns:a14="http://schemas.microsoft.com/office/drawing/2010/main">
                 <a:solidFill>
                   <a:srgbClr val="FFFFFF"/>
                 </a:solidFill>
               </a14:hiddenFill>
             </a:ext>
             <a:ext uri="{91240B29-F687-4f45-9708-019B960494DF}">
-              <a14:hiddenLine xmlns:a14="http://schemas.microsoft.com/office/drawing/2010/main" xmlns="" w="9525">
+              <a14:hiddenLine xmlns="" xmlns:a14="http://schemas.microsoft.com/office/drawing/2010/main" w="9525">
                 <a:solidFill>
                   <a:srgbClr val="000000"/>
                 </a:solidFill>
@@ -4393,14 +4393,14 @@
           <a:ln/>
           <a:extLst>
             <a:ext uri="{909E8E84-426E-40dd-AFC4-6F175D3DCCD1}">
-              <a14:hiddenFill xmlns:a14="http://schemas.microsoft.com/office/drawing/2010/main" xmlns="">
+              <a14:hiddenFill xmlns="" xmlns:a14="http://schemas.microsoft.com/office/drawing/2010/main">
                 <a:solidFill>
                   <a:srgbClr val="FFFFFF"/>
                 </a:solidFill>
               </a14:hiddenFill>
             </a:ext>
             <a:ext uri="{91240B29-F687-4f45-9708-019B960494DF}">
-              <a14:hiddenLine xmlns:a14="http://schemas.microsoft.com/office/drawing/2010/main" xmlns="" w="9525">
+              <a14:hiddenLine xmlns="" xmlns:a14="http://schemas.microsoft.com/office/drawing/2010/main" w="9525">
                 <a:solidFill>
                   <a:srgbClr val="000000"/>
                 </a:solidFill>
@@ -4590,17 +4590,17 @@
           <a:ln/>
           <a:extLst>
             <a:ext uri="{FAA26D3D-D897-4be2-8F04-BA451C77F1D7}">
-              <ma14:placeholderFlag xmlns:ma14="http://schemas.microsoft.com/office/mac/drawingml/2011/main" xmlns="" val="1"/>
+              <ma14:placeholderFlag xmlns="" xmlns:ma14="http://schemas.microsoft.com/office/mac/drawingml/2011/main" val="1"/>
             </a:ext>
             <a:ext uri="{909E8E84-426E-40dd-AFC4-6F175D3DCCD1}">
-              <a14:hiddenFill xmlns:a14="http://schemas.microsoft.com/office/drawing/2010/main" xmlns="">
+              <a14:hiddenFill xmlns="" xmlns:a14="http://schemas.microsoft.com/office/drawing/2010/main">
                 <a:solidFill>
                   <a:srgbClr val="FFFFFF"/>
                 </a:solidFill>
               </a14:hiddenFill>
             </a:ext>
             <a:ext uri="{91240B29-F687-4f45-9708-019B960494DF}">
-              <a14:hiddenLine xmlns:a14="http://schemas.microsoft.com/office/drawing/2010/main" xmlns="" w="9525">
+              <a14:hiddenLine xmlns="" xmlns:a14="http://schemas.microsoft.com/office/drawing/2010/main" w="9525">
                 <a:solidFill>
                   <a:srgbClr val="000000"/>
                 </a:solidFill>
@@ -4637,14 +4637,14 @@
           <a:ln/>
           <a:extLst>
             <a:ext uri="{909E8E84-426E-40dd-AFC4-6F175D3DCCD1}">
-              <a14:hiddenFill xmlns:a14="http://schemas.microsoft.com/office/drawing/2010/main" xmlns="">
+              <a14:hiddenFill xmlns="" xmlns:a14="http://schemas.microsoft.com/office/drawing/2010/main">
                 <a:solidFill>
                   <a:srgbClr val="FFFFFF"/>
                 </a:solidFill>
               </a14:hiddenFill>
             </a:ext>
             <a:ext uri="{91240B29-F687-4f45-9708-019B960494DF}">
-              <a14:hiddenLine xmlns:a14="http://schemas.microsoft.com/office/drawing/2010/main" xmlns="" w="9525">
+              <a14:hiddenLine xmlns="" xmlns:a14="http://schemas.microsoft.com/office/drawing/2010/main" w="9525">
                 <a:solidFill>
                   <a:srgbClr val="000000"/>
                 </a:solidFill>
@@ -4834,17 +4834,17 @@
           <a:ln/>
           <a:extLst>
             <a:ext uri="{FAA26D3D-D897-4be2-8F04-BA451C77F1D7}">
-              <ma14:placeholderFlag xmlns:ma14="http://schemas.microsoft.com/office/mac/drawingml/2011/main" xmlns="" val="1"/>
+              <ma14:placeholderFlag xmlns="" xmlns:ma14="http://schemas.microsoft.com/office/mac/drawingml/2011/main" val="1"/>
             </a:ext>
             <a:ext uri="{909E8E84-426E-40dd-AFC4-6F175D3DCCD1}">
-              <a14:hiddenFill xmlns:a14="http://schemas.microsoft.com/office/drawing/2010/main" xmlns="">
+              <a14:hiddenFill xmlns="" xmlns:a14="http://schemas.microsoft.com/office/drawing/2010/main">
                 <a:solidFill>
                   <a:srgbClr val="FFFFFF"/>
                 </a:solidFill>
               </a14:hiddenFill>
             </a:ext>
             <a:ext uri="{91240B29-F687-4f45-9708-019B960494DF}">
-              <a14:hiddenLine xmlns:a14="http://schemas.microsoft.com/office/drawing/2010/main" xmlns="" w="9525">
+              <a14:hiddenLine xmlns="" xmlns:a14="http://schemas.microsoft.com/office/drawing/2010/main" w="9525">
                 <a:solidFill>
                   <a:srgbClr val="000000"/>
                 </a:solidFill>
@@ -4881,14 +4881,14 @@
           <a:ln/>
           <a:extLst>
             <a:ext uri="{909E8E84-426E-40dd-AFC4-6F175D3DCCD1}">
-              <a14:hiddenFill xmlns:a14="http://schemas.microsoft.com/office/drawing/2010/main" xmlns="">
+              <a14:hiddenFill xmlns="" xmlns:a14="http://schemas.microsoft.com/office/drawing/2010/main">
                 <a:solidFill>
                   <a:srgbClr val="FFFFFF"/>
                 </a:solidFill>
               </a14:hiddenFill>
             </a:ext>
             <a:ext uri="{91240B29-F687-4f45-9708-019B960494DF}">
-              <a14:hiddenLine xmlns:a14="http://schemas.microsoft.com/office/drawing/2010/main" xmlns="" w="9525">
+              <a14:hiddenLine xmlns="" xmlns:a14="http://schemas.microsoft.com/office/drawing/2010/main" w="9525">
                 <a:solidFill>
                   <a:srgbClr val="000000"/>
                 </a:solidFill>
@@ -5146,7 +5146,7 @@
                 </a:spcAft>
                 <a:defRPr/>
               </a:pPr>
-              <a:t>13</a:t>
+              <a:t>12</a:t>
             </a:fld>
             <a:endParaRPr lang="en-US"/>
           </a:p>
@@ -5298,7 +5298,7 @@
           <a:p>
             <a:fld id="{CF64A208-0694-964E-93B1-EAF2C4DF2BAD}" type="datetimeFigureOut">
               <a:rPr lang="en-US" smtClean="0"/>
-              <a:t>9/3/2019</a:t>
+              <a:t>1/29/2020</a:t>
             </a:fld>
             <a:endParaRPr lang="en-US"/>
           </a:p>
@@ -5505,7 +5505,7 @@
             <a:fld id="{CF64A208-0694-964E-93B1-EAF2C4DF2BAD}" type="datetimeFigureOut">
               <a:rPr lang="en-US" smtClean="0"/>
               <a:pPr/>
-              <a:t>9/3/2019</a:t>
+              <a:t>1/29/2020</a:t>
             </a:fld>
             <a:endParaRPr lang="en-US" dirty="0"/>
           </a:p>
@@ -5735,7 +5735,7 @@
             <a:fld id="{CF64A208-0694-964E-93B1-EAF2C4DF2BAD}" type="datetimeFigureOut">
               <a:rPr lang="en-US" smtClean="0"/>
               <a:pPr/>
-              <a:t>9/3/2019</a:t>
+              <a:t>1/29/2020</a:t>
             </a:fld>
             <a:endParaRPr lang="en-US" dirty="0"/>
           </a:p>
@@ -5948,7 +5948,7 @@
           <a:p>
             <a:fld id="{CF64A208-0694-964E-93B1-EAF2C4DF2BAD}" type="datetimeFigureOut">
               <a:rPr lang="en-US" smtClean="0"/>
-              <a:t>9/3/2019</a:t>
+              <a:t>1/29/2020</a:t>
             </a:fld>
             <a:endParaRPr lang="en-US"/>
           </a:p>
@@ -6203,7 +6203,7 @@
             <a:fld id="{CF64A208-0694-964E-93B1-EAF2C4DF2BAD}" type="datetimeFigureOut">
               <a:rPr lang="en-US" smtClean="0"/>
               <a:pPr/>
-              <a:t>9/3/2019</a:t>
+              <a:t>1/29/2020</a:t>
             </a:fld>
             <a:endParaRPr lang="en-US" dirty="0"/>
           </a:p>
@@ -6503,7 +6503,7 @@
           <a:p>
             <a:fld id="{CF64A208-0694-964E-93B1-EAF2C4DF2BAD}" type="datetimeFigureOut">
               <a:rPr lang="en-US" smtClean="0"/>
-              <a:t>9/3/2019</a:t>
+              <a:t>1/29/2020</a:t>
             </a:fld>
             <a:endParaRPr lang="en-US"/>
           </a:p>
@@ -6936,7 +6936,7 @@
             <a:fld id="{CF64A208-0694-964E-93B1-EAF2C4DF2BAD}" type="datetimeFigureOut">
               <a:rPr lang="en-US" smtClean="0"/>
               <a:pPr/>
-              <a:t>9/3/2019</a:t>
+              <a:t>1/29/2020</a:t>
             </a:fld>
             <a:endParaRPr lang="en-US" dirty="0"/>
           </a:p>
@@ -7079,7 +7079,7 @@
             <a:fld id="{CF64A208-0694-964E-93B1-EAF2C4DF2BAD}" type="datetimeFigureOut">
               <a:rPr lang="en-US" smtClean="0"/>
               <a:pPr/>
-              <a:t>9/3/2019</a:t>
+              <a:t>1/29/2020</a:t>
             </a:fld>
             <a:endParaRPr lang="en-US" dirty="0"/>
           </a:p>
@@ -7194,7 +7194,7 @@
             <a:fld id="{CF64A208-0694-964E-93B1-EAF2C4DF2BAD}" type="datetimeFigureOut">
               <a:rPr lang="en-US" smtClean="0"/>
               <a:pPr/>
-              <a:t>9/3/2019</a:t>
+              <a:t>1/29/2020</a:t>
             </a:fld>
             <a:endParaRPr lang="en-US" dirty="0"/>
           </a:p>
@@ -7503,7 +7503,7 @@
             <a:fld id="{CF64A208-0694-964E-93B1-EAF2C4DF2BAD}" type="datetimeFigureOut">
               <a:rPr lang="en-US" smtClean="0"/>
               <a:pPr/>
-              <a:t>9/3/2019</a:t>
+              <a:t>1/29/2020</a:t>
             </a:fld>
             <a:endParaRPr lang="en-US" dirty="0"/>
           </a:p>
@@ -7784,7 +7784,7 @@
             <a:fld id="{CF64A208-0694-964E-93B1-EAF2C4DF2BAD}" type="datetimeFigureOut">
               <a:rPr lang="en-US" smtClean="0"/>
               <a:pPr/>
-              <a:t>9/3/2019</a:t>
+              <a:t>1/29/2020</a:t>
             </a:fld>
             <a:endParaRPr lang="en-US" dirty="0"/>
           </a:p>
@@ -8008,7 +8008,7 @@
           <a:p>
             <a:fld id="{CF64A208-0694-964E-93B1-EAF2C4DF2BAD}" type="datetimeFigureOut">
               <a:rPr lang="en-US" smtClean="0"/>
-              <a:t>9/3/2019</a:t>
+              <a:t>1/29/2020</a:t>
             </a:fld>
             <a:endParaRPr lang="en-US"/>
           </a:p>
@@ -9103,14 +9103,14 @@
           </a:ln>
           <a:extLst>
             <a:ext uri="{909E8E84-426E-40dd-AFC4-6F175D3DCCD1}">
-              <a14:hiddenFill xmlns:a14="http://schemas.microsoft.com/office/drawing/2010/main" xmlns="">
+              <a14:hiddenFill xmlns="" xmlns:a14="http://schemas.microsoft.com/office/drawing/2010/main">
                 <a:solidFill>
                   <a:srgbClr val="FFFFFF"/>
                 </a:solidFill>
               </a14:hiddenFill>
             </a:ext>
             <a:ext uri="{91240B29-F687-4f45-9708-019B960494DF}">
-              <a14:hiddenLine xmlns:a14="http://schemas.microsoft.com/office/drawing/2010/main" xmlns="" w="9525">
+              <a14:hiddenLine xmlns="" xmlns:a14="http://schemas.microsoft.com/office/drawing/2010/main" w="9525">
                 <a:solidFill>
                   <a:srgbClr val="000000"/>
                 </a:solidFill>
@@ -9144,14 +9144,14 @@
           </a:ln>
           <a:extLst>
             <a:ext uri="{909E8E84-426E-40dd-AFC4-6F175D3DCCD1}">
-              <a14:hiddenFill xmlns:a14="http://schemas.microsoft.com/office/drawing/2010/main" xmlns="">
+              <a14:hiddenFill xmlns="" xmlns:a14="http://schemas.microsoft.com/office/drawing/2010/main">
                 <a:solidFill>
                   <a:srgbClr val="FFFFFF"/>
                 </a:solidFill>
               </a14:hiddenFill>
             </a:ext>
             <a:ext uri="{91240B29-F687-4f45-9708-019B960494DF}">
-              <a14:hiddenLine xmlns:a14="http://schemas.microsoft.com/office/drawing/2010/main" xmlns="" w="12700">
+              <a14:hiddenLine xmlns="" xmlns:a14="http://schemas.microsoft.com/office/drawing/2010/main" w="12700">
                 <a:solidFill>
                   <a:srgbClr val="000000"/>
                 </a:solidFill>
@@ -9318,14 +9318,14 @@
           </a:ln>
           <a:extLst>
             <a:ext uri="{909E8E84-426E-40dd-AFC4-6F175D3DCCD1}">
-              <a14:hiddenFill xmlns:a14="http://schemas.microsoft.com/office/drawing/2010/main" xmlns="">
+              <a14:hiddenFill xmlns="" xmlns:a14="http://schemas.microsoft.com/office/drawing/2010/main">
                 <a:solidFill>
                   <a:srgbClr val="FFFFFF"/>
                 </a:solidFill>
               </a14:hiddenFill>
             </a:ext>
             <a:ext uri="{91240B29-F687-4f45-9708-019B960494DF}">
-              <a14:hiddenLine xmlns:a14="http://schemas.microsoft.com/office/drawing/2010/main" xmlns="" w="12700">
+              <a14:hiddenLine xmlns="" xmlns:a14="http://schemas.microsoft.com/office/drawing/2010/main" w="12700">
                 <a:solidFill>
                   <a:srgbClr val="000000"/>
                 </a:solidFill>
@@ -9634,7 +9634,7 @@
           <a:p>
             <a:r>
               <a:rPr lang="en-US" sz="2800" dirty="0"/>
-              <a:t>Technically a transformation </a:t>
+              <a:t>A transformation </a:t>
             </a:r>
             <a:r>
               <a:rPr lang="en-US" sz="2800" i="1" dirty="0"/>
@@ -9938,6 +9938,64 @@
           </a:p>
         </p:txBody>
       </p:sp>
+      <p:sp>
+        <p:nvSpPr>
+          <p:cNvPr id="3" name="TextBox 2">
+            <a:extLst>
+              <a:ext uri="{FF2B5EF4-FFF2-40B4-BE49-F238E27FC236}">
+                <a16:creationId xmlns:a16="http://schemas.microsoft.com/office/drawing/2014/main" id="{130840B4-B2A5-4D5A-B36A-66183297D3C0}"/>
+              </a:ext>
+            </a:extLst>
+          </p:cNvPr>
+          <p:cNvSpPr txBox="1"/>
+          <p:nvPr/>
+        </p:nvSpPr>
+        <p:spPr>
+          <a:xfrm>
+            <a:off x="6334599" y="1461890"/>
+            <a:ext cx="2479000" cy="2308324"/>
+          </a:xfrm>
+          <a:prstGeom prst="rect">
+            <a:avLst/>
+          </a:prstGeom>
+          <a:noFill/>
+          <a:ln>
+            <a:solidFill>
+              <a:schemeClr val="tx1"/>
+            </a:solidFill>
+          </a:ln>
+        </p:spPr>
+        <p:txBody>
+          <a:bodyPr wrap="square" rtlCol="0">
+            <a:spAutoFit/>
+          </a:bodyPr>
+          <a:lstStyle/>
+          <a:p>
+            <a:r>
+              <a:rPr lang="en-US" dirty="0">
+                <a:latin typeface="Comic Sans MS" panose="030F0702030302020204" pitchFamily="66" charset="0"/>
+              </a:rPr>
+              <a:t>In other words: doesn’t matter if we add the vectors and</a:t>
+            </a:r>
+          </a:p>
+          <a:p>
+            <a:r>
+              <a:rPr lang="en-US" dirty="0">
+                <a:latin typeface="Comic Sans MS" panose="030F0702030302020204" pitchFamily="66" charset="0"/>
+              </a:rPr>
+              <a:t>then apply the map, or apply the map and then add the</a:t>
+            </a:r>
+          </a:p>
+          <a:p>
+            <a:r>
+              <a:rPr lang="en-US" dirty="0">
+                <a:latin typeface="Comic Sans MS" panose="030F0702030302020204" pitchFamily="66" charset="0"/>
+              </a:rPr>
+              <a:t>vectors…same for scaling</a:t>
+            </a:r>
+          </a:p>
+        </p:txBody>
+      </p:sp>
     </p:spTree>
     <p:extLst>
       <p:ext uri="{BB962C8B-B14F-4D97-AF65-F5344CB8AC3E}">
@@ -9970,177 +10028,6 @@
       </p:grpSpPr>
       <p:sp>
         <p:nvSpPr>
-          <p:cNvPr id="2" name="Title 1">
-            <a:extLst>
-              <a:ext uri="{FF2B5EF4-FFF2-40B4-BE49-F238E27FC236}">
-                <a16:creationId xmlns:a16="http://schemas.microsoft.com/office/drawing/2014/main" id="{A21B46FD-7BC1-4F38-A196-806029B78DF4}"/>
-              </a:ext>
-            </a:extLst>
-          </p:cNvPr>
-          <p:cNvSpPr>
-            <a:spLocks noGrp="1"/>
-          </p:cNvSpPr>
-          <p:nvPr>
-            <p:ph type="title"/>
-          </p:nvPr>
-        </p:nvSpPr>
-        <p:spPr/>
-        <p:txBody>
-          <a:bodyPr/>
-          <a:lstStyle/>
-          <a:p>
-            <a:r>
-              <a:rPr lang="en-US" dirty="0"/>
-              <a:t>Affine Transformations</a:t>
-            </a:r>
-          </a:p>
-        </p:txBody>
-      </p:sp>
-      <p:sp>
-        <p:nvSpPr>
-          <p:cNvPr id="3" name="Rectangle 2">
-            <a:extLst>
-              <a:ext uri="{FF2B5EF4-FFF2-40B4-BE49-F238E27FC236}">
-                <a16:creationId xmlns:a16="http://schemas.microsoft.com/office/drawing/2014/main" id="{E923C80C-07CB-4207-BE65-DE833FAE9ECC}"/>
-              </a:ext>
-            </a:extLst>
-          </p:cNvPr>
-          <p:cNvSpPr/>
-          <p:nvPr/>
-        </p:nvSpPr>
-        <p:spPr>
-          <a:xfrm>
-            <a:off x="76840" y="1805949"/>
-            <a:ext cx="7415092" cy="3416320"/>
-          </a:xfrm>
-          <a:prstGeom prst="rect">
-            <a:avLst/>
-          </a:prstGeom>
-        </p:spPr>
-        <p:txBody>
-          <a:bodyPr wrap="square">
-            <a:spAutoFit/>
-          </a:bodyPr>
-          <a:lstStyle/>
-          <a:p>
-            <a:r>
-              <a:rPr lang="en-US" sz="3200" b="1" dirty="0"/>
-              <a:t>An affine transformation is the sum</a:t>
-            </a:r>
-            <a:br>
-              <a:rPr lang="en-US" sz="3200" b="1" dirty="0"/>
-            </a:br>
-            <a:r>
-              <a:rPr lang="en-US" sz="3200" b="1" dirty="0"/>
-              <a:t>of a linear transformation and a constant vector…</a:t>
-            </a:r>
-            <a:br>
-              <a:rPr lang="en-US" sz="2400" b="1" dirty="0"/>
-            </a:br>
-            <a:br>
-              <a:rPr lang="en-US" sz="2400" b="1" dirty="0"/>
-            </a:br>
-            <a:endParaRPr lang="en-US" sz="2400" b="1" dirty="0"/>
-          </a:p>
-          <a:p>
-            <a:pPr lvl="1"/>
-            <a:r>
-              <a:rPr lang="en-US" sz="2400" dirty="0"/>
-              <a:t>Linear transformations preserve the origin</a:t>
-            </a:r>
-            <a:br>
-              <a:rPr lang="en-US" sz="2400" dirty="0"/>
-            </a:br>
-            <a:endParaRPr lang="en-US" sz="2400" dirty="0"/>
-          </a:p>
-          <a:p>
-            <a:pPr lvl="1"/>
-            <a:r>
-              <a:rPr lang="en-US" sz="2400" dirty="0"/>
-              <a:t>Translations map the origin to a new position</a:t>
-            </a:r>
-          </a:p>
-        </p:txBody>
-      </p:sp>
-      <p:pic>
-        <p:nvPicPr>
-          <p:cNvPr id="21506" name="Picture 2" descr="https://upload.wikimedia.org/wikipedia/commons/thumb/2/2c/2D_affine_transformation_matrix.svg/512px-2D_affine_transformation_matrix.svg.png">
-            <a:extLst>
-              <a:ext uri="{FF2B5EF4-FFF2-40B4-BE49-F238E27FC236}">
-                <a16:creationId xmlns:a16="http://schemas.microsoft.com/office/drawing/2014/main" id="{A520D135-225E-433D-903B-A486D93B8C1C}"/>
-              </a:ext>
-            </a:extLst>
-          </p:cNvPr>
-          <p:cNvPicPr>
-            <a:picLocks noChangeAspect="1" noChangeArrowheads="1"/>
-          </p:cNvPicPr>
-          <p:nvPr/>
-        </p:nvPicPr>
-        <p:blipFill>
-          <a:blip r:embed="rId2">
-            <a:extLst>
-              <a:ext uri="{28A0092B-C50C-407E-A947-70E740481C1C}">
-                <a14:useLocalDpi xmlns:a14="http://schemas.microsoft.com/office/drawing/2010/main" val="0"/>
-              </a:ext>
-            </a:extLst>
-          </a:blip>
-          <a:srcRect/>
-          <a:stretch>
-            <a:fillRect/>
-          </a:stretch>
-        </p:blipFill>
-        <p:spPr bwMode="auto">
-          <a:xfrm>
-            <a:off x="7253728" y="552466"/>
-            <a:ext cx="4484914" cy="5982805"/>
-          </a:xfrm>
-          <a:prstGeom prst="rect">
-            <a:avLst/>
-          </a:prstGeom>
-          <a:noFill/>
-          <a:extLst>
-            <a:ext uri="{909E8E84-426E-40DD-AFC4-6F175D3DCCD1}">
-              <a14:hiddenFill xmlns:a14="http://schemas.microsoft.com/office/drawing/2010/main">
-                <a:solidFill>
-                  <a:srgbClr val="FFFFFF"/>
-                </a:solidFill>
-              </a14:hiddenFill>
-            </a:ext>
-          </a:extLst>
-        </p:spPr>
-      </p:pic>
-    </p:spTree>
-    <p:extLst>
-      <p:ext uri="{BB962C8B-B14F-4D97-AF65-F5344CB8AC3E}">
-        <p14:creationId xmlns:p14="http://schemas.microsoft.com/office/powerpoint/2010/main" val="240241678"/>
-      </p:ext>
-    </p:extLst>
-  </p:cSld>
-  <p:clrMapOvr>
-    <a:masterClrMapping/>
-  </p:clrMapOvr>
-</p:sld>
-</file>
-
-<file path=ppt/slides/slide13.xml><?xml version="1.0" encoding="utf-8"?>
-<p:sld xmlns:a="http://schemas.openxmlformats.org/drawingml/2006/main" xmlns:r="http://schemas.openxmlformats.org/officeDocument/2006/relationships" xmlns:p="http://schemas.openxmlformats.org/presentationml/2006/main">
-  <p:cSld>
-    <p:spTree>
-      <p:nvGrpSpPr>
-        <p:cNvPr id="1" name=""/>
-        <p:cNvGrpSpPr/>
-        <p:nvPr/>
-      </p:nvGrpSpPr>
-      <p:grpSpPr>
-        <a:xfrm>
-          <a:off x="0" y="0"/>
-          <a:ext cx="0" cy="0"/>
-          <a:chOff x="0" y="0"/>
-          <a:chExt cx="0" cy="0"/>
-        </a:xfrm>
-      </p:grpSpPr>
-      <p:sp>
-        <p:nvSpPr>
           <p:cNvPr id="1029" name="Title 1"/>
           <p:cNvSpPr>
             <a:spLocks noGrp="1"/>
@@ -10952,7 +10839,7 @@
           <a:graphicData uri="http://schemas.openxmlformats.org/presentationml/2006/ole">
             <mc:AlternateContent xmlns:mc="http://schemas.openxmlformats.org/markup-compatibility/2006">
               <mc:Choice xmlns:v="urn:schemas-microsoft-com:vml" Requires="v">
-                <p:oleObj spid="_x0000_s1044" name="Equation" r:id="rId4" imgW="914400" imgH="267840" progId="Equation.DSMT4">
+                <p:oleObj spid="_x0000_s1050" name="Equation" r:id="rId4" imgW="914400" imgH="267840" progId="Equation.DSMT4">
                   <p:embed/>
                 </p:oleObj>
               </mc:Choice>
@@ -10991,7 +10878,7 @@
                       <a:noFill/>
                       <a:extLst>
                         <a:ext uri="{909E8E84-426E-40dd-AFC4-6F175D3DCCD1}">
-                          <a14:hiddenFill xmlns:a14="http://schemas.microsoft.com/office/drawing/2010/main" xmlns="">
+                          <a14:hiddenFill xmlns="" xmlns:a14="http://schemas.microsoft.com/office/drawing/2010/main">
                             <a:solidFill>
                               <a:srgbClr val="FFFFFF"/>
                             </a:solidFill>
@@ -11022,7 +10909,7 @@
           <a:graphicData uri="http://schemas.openxmlformats.org/presentationml/2006/ole">
             <mc:AlternateContent xmlns:mc="http://schemas.openxmlformats.org/markup-compatibility/2006">
               <mc:Choice xmlns:v="urn:schemas-microsoft-com:vml" Requires="v">
-                <p:oleObj spid="_x0000_s1045" name="Equation" r:id="rId6" imgW="596880" imgH="711000" progId="Equation.DSMT4">
+                <p:oleObj spid="_x0000_s1051" name="Equation" r:id="rId6" imgW="596880" imgH="711000" progId="Equation.DSMT4">
                   <p:embed/>
                 </p:oleObj>
               </mc:Choice>
@@ -11061,7 +10948,7 @@
                       <a:noFill/>
                       <a:extLst>
                         <a:ext uri="{909E8E84-426E-40dd-AFC4-6F175D3DCCD1}">
-                          <a14:hiddenFill xmlns:a14="http://schemas.microsoft.com/office/drawing/2010/main" xmlns="">
+                          <a14:hiddenFill xmlns="" xmlns:a14="http://schemas.microsoft.com/office/drawing/2010/main">
                             <a:solidFill>
                               <a:srgbClr val="FFFFFF"/>
                             </a:solidFill>
@@ -11181,7 +11068,7 @@
           <a:graphicData uri="http://schemas.openxmlformats.org/presentationml/2006/ole">
             <mc:AlternateContent xmlns:mc="http://schemas.openxmlformats.org/markup-compatibility/2006">
               <mc:Choice xmlns:v="urn:schemas-microsoft-com:vml" Requires="v">
-                <p:oleObj spid="_x0000_s1046" name="Equation" r:id="rId8" imgW="419040" imgH="711000" progId="Equation.3">
+                <p:oleObj spid="_x0000_s1052" name="Equation" r:id="rId8" imgW="419040" imgH="711000" progId="Equation.3">
                   <p:embed/>
                 </p:oleObj>
               </mc:Choice>
@@ -11220,7 +11107,7 @@
                       <a:noFill/>
                       <a:extLst>
                         <a:ext uri="{909E8E84-426E-40dd-AFC4-6F175D3DCCD1}">
-                          <a14:hiddenFill xmlns:a14="http://schemas.microsoft.com/office/drawing/2010/main" xmlns="">
+                          <a14:hiddenFill xmlns="" xmlns:a14="http://schemas.microsoft.com/office/drawing/2010/main">
                             <a:solidFill>
                               <a:srgbClr val="FFFFFF"/>
                             </a:solidFill>
@@ -11251,7 +11138,7 @@
 </p:sld>
 </file>
 
-<file path=ppt/slides/slide14.xml><?xml version="1.0" encoding="utf-8"?>
+<file path=ppt/slides/slide13.xml><?xml version="1.0" encoding="utf-8"?>
 <p:sld xmlns:a="http://schemas.openxmlformats.org/drawingml/2006/main" xmlns:r="http://schemas.openxmlformats.org/officeDocument/2006/relationships" xmlns:p="http://schemas.openxmlformats.org/presentationml/2006/main">
   <p:cSld>
     <p:spTree>
@@ -12042,7 +11929,7 @@
           <a:graphicData uri="http://schemas.openxmlformats.org/presentationml/2006/ole">
             <mc:AlternateContent xmlns:mc="http://schemas.openxmlformats.org/markup-compatibility/2006">
               <mc:Choice xmlns:v="urn:schemas-microsoft-com:vml" Requires="v">
-                <p:oleObj spid="_x0000_s2062" name="Equation" r:id="rId4" imgW="914400" imgH="267840" progId="Equation.DSMT4">
+                <p:oleObj spid="_x0000_s2066" name="Equation" r:id="rId4" imgW="914400" imgH="267840" progId="Equation.DSMT4">
                   <p:embed/>
                 </p:oleObj>
               </mc:Choice>
@@ -12081,7 +11968,7 @@
                       <a:noFill/>
                       <a:extLst>
                         <a:ext uri="{909E8E84-426E-40dd-AFC4-6F175D3DCCD1}">
-                          <a14:hiddenFill xmlns:a14="http://schemas.microsoft.com/office/drawing/2010/main" xmlns="">
+                          <a14:hiddenFill xmlns="" xmlns:a14="http://schemas.microsoft.com/office/drawing/2010/main">
                             <a:solidFill>
                               <a:srgbClr val="FFFFFF"/>
                             </a:solidFill>
@@ -12112,7 +11999,7 @@
           <a:graphicData uri="http://schemas.openxmlformats.org/presentationml/2006/ole">
             <mc:AlternateContent xmlns:mc="http://schemas.openxmlformats.org/markup-compatibility/2006">
               <mc:Choice xmlns:v="urn:schemas-microsoft-com:vml" Requires="v">
-                <p:oleObj spid="_x0000_s2063" name="Equation" r:id="rId6" imgW="419040" imgH="711000" progId="Equation.3">
+                <p:oleObj spid="_x0000_s2067" name="Equation" r:id="rId6" imgW="419040" imgH="711000" progId="Equation.3">
                   <p:embed/>
                 </p:oleObj>
               </mc:Choice>
@@ -12151,7 +12038,7 @@
                       <a:noFill/>
                       <a:extLst>
                         <a:ext uri="{909E8E84-426E-40dd-AFC4-6F175D3DCCD1}">
-                          <a14:hiddenFill xmlns:a14="http://schemas.microsoft.com/office/drawing/2010/main" xmlns="">
+                          <a14:hiddenFill xmlns="" xmlns:a14="http://schemas.microsoft.com/office/drawing/2010/main">
                             <a:solidFill>
                               <a:srgbClr val="FFFFFF"/>
                             </a:solidFill>
@@ -12214,7 +12101,7 @@
 </p:sld>
 </file>
 
-<file path=ppt/slides/slide15.xml><?xml version="1.0" encoding="utf-8"?>
+<file path=ppt/slides/slide14.xml><?xml version="1.0" encoding="utf-8"?>
 <p:sld xmlns:a="http://schemas.openxmlformats.org/drawingml/2006/main" xmlns:r="http://schemas.openxmlformats.org/officeDocument/2006/relationships" xmlns:p="http://schemas.openxmlformats.org/presentationml/2006/main">
   <p:cSld>
     <p:spTree>
@@ -13027,7 +12914,7 @@
           <a:graphicData uri="http://schemas.openxmlformats.org/presentationml/2006/ole">
             <mc:AlternateContent xmlns:mc="http://schemas.openxmlformats.org/markup-compatibility/2006">
               <mc:Choice xmlns:v="urn:schemas-microsoft-com:vml" Requires="v">
-                <p:oleObj spid="_x0000_s3116" name="Equation" r:id="rId4" imgW="914400" imgH="267840" progId="Equation.DSMT4">
+                <p:oleObj spid="_x0000_s3128" name="Equation" r:id="rId4" imgW="914400" imgH="267840" progId="Equation.DSMT4">
                   <p:embed/>
                 </p:oleObj>
               </mc:Choice>
@@ -13066,7 +12953,7 @@
                       <a:noFill/>
                       <a:extLst>
                         <a:ext uri="{909E8E84-426E-40dd-AFC4-6F175D3DCCD1}">
-                          <a14:hiddenFill xmlns:a14="http://schemas.microsoft.com/office/drawing/2010/main" xmlns="">
+                          <a14:hiddenFill xmlns="" xmlns:a14="http://schemas.microsoft.com/office/drawing/2010/main">
                             <a:solidFill>
                               <a:srgbClr val="FFFFFF"/>
                             </a:solidFill>
@@ -13103,7 +12990,7 @@
           <a:graphicData uri="http://schemas.openxmlformats.org/presentationml/2006/ole">
             <mc:AlternateContent xmlns:mc="http://schemas.openxmlformats.org/markup-compatibility/2006">
               <mc:Choice xmlns:v="urn:schemas-microsoft-com:vml" Requires="v">
-                <p:oleObj spid="_x0000_s3117" name="Equation" r:id="rId6" imgW="419040" imgH="711000" progId="Equation.DSMT4">
+                <p:oleObj spid="_x0000_s3129" name="Equation" r:id="rId6" imgW="419040" imgH="711000" progId="Equation.DSMT4">
                   <p:embed/>
                 </p:oleObj>
               </mc:Choice>
@@ -13142,7 +13029,7 @@
                       <a:noFill/>
                       <a:extLst>
                         <a:ext uri="{909E8E84-426E-40dd-AFC4-6F175D3DCCD1}">
-                          <a14:hiddenFill xmlns:a14="http://schemas.microsoft.com/office/drawing/2010/main" xmlns="">
+                          <a14:hiddenFill xmlns="" xmlns:a14="http://schemas.microsoft.com/office/drawing/2010/main">
                             <a:solidFill>
                               <a:srgbClr val="FFFFFF"/>
                             </a:solidFill>
@@ -13179,7 +13066,7 @@
           <a:graphicData uri="http://schemas.openxmlformats.org/presentationml/2006/ole">
             <mc:AlternateContent xmlns:mc="http://schemas.openxmlformats.org/markup-compatibility/2006">
               <mc:Choice xmlns:v="urn:schemas-microsoft-com:vml" Requires="v">
-                <p:oleObj spid="_x0000_s3118" name="Equation" r:id="rId8" imgW="1917360" imgH="711000" progId="Equation.DSMT4">
+                <p:oleObj spid="_x0000_s3130" name="Equation" r:id="rId8" imgW="1917360" imgH="711000" progId="Equation.DSMT4">
                   <p:embed/>
                 </p:oleObj>
               </mc:Choice>
@@ -13218,7 +13105,7 @@
                       <a:noFill/>
                       <a:extLst>
                         <a:ext uri="{909E8E84-426E-40dd-AFC4-6F175D3DCCD1}">
-                          <a14:hiddenFill xmlns:a14="http://schemas.microsoft.com/office/drawing/2010/main" xmlns="">
+                          <a14:hiddenFill xmlns="" xmlns:a14="http://schemas.microsoft.com/office/drawing/2010/main">
                             <a:solidFill>
                               <a:srgbClr val="FFFFFF"/>
                             </a:solidFill>
@@ -13281,7 +13168,7 @@
           <a:graphicData uri="http://schemas.openxmlformats.org/presentationml/2006/ole">
             <mc:AlternateContent xmlns:mc="http://schemas.openxmlformats.org/markup-compatibility/2006">
               <mc:Choice xmlns:v="urn:schemas-microsoft-com:vml" Requires="v">
-                <p:oleObj spid="_x0000_s3119" name="Equation" r:id="rId11" imgW="1257120" imgH="711000" progId="Equation.DSMT4">
+                <p:oleObj spid="_x0000_s3131" name="Equation" r:id="rId11" imgW="1257120" imgH="711000" progId="Equation.DSMT4">
                   <p:embed/>
                 </p:oleObj>
               </mc:Choice>
@@ -13320,7 +13207,7 @@
                       <a:noFill/>
                       <a:extLst>
                         <a:ext uri="{909E8E84-426E-40dd-AFC4-6F175D3DCCD1}">
-                          <a14:hiddenFill xmlns:a14="http://schemas.microsoft.com/office/drawing/2010/main" xmlns="">
+                          <a14:hiddenFill xmlns="" xmlns:a14="http://schemas.microsoft.com/office/drawing/2010/main">
                             <a:solidFill>
                               <a:srgbClr val="FFFFFF"/>
                             </a:solidFill>
@@ -13470,7 +13357,7 @@
           <a:graphicData uri="http://schemas.openxmlformats.org/presentationml/2006/ole">
             <mc:AlternateContent xmlns:mc="http://schemas.openxmlformats.org/markup-compatibility/2006">
               <mc:Choice xmlns:v="urn:schemas-microsoft-com:vml" Requires="v">
-                <p:oleObj spid="_x0000_s3120" name="Equation" r:id="rId13" imgW="419040" imgH="711000" progId="Equation.DSMT4">
+                <p:oleObj spid="_x0000_s3132" name="Equation" r:id="rId13" imgW="419040" imgH="711000" progId="Equation.DSMT4">
                   <p:embed/>
                 </p:oleObj>
               </mc:Choice>
@@ -13509,7 +13396,7 @@
                       <a:noFill/>
                       <a:extLst>
                         <a:ext uri="{909E8E84-426E-40dd-AFC4-6F175D3DCCD1}">
-                          <a14:hiddenFill xmlns:a14="http://schemas.microsoft.com/office/drawing/2010/main" xmlns="">
+                          <a14:hiddenFill xmlns="" xmlns:a14="http://schemas.microsoft.com/office/drawing/2010/main">
                             <a:solidFill>
                               <a:srgbClr val="FFFFFF"/>
                             </a:solidFill>
@@ -13540,7 +13427,7 @@
           <a:graphicData uri="http://schemas.openxmlformats.org/presentationml/2006/ole">
             <mc:AlternateContent xmlns:mc="http://schemas.openxmlformats.org/markup-compatibility/2006">
               <mc:Choice xmlns:v="urn:schemas-microsoft-com:vml" Requires="v">
-                <p:oleObj spid="_x0000_s3121" name="Equation" r:id="rId14" imgW="596880" imgH="711000" progId="Equation.3">
+                <p:oleObj spid="_x0000_s3133" name="Equation" r:id="rId14" imgW="596880" imgH="711000" progId="Equation.3">
                   <p:embed/>
                 </p:oleObj>
               </mc:Choice>
@@ -13579,7 +13466,7 @@
                       <a:noFill/>
                       <a:extLst>
                         <a:ext uri="{909E8E84-426E-40dd-AFC4-6F175D3DCCD1}">
-                          <a14:hiddenFill xmlns:a14="http://schemas.microsoft.com/office/drawing/2010/main" xmlns="">
+                          <a14:hiddenFill xmlns="" xmlns:a14="http://schemas.microsoft.com/office/drawing/2010/main">
                             <a:solidFill>
                               <a:srgbClr val="FFFFFF"/>
                             </a:solidFill>
@@ -13979,7 +13866,7 @@
 </p:sld>
 </file>
 
-<file path=ppt/slides/slide16.xml><?xml version="1.0" encoding="utf-8"?>
+<file path=ppt/slides/slide15.xml><?xml version="1.0" encoding="utf-8"?>
 <p:sld xmlns:a="http://schemas.openxmlformats.org/drawingml/2006/main" xmlns:r="http://schemas.openxmlformats.org/officeDocument/2006/relationships" xmlns:p="http://schemas.openxmlformats.org/presentationml/2006/main">
   <p:cSld>
     <p:spTree>
@@ -14799,7 +14686,7 @@
           <a:graphicData uri="http://schemas.openxmlformats.org/presentationml/2006/ole">
             <mc:AlternateContent xmlns:mc="http://schemas.openxmlformats.org/markup-compatibility/2006">
               <mc:Choice xmlns:v="urn:schemas-microsoft-com:vml" Requires="v">
-                <p:oleObj spid="_x0000_s4128" name="Equation" r:id="rId4" imgW="914400" imgH="267840" progId="Equation.DSMT4">
+                <p:oleObj spid="_x0000_s4138" name="Equation" r:id="rId4" imgW="914400" imgH="267840" progId="Equation.DSMT4">
                   <p:embed/>
                 </p:oleObj>
               </mc:Choice>
@@ -14838,7 +14725,7 @@
                       <a:noFill/>
                       <a:extLst>
                         <a:ext uri="{909E8E84-426E-40dd-AFC4-6F175D3DCCD1}">
-                          <a14:hiddenFill xmlns:a14="http://schemas.microsoft.com/office/drawing/2010/main" xmlns="">
+                          <a14:hiddenFill xmlns="" xmlns:a14="http://schemas.microsoft.com/office/drawing/2010/main">
                             <a:solidFill>
                               <a:srgbClr val="FFFFFF"/>
                             </a:solidFill>
@@ -14869,7 +14756,7 @@
           <a:graphicData uri="http://schemas.openxmlformats.org/presentationml/2006/ole">
             <mc:AlternateContent xmlns:mc="http://schemas.openxmlformats.org/markup-compatibility/2006">
               <mc:Choice xmlns:v="urn:schemas-microsoft-com:vml" Requires="v">
-                <p:oleObj spid="_x0000_s4129" name="Equation" r:id="rId6" imgW="419040" imgH="711000" progId="Equation.DSMT4">
+                <p:oleObj spid="_x0000_s4139" name="Equation" r:id="rId6" imgW="419040" imgH="711000" progId="Equation.DSMT4">
                   <p:embed/>
                 </p:oleObj>
               </mc:Choice>
@@ -14908,7 +14795,7 @@
                       <a:noFill/>
                       <a:extLst>
                         <a:ext uri="{909E8E84-426E-40dd-AFC4-6F175D3DCCD1}">
-                          <a14:hiddenFill xmlns:a14="http://schemas.microsoft.com/office/drawing/2010/main" xmlns="">
+                          <a14:hiddenFill xmlns="" xmlns:a14="http://schemas.microsoft.com/office/drawing/2010/main">
                             <a:solidFill>
                               <a:srgbClr val="FFFFFF"/>
                             </a:solidFill>
@@ -14941,7 +14828,7 @@
           <a:graphicData uri="http://schemas.openxmlformats.org/presentationml/2006/ole">
             <mc:AlternateContent xmlns:mc="http://schemas.openxmlformats.org/markup-compatibility/2006">
               <mc:Choice xmlns:v="urn:schemas-microsoft-com:vml" Requires="v">
-                <p:oleObj spid="_x0000_s4130" name="Equation" r:id="rId8" imgW="1993680" imgH="711000" progId="Equation.DSMT4">
+                <p:oleObj spid="_x0000_s4140" name="Equation" r:id="rId8" imgW="1993680" imgH="711000" progId="Equation.DSMT4">
                   <p:embed/>
                 </p:oleObj>
               </mc:Choice>
@@ -14980,7 +14867,7 @@
                       <a:noFill/>
                       <a:extLst>
                         <a:ext uri="{909E8E84-426E-40dd-AFC4-6F175D3DCCD1}">
-                          <a14:hiddenFill xmlns:a14="http://schemas.microsoft.com/office/drawing/2010/main" xmlns="">
+                          <a14:hiddenFill xmlns="" xmlns:a14="http://schemas.microsoft.com/office/drawing/2010/main">
                             <a:solidFill>
                               <a:srgbClr val="FFFFFF"/>
                             </a:solidFill>
@@ -15043,7 +14930,7 @@
           <a:graphicData uri="http://schemas.openxmlformats.org/presentationml/2006/ole">
             <mc:AlternateContent xmlns:mc="http://schemas.openxmlformats.org/markup-compatibility/2006">
               <mc:Choice xmlns:v="urn:schemas-microsoft-com:vml" Requires="v">
-                <p:oleObj spid="_x0000_s4131" name="Equation" r:id="rId11" imgW="1206360" imgH="711000" progId="Equation.DSMT4">
+                <p:oleObj spid="_x0000_s4141" name="Equation" r:id="rId11" imgW="1206360" imgH="711000" progId="Equation.DSMT4">
                   <p:embed/>
                 </p:oleObj>
               </mc:Choice>
@@ -15082,7 +14969,7 @@
                       <a:noFill/>
                       <a:extLst>
                         <a:ext uri="{909E8E84-426E-40dd-AFC4-6F175D3DCCD1}">
-                          <a14:hiddenFill xmlns:a14="http://schemas.microsoft.com/office/drawing/2010/main" xmlns="">
+                          <a14:hiddenFill xmlns="" xmlns:a14="http://schemas.microsoft.com/office/drawing/2010/main">
                             <a:solidFill>
                               <a:srgbClr val="FFFFFF"/>
                             </a:solidFill>
@@ -15115,7 +15002,7 @@
           <a:graphicData uri="http://schemas.openxmlformats.org/presentationml/2006/ole">
             <mc:AlternateContent xmlns:mc="http://schemas.openxmlformats.org/markup-compatibility/2006">
               <mc:Choice xmlns:v="urn:schemas-microsoft-com:vml" Requires="v">
-                <p:oleObj spid="_x0000_s4132" name="Equation" r:id="rId13" imgW="1917360" imgH="711000" progId="Equation.3">
+                <p:oleObj spid="_x0000_s4142" name="Equation" r:id="rId13" imgW="1917360" imgH="711000" progId="Equation.3">
                   <p:embed/>
                 </p:oleObj>
               </mc:Choice>
@@ -15154,7 +15041,7 @@
                       <a:noFill/>
                       <a:extLst>
                         <a:ext uri="{909E8E84-426E-40dd-AFC4-6F175D3DCCD1}">
-                          <a14:hiddenFill xmlns:a14="http://schemas.microsoft.com/office/drawing/2010/main" xmlns="">
+                          <a14:hiddenFill xmlns="" xmlns:a14="http://schemas.microsoft.com/office/drawing/2010/main">
                             <a:solidFill>
                               <a:srgbClr val="FFFFFF"/>
                             </a:solidFill>
@@ -15255,7 +15142,7 @@
 </p:sld>
 </file>
 
-<file path=ppt/slides/slide17.xml><?xml version="1.0" encoding="utf-8"?>
+<file path=ppt/slides/slide16.xml><?xml version="1.0" encoding="utf-8"?>
 <p:sld xmlns:a="http://schemas.openxmlformats.org/drawingml/2006/main" xmlns:r="http://schemas.openxmlformats.org/officeDocument/2006/relationships" xmlns:p="http://schemas.openxmlformats.org/presentationml/2006/main">
   <p:cSld>
     <p:spTree>
@@ -16030,14 +15917,14 @@
             </a:ln>
             <a:extLst>
               <a:ext uri="{909E8E84-426E-40dd-AFC4-6F175D3DCCD1}">
-                <a14:hiddenFill xmlns:a14="http://schemas.microsoft.com/office/drawing/2010/main" xmlns="">
+                <a14:hiddenFill xmlns="" xmlns:a14="http://schemas.microsoft.com/office/drawing/2010/main">
                   <a:solidFill>
                     <a:srgbClr val="FFFFFF"/>
                   </a:solidFill>
                 </a14:hiddenFill>
               </a:ext>
               <a:ext uri="{91240B29-F687-4f45-9708-019B960494DF}">
-                <a14:hiddenLine xmlns:a14="http://schemas.microsoft.com/office/drawing/2010/main" xmlns="" w="9525">
+                <a14:hiddenLine xmlns="" xmlns:a14="http://schemas.microsoft.com/office/drawing/2010/main" w="9525">
                   <a:solidFill>
                     <a:srgbClr val="000000"/>
                   </a:solidFill>
@@ -16267,7 +16154,7 @@
             </a:ln>
             <a:extLst>
               <a:ext uri="{909E8E84-426E-40dd-AFC4-6F175D3DCCD1}">
-                <a14:hiddenFill xmlns:a14="http://schemas.microsoft.com/office/drawing/2010/main" xmlns="">
+                <a14:hiddenFill xmlns="" xmlns:a14="http://schemas.microsoft.com/office/drawing/2010/main">
                   <a:solidFill>
                     <a:srgbClr val="FFFFFF"/>
                   </a:solidFill>
@@ -16374,7 +16261,7 @@
             </a:ln>
             <a:extLst>
               <a:ext uri="{909E8E84-426E-40dd-AFC4-6F175D3DCCD1}">
-                <a14:hiddenFill xmlns:a14="http://schemas.microsoft.com/office/drawing/2010/main" xmlns="">
+                <a14:hiddenFill xmlns="" xmlns:a14="http://schemas.microsoft.com/office/drawing/2010/main">
                   <a:solidFill>
                     <a:srgbClr val="FFFFFF"/>
                   </a:solidFill>
@@ -16411,7 +16298,7 @@
 </p:sld>
 </file>
 
-<file path=ppt/slides/slide18.xml><?xml version="1.0" encoding="utf-8"?>
+<file path=ppt/slides/slide17.xml><?xml version="1.0" encoding="utf-8"?>
 <p:sld xmlns:a="http://schemas.openxmlformats.org/drawingml/2006/main" xmlns:r="http://schemas.openxmlformats.org/officeDocument/2006/relationships" xmlns:p="http://schemas.openxmlformats.org/presentationml/2006/main">
   <p:cSld>
     <p:spTree>
@@ -17416,7 +17303,7 @@
           <a:graphicData uri="http://schemas.openxmlformats.org/presentationml/2006/ole">
             <mc:AlternateContent xmlns:mc="http://schemas.openxmlformats.org/markup-compatibility/2006">
               <mc:Choice xmlns:v="urn:schemas-microsoft-com:vml" Requires="v">
-                <p:oleObj spid="_x0000_s5164" name="Equation" r:id="rId4" imgW="914400" imgH="267840" progId="Equation.DSMT4">
+                <p:oleObj spid="_x0000_s5176" name="Equation" r:id="rId4" imgW="914400" imgH="267840" progId="Equation.DSMT4">
                   <p:embed/>
                 </p:oleObj>
               </mc:Choice>
@@ -17455,7 +17342,7 @@
                       <a:noFill/>
                       <a:extLst>
                         <a:ext uri="{909E8E84-426E-40dd-AFC4-6F175D3DCCD1}">
-                          <a14:hiddenFill xmlns:a14="http://schemas.microsoft.com/office/drawing/2010/main" xmlns="">
+                          <a14:hiddenFill xmlns="" xmlns:a14="http://schemas.microsoft.com/office/drawing/2010/main">
                             <a:solidFill>
                               <a:srgbClr val="FFFFFF"/>
                             </a:solidFill>
@@ -17488,7 +17375,7 @@
           <a:graphicData uri="http://schemas.openxmlformats.org/presentationml/2006/ole">
             <mc:AlternateContent xmlns:mc="http://schemas.openxmlformats.org/markup-compatibility/2006">
               <mc:Choice xmlns:v="urn:schemas-microsoft-com:vml" Requires="v">
-                <p:oleObj spid="_x0000_s5165" name="Equation" r:id="rId6" imgW="419040" imgH="711000" progId="Equation.DSMT4">
+                <p:oleObj spid="_x0000_s5177" name="Equation" r:id="rId6" imgW="419040" imgH="711000" progId="Equation.DSMT4">
                   <p:embed/>
                 </p:oleObj>
               </mc:Choice>
@@ -17527,7 +17414,7 @@
                       <a:noFill/>
                       <a:extLst>
                         <a:ext uri="{909E8E84-426E-40dd-AFC4-6F175D3DCCD1}">
-                          <a14:hiddenFill xmlns:a14="http://schemas.microsoft.com/office/drawing/2010/main" xmlns="">
+                          <a14:hiddenFill xmlns="" xmlns:a14="http://schemas.microsoft.com/office/drawing/2010/main">
                             <a:solidFill>
                               <a:srgbClr val="FFFFFF"/>
                             </a:solidFill>
@@ -17560,7 +17447,7 @@
           <a:graphicData uri="http://schemas.openxmlformats.org/presentationml/2006/ole">
             <mc:AlternateContent xmlns:mc="http://schemas.openxmlformats.org/markup-compatibility/2006">
               <mc:Choice xmlns:v="urn:schemas-microsoft-com:vml" Requires="v">
-                <p:oleObj spid="_x0000_s5166" name="Equation" r:id="rId8" imgW="1993680" imgH="711000" progId="Equation.DSMT4">
+                <p:oleObj spid="_x0000_s5178" name="Equation" r:id="rId8" imgW="1993680" imgH="711000" progId="Equation.DSMT4">
                   <p:embed/>
                 </p:oleObj>
               </mc:Choice>
@@ -17599,7 +17486,7 @@
                       <a:noFill/>
                       <a:extLst>
                         <a:ext uri="{909E8E84-426E-40dd-AFC4-6F175D3DCCD1}">
-                          <a14:hiddenFill xmlns:a14="http://schemas.microsoft.com/office/drawing/2010/main" xmlns="">
+                          <a14:hiddenFill xmlns="" xmlns:a14="http://schemas.microsoft.com/office/drawing/2010/main">
                             <a:solidFill>
                               <a:srgbClr val="FFFFFF"/>
                             </a:solidFill>
@@ -17630,7 +17517,7 @@
           <a:graphicData uri="http://schemas.openxmlformats.org/presentationml/2006/ole">
             <mc:AlternateContent xmlns:mc="http://schemas.openxmlformats.org/markup-compatibility/2006">
               <mc:Choice xmlns:v="urn:schemas-microsoft-com:vml" Requires="v">
-                <p:oleObj spid="_x0000_s5167" name="Equation" r:id="rId10" imgW="2044440" imgH="711000" progId="Equation.DSMT4">
+                <p:oleObj spid="_x0000_s5179" name="Equation" r:id="rId10" imgW="2044440" imgH="711000" progId="Equation.DSMT4">
                   <p:embed/>
                 </p:oleObj>
               </mc:Choice>
@@ -17669,7 +17556,7 @@
                       <a:noFill/>
                       <a:extLst>
                         <a:ext uri="{909E8E84-426E-40dd-AFC4-6F175D3DCCD1}">
-                          <a14:hiddenFill xmlns:a14="http://schemas.microsoft.com/office/drawing/2010/main" xmlns="">
+                          <a14:hiddenFill xmlns="" xmlns:a14="http://schemas.microsoft.com/office/drawing/2010/main">
                             <a:solidFill>
                               <a:srgbClr val="FFFFFF"/>
                             </a:solidFill>
@@ -17702,7 +17589,7 @@
           <a:graphicData uri="http://schemas.openxmlformats.org/presentationml/2006/ole">
             <mc:AlternateContent xmlns:mc="http://schemas.openxmlformats.org/markup-compatibility/2006">
               <mc:Choice xmlns:v="urn:schemas-microsoft-com:vml" Requires="v">
-                <p:oleObj spid="_x0000_s5168" name="Equation" r:id="rId12" imgW="1917360" imgH="711000" progId="Equation.DSMT4">
+                <p:oleObj spid="_x0000_s5180" name="Equation" r:id="rId12" imgW="1917360" imgH="711000" progId="Equation.DSMT4">
                   <p:embed/>
                 </p:oleObj>
               </mc:Choice>
@@ -17741,7 +17628,7 @@
                       <a:noFill/>
                       <a:extLst>
                         <a:ext uri="{909E8E84-426E-40dd-AFC4-6F175D3DCCD1}">
-                          <a14:hiddenFill xmlns:a14="http://schemas.microsoft.com/office/drawing/2010/main" xmlns="">
+                          <a14:hiddenFill xmlns="" xmlns:a14="http://schemas.microsoft.com/office/drawing/2010/main">
                             <a:solidFill>
                               <a:srgbClr val="FFFFFF"/>
                             </a:solidFill>
@@ -18472,7 +18359,7 @@
           <a:graphicData uri="http://schemas.openxmlformats.org/presentationml/2006/ole">
             <mc:AlternateContent xmlns:mc="http://schemas.openxmlformats.org/markup-compatibility/2006">
               <mc:Choice xmlns:v="urn:schemas-microsoft-com:vml" Requires="v">
-                <p:oleObj spid="_x0000_s5169" name="Equation" r:id="rId14" imgW="2286000" imgH="736560" progId="Equation.3">
+                <p:oleObj spid="_x0000_s5181" name="Equation" r:id="rId14" imgW="2286000" imgH="736560" progId="Equation.3">
                   <p:embed/>
                 </p:oleObj>
               </mc:Choice>
@@ -18511,7 +18398,7 @@
                       <a:noFill/>
                       <a:extLst>
                         <a:ext uri="{909E8E84-426E-40dd-AFC4-6F175D3DCCD1}">
-                          <a14:hiddenFill xmlns:a14="http://schemas.microsoft.com/office/drawing/2010/main" xmlns="">
+                          <a14:hiddenFill xmlns="" xmlns:a14="http://schemas.microsoft.com/office/drawing/2010/main">
                             <a:solidFill>
                               <a:srgbClr val="FFFFFF"/>
                             </a:solidFill>
@@ -18706,7 +18593,7 @@
 </p:sld>
 </file>
 
-<file path=ppt/slides/slide19.xml><?xml version="1.0" encoding="utf-8"?>
+<file path=ppt/slides/slide18.xml><?xml version="1.0" encoding="utf-8"?>
 <p:sld xmlns:a="http://schemas.openxmlformats.org/drawingml/2006/main" xmlns:r="http://schemas.openxmlformats.org/officeDocument/2006/relationships" xmlns:p="http://schemas.openxmlformats.org/presentationml/2006/main">
   <p:cSld>
     <p:spTree>
@@ -18846,7 +18733,7 @@
           <a:graphicData uri="http://schemas.openxmlformats.org/presentationml/2006/ole">
             <mc:AlternateContent xmlns:mc="http://schemas.openxmlformats.org/markup-compatibility/2006">
               <mc:Choice xmlns:v="urn:schemas-microsoft-com:vml" Requires="v">
-                <p:oleObj spid="_x0000_s6174" name="Equation" r:id="rId4" imgW="2286000" imgH="736560" progId="Equation.DSMT4">
+                <p:oleObj spid="_x0000_s6182" name="Equation" r:id="rId4" imgW="2286000" imgH="736560" progId="Equation.DSMT4">
                   <p:embed/>
                 </p:oleObj>
               </mc:Choice>
@@ -18885,7 +18772,7 @@
                       <a:noFill/>
                       <a:extLst>
                         <a:ext uri="{909E8E84-426E-40dd-AFC4-6F175D3DCCD1}">
-                          <a14:hiddenFill xmlns:a14="http://schemas.microsoft.com/office/drawing/2010/main" xmlns="">
+                          <a14:hiddenFill xmlns="" xmlns:a14="http://schemas.microsoft.com/office/drawing/2010/main">
                             <a:solidFill>
                               <a:srgbClr val="FFFFFF"/>
                             </a:solidFill>
@@ -18916,7 +18803,7 @@
           <a:graphicData uri="http://schemas.openxmlformats.org/presentationml/2006/ole">
             <mc:AlternateContent xmlns:mc="http://schemas.openxmlformats.org/markup-compatibility/2006">
               <mc:Choice xmlns:v="urn:schemas-microsoft-com:vml" Requires="v">
-                <p:oleObj spid="_x0000_s6175" name="Equation" r:id="rId6" imgW="2514600" imgH="1117440" progId="Equation.DSMT4">
+                <p:oleObj spid="_x0000_s6183" name="Equation" r:id="rId6" imgW="2514600" imgH="1117440" progId="Equation.DSMT4">
                   <p:embed/>
                 </p:oleObj>
               </mc:Choice>
@@ -18955,7 +18842,7 @@
                       <a:noFill/>
                       <a:extLst>
                         <a:ext uri="{909E8E84-426E-40dd-AFC4-6F175D3DCCD1}">
-                          <a14:hiddenFill xmlns:a14="http://schemas.microsoft.com/office/drawing/2010/main" xmlns="">
+                          <a14:hiddenFill xmlns="" xmlns:a14="http://schemas.microsoft.com/office/drawing/2010/main">
                             <a:solidFill>
                               <a:srgbClr val="FFFFFF"/>
                             </a:solidFill>
@@ -18986,7 +18873,7 @@
           <a:graphicData uri="http://schemas.openxmlformats.org/presentationml/2006/ole">
             <mc:AlternateContent xmlns:mc="http://schemas.openxmlformats.org/markup-compatibility/2006">
               <mc:Choice xmlns:v="urn:schemas-microsoft-com:vml" Requires="v">
-                <p:oleObj spid="_x0000_s6176" name="Equation" r:id="rId8" imgW="1993680" imgH="711000" progId="Equation.DSMT4">
+                <p:oleObj spid="_x0000_s6184" name="Equation" r:id="rId8" imgW="1993680" imgH="711000" progId="Equation.DSMT4">
                   <p:embed/>
                 </p:oleObj>
               </mc:Choice>
@@ -19025,7 +18912,7 @@
                       <a:noFill/>
                       <a:extLst>
                         <a:ext uri="{909E8E84-426E-40dd-AFC4-6F175D3DCCD1}">
-                          <a14:hiddenFill xmlns:a14="http://schemas.microsoft.com/office/drawing/2010/main" xmlns="">
+                          <a14:hiddenFill xmlns="" xmlns:a14="http://schemas.microsoft.com/office/drawing/2010/main">
                             <a:solidFill>
                               <a:srgbClr val="FFFFFF"/>
                             </a:solidFill>
@@ -19106,7 +18993,7 @@
           <a:graphicData uri="http://schemas.openxmlformats.org/presentationml/2006/ole">
             <mc:AlternateContent xmlns:mc="http://schemas.openxmlformats.org/markup-compatibility/2006">
               <mc:Choice xmlns:v="urn:schemas-microsoft-com:vml" Requires="v">
-                <p:oleObj spid="_x0000_s6177" name="Equation" r:id="rId10" imgW="4152600" imgH="1117440" progId="Equation.3">
+                <p:oleObj spid="_x0000_s6185" name="Equation" r:id="rId10" imgW="4152600" imgH="1117440" progId="Equation.3">
                   <p:embed/>
                 </p:oleObj>
               </mc:Choice>
@@ -19145,7 +19032,7 @@
                       <a:noFill/>
                       <a:extLst>
                         <a:ext uri="{909E8E84-426E-40dd-AFC4-6F175D3DCCD1}">
-                          <a14:hiddenFill xmlns:a14="http://schemas.microsoft.com/office/drawing/2010/main" xmlns="">
+                          <a14:hiddenFill xmlns="" xmlns:a14="http://schemas.microsoft.com/office/drawing/2010/main">
                             <a:solidFill>
                               <a:srgbClr val="FFFFFF"/>
                             </a:solidFill>
@@ -19173,6 +19060,185 @@
   <p:transition>
     <p:fade/>
   </p:transition>
+</p:sld>
+</file>
+
+<file path=ppt/slides/slide19.xml><?xml version="1.0" encoding="utf-8"?>
+<p:sld xmlns:a="http://schemas.openxmlformats.org/drawingml/2006/main" xmlns:r="http://schemas.openxmlformats.org/officeDocument/2006/relationships" xmlns:p="http://schemas.openxmlformats.org/presentationml/2006/main">
+  <p:cSld>
+    <p:spTree>
+      <p:nvGrpSpPr>
+        <p:cNvPr id="1" name=""/>
+        <p:cNvGrpSpPr/>
+        <p:nvPr/>
+      </p:nvGrpSpPr>
+      <p:grpSpPr>
+        <a:xfrm>
+          <a:off x="0" y="0"/>
+          <a:ext cx="0" cy="0"/>
+          <a:chOff x="0" y="0"/>
+          <a:chExt cx="0" cy="0"/>
+        </a:xfrm>
+      </p:grpSpPr>
+      <p:sp>
+        <p:nvSpPr>
+          <p:cNvPr id="2" name="Title 1">
+            <a:extLst>
+              <a:ext uri="{FF2B5EF4-FFF2-40B4-BE49-F238E27FC236}">
+                <a16:creationId xmlns:a16="http://schemas.microsoft.com/office/drawing/2014/main" id="{A21B46FD-7BC1-4F38-A196-806029B78DF4}"/>
+              </a:ext>
+            </a:extLst>
+          </p:cNvPr>
+          <p:cNvSpPr>
+            <a:spLocks noGrp="1"/>
+          </p:cNvSpPr>
+          <p:nvPr>
+            <p:ph type="title"/>
+          </p:nvPr>
+        </p:nvSpPr>
+        <p:spPr/>
+        <p:txBody>
+          <a:bodyPr/>
+          <a:lstStyle/>
+          <a:p>
+            <a:r>
+              <a:rPr lang="en-US" dirty="0"/>
+              <a:t>Affine Transformations</a:t>
+            </a:r>
+          </a:p>
+        </p:txBody>
+      </p:sp>
+      <p:sp>
+        <p:nvSpPr>
+          <p:cNvPr id="3" name="Rectangle 2">
+            <a:extLst>
+              <a:ext uri="{FF2B5EF4-FFF2-40B4-BE49-F238E27FC236}">
+                <a16:creationId xmlns:a16="http://schemas.microsoft.com/office/drawing/2014/main" id="{E923C80C-07CB-4207-BE65-DE833FAE9ECC}"/>
+              </a:ext>
+            </a:extLst>
+          </p:cNvPr>
+          <p:cNvSpPr/>
+          <p:nvPr/>
+        </p:nvSpPr>
+        <p:spPr>
+          <a:xfrm>
+            <a:off x="76840" y="1805949"/>
+            <a:ext cx="7415092" cy="4154984"/>
+          </a:xfrm>
+          <a:prstGeom prst="rect">
+            <a:avLst/>
+          </a:prstGeom>
+        </p:spPr>
+        <p:txBody>
+          <a:bodyPr wrap="square">
+            <a:spAutoFit/>
+          </a:bodyPr>
+          <a:lstStyle/>
+          <a:p>
+            <a:r>
+              <a:rPr lang="en-US" sz="3200" b="1" dirty="0"/>
+              <a:t>An affine transformation is the sum</a:t>
+            </a:r>
+            <a:br>
+              <a:rPr lang="en-US" sz="3200" b="1" dirty="0"/>
+            </a:br>
+            <a:r>
+              <a:rPr lang="en-US" sz="3200" b="1" dirty="0"/>
+              <a:t>of a linear transformation and a constant vector…</a:t>
+            </a:r>
+            <a:br>
+              <a:rPr lang="en-US" sz="2400" b="1" dirty="0"/>
+            </a:br>
+            <a:br>
+              <a:rPr lang="en-US" sz="2400" b="1" dirty="0"/>
+            </a:br>
+            <a:endParaRPr lang="en-US" sz="2400" b="1" dirty="0"/>
+          </a:p>
+          <a:p>
+            <a:pPr lvl="1"/>
+            <a:r>
+              <a:rPr lang="en-US" sz="2400" dirty="0"/>
+              <a:t>Linear transformations preserve the origin</a:t>
+            </a:r>
+            <a:br>
+              <a:rPr lang="en-US" sz="2400" dirty="0"/>
+            </a:br>
+            <a:endParaRPr lang="en-US" sz="2400" dirty="0"/>
+          </a:p>
+          <a:p>
+            <a:pPr lvl="1"/>
+            <a:r>
+              <a:rPr lang="en-US" sz="2400" dirty="0"/>
+              <a:t>Translations map the origin to a new position</a:t>
+            </a:r>
+          </a:p>
+          <a:p>
+            <a:pPr lvl="1"/>
+            <a:endParaRPr lang="en-US" sz="2400" dirty="0"/>
+          </a:p>
+          <a:p>
+            <a:pPr lvl="1"/>
+            <a:endParaRPr lang="en-US" sz="2400" dirty="0"/>
+          </a:p>
+        </p:txBody>
+      </p:sp>
+      <p:pic>
+        <p:nvPicPr>
+          <p:cNvPr id="21506" name="Picture 2" descr="https://upload.wikimedia.org/wikipedia/commons/thumb/2/2c/2D_affine_transformation_matrix.svg/512px-2D_affine_transformation_matrix.svg.png">
+            <a:extLst>
+              <a:ext uri="{FF2B5EF4-FFF2-40B4-BE49-F238E27FC236}">
+                <a16:creationId xmlns:a16="http://schemas.microsoft.com/office/drawing/2014/main" id="{A520D135-225E-433D-903B-A486D93B8C1C}"/>
+              </a:ext>
+            </a:extLst>
+          </p:cNvPr>
+          <p:cNvPicPr>
+            <a:picLocks noChangeAspect="1" noChangeArrowheads="1"/>
+          </p:cNvPicPr>
+          <p:nvPr/>
+        </p:nvPicPr>
+        <p:blipFill>
+          <a:blip r:embed="rId2">
+            <a:extLst>
+              <a:ext uri="{28A0092B-C50C-407E-A947-70E740481C1C}">
+                <a14:useLocalDpi xmlns:a14="http://schemas.microsoft.com/office/drawing/2010/main" val="0"/>
+              </a:ext>
+            </a:extLst>
+          </a:blip>
+          <a:srcRect/>
+          <a:stretch>
+            <a:fillRect/>
+          </a:stretch>
+        </p:blipFill>
+        <p:spPr bwMode="auto">
+          <a:xfrm>
+            <a:off x="7253728" y="552466"/>
+            <a:ext cx="4484914" cy="5982805"/>
+          </a:xfrm>
+          <a:prstGeom prst="rect">
+            <a:avLst/>
+          </a:prstGeom>
+          <a:noFill/>
+          <a:extLst>
+            <a:ext uri="{909E8E84-426E-40DD-AFC4-6F175D3DCCD1}">
+              <a14:hiddenFill xmlns:a14="http://schemas.microsoft.com/office/drawing/2010/main">
+                <a:solidFill>
+                  <a:srgbClr val="FFFFFF"/>
+                </a:solidFill>
+              </a14:hiddenFill>
+            </a:ext>
+          </a:extLst>
+        </p:spPr>
+      </p:pic>
+    </p:spTree>
+    <p:extLst>
+      <p:ext uri="{BB962C8B-B14F-4D97-AF65-F5344CB8AC3E}">
+        <p14:creationId xmlns:p14="http://schemas.microsoft.com/office/powerpoint/2010/main" val="3861521867"/>
+      </p:ext>
+    </p:extLst>
+  </p:cSld>
+  <p:clrMapOvr>
+    <a:masterClrMapping/>
+  </p:clrMapOvr>
 </p:sld>
 </file>
 
@@ -20473,7 +20539,7 @@
           <a:graphicData uri="http://schemas.openxmlformats.org/presentationml/2006/ole">
             <mc:AlternateContent xmlns:mc="http://schemas.openxmlformats.org/markup-compatibility/2006">
               <mc:Choice xmlns:v="urn:schemas-microsoft-com:vml" Requires="v">
-                <p:oleObj spid="_x0000_s7188" name="Equation" r:id="rId4" imgW="2920680" imgH="3098520" progId="Equation.DSMT4">
+                <p:oleObj spid="_x0000_s7194" name="Equation" r:id="rId4" imgW="2920680" imgH="3098520" progId="Equation.DSMT4">
                   <p:embed/>
                 </p:oleObj>
               </mc:Choice>
@@ -20512,7 +20578,7 @@
                       <a:noFill/>
                       <a:extLst>
                         <a:ext uri="{909E8E84-426E-40dd-AFC4-6F175D3DCCD1}">
-                          <a14:hiddenFill xmlns:a14="http://schemas.microsoft.com/office/drawing/2010/main" xmlns="">
+                          <a14:hiddenFill xmlns="" xmlns:a14="http://schemas.microsoft.com/office/drawing/2010/main">
                             <a:solidFill>
                               <a:srgbClr val="FFFFFF"/>
                             </a:solidFill>
@@ -20543,7 +20609,7 @@
           <a:graphicData uri="http://schemas.openxmlformats.org/presentationml/2006/ole">
             <mc:AlternateContent xmlns:mc="http://schemas.openxmlformats.org/markup-compatibility/2006">
               <mc:Choice xmlns:v="urn:schemas-microsoft-com:vml" Requires="v">
-                <p:oleObj spid="_x0000_s7189" name="Equation" r:id="rId6" imgW="2920680" imgH="3073320" progId="Equation.DSMT4">
+                <p:oleObj spid="_x0000_s7195" name="Equation" r:id="rId6" imgW="2920680" imgH="3073320" progId="Equation.DSMT4">
                   <p:embed/>
                 </p:oleObj>
               </mc:Choice>
@@ -20582,7 +20648,7 @@
                       <a:noFill/>
                       <a:extLst>
                         <a:ext uri="{909E8E84-426E-40dd-AFC4-6F175D3DCCD1}">
-                          <a14:hiddenFill xmlns:a14="http://schemas.microsoft.com/office/drawing/2010/main" xmlns="">
+                          <a14:hiddenFill xmlns="" xmlns:a14="http://schemas.microsoft.com/office/drawing/2010/main">
                             <a:solidFill>
                               <a:srgbClr val="FFFFFF"/>
                             </a:solidFill>
@@ -21262,7 +21328,7 @@
           <a:graphicData uri="http://schemas.openxmlformats.org/presentationml/2006/ole">
             <mc:AlternateContent xmlns:mc="http://schemas.openxmlformats.org/markup-compatibility/2006">
               <mc:Choice xmlns:v="urn:schemas-microsoft-com:vml" Requires="v">
-                <p:oleObj spid="_x0000_s7190" name="Equation" r:id="rId8" imgW="914400" imgH="267840" progId="Equation.3">
+                <p:oleObj spid="_x0000_s7196" name="Equation" r:id="rId8" imgW="914400" imgH="267840" progId="Equation.3">
                   <p:embed/>
                 </p:oleObj>
               </mc:Choice>
@@ -21301,7 +21367,7 @@
                       <a:noFill/>
                       <a:extLst>
                         <a:ext uri="{909E8E84-426E-40dd-AFC4-6F175D3DCCD1}">
-                          <a14:hiddenFill xmlns:a14="http://schemas.microsoft.com/office/drawing/2010/main" xmlns="">
+                          <a14:hiddenFill xmlns="" xmlns:a14="http://schemas.microsoft.com/office/drawing/2010/main">
                             <a:solidFill>
                               <a:srgbClr val="FFFFFF"/>
                             </a:solidFill>
@@ -26597,7 +26663,7 @@
           <a:graphicData uri="http://schemas.openxmlformats.org/presentationml/2006/ole">
             <mc:AlternateContent xmlns:mc="http://schemas.openxmlformats.org/markup-compatibility/2006">
               <mc:Choice xmlns:v="urn:schemas-microsoft-com:vml" Requires="v">
-                <p:oleObj spid="_x0000_s8215" name="Equation" r:id="rId4" imgW="1473120" imgH="1117440" progId="Equation.DSMT4">
+                <p:oleObj spid="_x0000_s8221" name="Equation" r:id="rId4" imgW="1473120" imgH="1117440" progId="Equation.DSMT4">
                   <p:embed/>
                 </p:oleObj>
               </mc:Choice>
@@ -26636,7 +26702,7 @@
                       <a:noFill/>
                       <a:extLst>
                         <a:ext uri="{909E8E84-426E-40dd-AFC4-6F175D3DCCD1}">
-                          <a14:hiddenFill xmlns:a14="http://schemas.microsoft.com/office/drawing/2010/main" xmlns="">
+                          <a14:hiddenFill xmlns="" xmlns:a14="http://schemas.microsoft.com/office/drawing/2010/main">
                             <a:solidFill>
                               <a:srgbClr val="FFFFFF"/>
                             </a:solidFill>
@@ -26669,7 +26735,7 @@
           <a:graphicData uri="http://schemas.openxmlformats.org/presentationml/2006/ole">
             <mc:AlternateContent xmlns:mc="http://schemas.openxmlformats.org/markup-compatibility/2006">
               <mc:Choice xmlns:v="urn:schemas-microsoft-com:vml" Requires="v">
-                <p:oleObj spid="_x0000_s8216" name="Equation" r:id="rId6" imgW="3009600" imgH="1422360" progId="Equation.DSMT4">
+                <p:oleObj spid="_x0000_s8222" name="Equation" r:id="rId6" imgW="3009600" imgH="1422360" progId="Equation.DSMT4">
                   <p:embed/>
                 </p:oleObj>
               </mc:Choice>
@@ -26731,7 +26797,7 @@
           <a:graphicData uri="http://schemas.openxmlformats.org/presentationml/2006/ole">
             <mc:AlternateContent xmlns:mc="http://schemas.openxmlformats.org/markup-compatibility/2006">
               <mc:Choice xmlns:v="urn:schemas-microsoft-com:vml" Requires="v">
-                <p:oleObj spid="_x0000_s8217" name="Equation" r:id="rId8" imgW="2184120" imgH="1422360" progId="Equation.3">
+                <p:oleObj spid="_x0000_s8223" name="Equation" r:id="rId8" imgW="2184120" imgH="1422360" progId="Equation.3">
                   <p:embed/>
                 </p:oleObj>
               </mc:Choice>
@@ -26770,7 +26836,7 @@
                       <a:noFill/>
                       <a:extLst>
                         <a:ext uri="{909E8E84-426E-40dd-AFC4-6F175D3DCCD1}">
-                          <a14:hiddenFill xmlns:a14="http://schemas.microsoft.com/office/drawing/2010/main" xmlns="">
+                          <a14:hiddenFill xmlns="" xmlns:a14="http://schemas.microsoft.com/office/drawing/2010/main">
                             <a:solidFill>
                               <a:srgbClr val="FFFFFF"/>
                             </a:solidFill>
@@ -27495,7 +27561,7 @@
           <a:graphicData uri="http://schemas.openxmlformats.org/presentationml/2006/ole">
             <mc:AlternateContent xmlns:mc="http://schemas.openxmlformats.org/markup-compatibility/2006">
               <mc:Choice xmlns:v="urn:schemas-microsoft-com:vml" Requires="v">
-                <p:oleObj spid="_x0000_s9230" name="Equation" r:id="rId4" imgW="914400" imgH="267840" progId="Equation.DSMT4">
+                <p:oleObj spid="_x0000_s9234" name="Equation" r:id="rId4" imgW="914400" imgH="267840" progId="Equation.DSMT4">
                   <p:embed/>
                 </p:oleObj>
               </mc:Choice>
@@ -27534,7 +27600,7 @@
                       <a:noFill/>
                       <a:extLst>
                         <a:ext uri="{909E8E84-426E-40dd-AFC4-6F175D3DCCD1}">
-                          <a14:hiddenFill xmlns:a14="http://schemas.microsoft.com/office/drawing/2010/main" xmlns="">
+                          <a14:hiddenFill xmlns="" xmlns:a14="http://schemas.microsoft.com/office/drawing/2010/main">
                             <a:solidFill>
                               <a:srgbClr val="FFFFFF"/>
                             </a:solidFill>
@@ -27565,7 +27631,7 @@
           <a:graphicData uri="http://schemas.openxmlformats.org/presentationml/2006/ole">
             <mc:AlternateContent xmlns:mc="http://schemas.openxmlformats.org/markup-compatibility/2006">
               <mc:Choice xmlns:v="urn:schemas-microsoft-com:vml" Requires="v">
-                <p:oleObj spid="_x0000_s9231" name="Equation" r:id="rId6" imgW="419040" imgH="711000" progId="Equation.3">
+                <p:oleObj spid="_x0000_s9235" name="Equation" r:id="rId6" imgW="419040" imgH="711000" progId="Equation.3">
                   <p:embed/>
                 </p:oleObj>
               </mc:Choice>
@@ -27604,7 +27670,7 @@
                       <a:noFill/>
                       <a:extLst>
                         <a:ext uri="{909E8E84-426E-40dd-AFC4-6F175D3DCCD1}">
-                          <a14:hiddenFill xmlns:a14="http://schemas.microsoft.com/office/drawing/2010/main" xmlns="">
+                          <a14:hiddenFill xmlns="" xmlns:a14="http://schemas.microsoft.com/office/drawing/2010/main">
                             <a:solidFill>
                               <a:srgbClr val="FFFFFF"/>
                             </a:solidFill>
@@ -28340,7 +28406,7 @@
           <a:graphicData uri="http://schemas.openxmlformats.org/presentationml/2006/ole">
             <mc:AlternateContent xmlns:mc="http://schemas.openxmlformats.org/markup-compatibility/2006">
               <mc:Choice xmlns:v="urn:schemas-microsoft-com:vml" Requires="v">
-                <p:oleObj spid="_x0000_s10248" name="Equation" r:id="rId4" imgW="419040" imgH="711000" progId="Equation.3">
+                <p:oleObj spid="_x0000_s10250" name="Equation" r:id="rId4" imgW="419040" imgH="711000" progId="Equation.3">
                   <p:embed/>
                 </p:oleObj>
               </mc:Choice>
@@ -28379,7 +28445,7 @@
                       <a:noFill/>
                       <a:extLst>
                         <a:ext uri="{909E8E84-426E-40dd-AFC4-6F175D3DCCD1}">
-                          <a14:hiddenFill xmlns:a14="http://schemas.microsoft.com/office/drawing/2010/main" xmlns="">
+                          <a14:hiddenFill xmlns="" xmlns:a14="http://schemas.microsoft.com/office/drawing/2010/main">
                             <a:solidFill>
                               <a:srgbClr val="FFFFFF"/>
                             </a:solidFill>
@@ -29180,7 +29246,7 @@
           <a:graphicData uri="http://schemas.openxmlformats.org/presentationml/2006/ole">
             <mc:AlternateContent xmlns:mc="http://schemas.openxmlformats.org/markup-compatibility/2006">
               <mc:Choice xmlns:v="urn:schemas-microsoft-com:vml" Requires="v">
-                <p:oleObj spid="_x0000_s11278" name="Equation" r:id="rId4" imgW="419040" imgH="711000" progId="Equation.DSMT4">
+                <p:oleObj spid="_x0000_s11282" name="Equation" r:id="rId4" imgW="419040" imgH="711000" progId="Equation.DSMT4">
                   <p:embed/>
                 </p:oleObj>
               </mc:Choice>
@@ -29219,7 +29285,7 @@
                       <a:noFill/>
                       <a:extLst>
                         <a:ext uri="{909E8E84-426E-40dd-AFC4-6F175D3DCCD1}">
-                          <a14:hiddenFill xmlns:a14="http://schemas.microsoft.com/office/drawing/2010/main" xmlns="">
+                          <a14:hiddenFill xmlns="" xmlns:a14="http://schemas.microsoft.com/office/drawing/2010/main">
                             <a:solidFill>
                               <a:srgbClr val="FFFFFF"/>
                             </a:solidFill>
@@ -29674,7 +29740,7 @@
           <a:graphicData uri="http://schemas.openxmlformats.org/presentationml/2006/ole">
             <mc:AlternateContent xmlns:mc="http://schemas.openxmlformats.org/markup-compatibility/2006">
               <mc:Choice xmlns:v="urn:schemas-microsoft-com:vml" Requires="v">
-                <p:oleObj spid="_x0000_s11279" name="Equation" r:id="rId6" imgW="774360" imgH="711000" progId="Equation.3">
+                <p:oleObj spid="_x0000_s11283" name="Equation" r:id="rId6" imgW="774360" imgH="711000" progId="Equation.3">
                   <p:embed/>
                 </p:oleObj>
               </mc:Choice>
@@ -29713,7 +29779,7 @@
                       <a:noFill/>
                       <a:extLst>
                         <a:ext uri="{909E8E84-426E-40dd-AFC4-6F175D3DCCD1}">
-                          <a14:hiddenFill xmlns:a14="http://schemas.microsoft.com/office/drawing/2010/main" xmlns="">
+                          <a14:hiddenFill xmlns="" xmlns:a14="http://schemas.microsoft.com/office/drawing/2010/main">
                             <a:solidFill>
                               <a:srgbClr val="FFFFFF"/>
                             </a:solidFill>
@@ -30334,7 +30400,7 @@
           <a:graphicData uri="http://schemas.openxmlformats.org/presentationml/2006/ole">
             <mc:AlternateContent xmlns:mc="http://schemas.openxmlformats.org/markup-compatibility/2006">
               <mc:Choice xmlns:v="urn:schemas-microsoft-com:vml" Requires="v">
-                <p:oleObj spid="_x0000_s12302" name="Equation" r:id="rId4" imgW="419040" imgH="711000" progId="Equation.DSMT4">
+                <p:oleObj spid="_x0000_s12306" name="Equation" r:id="rId4" imgW="419040" imgH="711000" progId="Equation.DSMT4">
                   <p:embed/>
                 </p:oleObj>
               </mc:Choice>
@@ -30373,7 +30439,7 @@
                       <a:noFill/>
                       <a:extLst>
                         <a:ext uri="{909E8E84-426E-40dd-AFC4-6F175D3DCCD1}">
-                          <a14:hiddenFill xmlns:a14="http://schemas.microsoft.com/office/drawing/2010/main" xmlns="">
+                          <a14:hiddenFill xmlns="" xmlns:a14="http://schemas.microsoft.com/office/drawing/2010/main">
                             <a:solidFill>
                               <a:srgbClr val="FFFFFF"/>
                             </a:solidFill>
@@ -30828,7 +30894,7 @@
           <a:graphicData uri="http://schemas.openxmlformats.org/presentationml/2006/ole">
             <mc:AlternateContent xmlns:mc="http://schemas.openxmlformats.org/markup-compatibility/2006">
               <mc:Choice xmlns:v="urn:schemas-microsoft-com:vml" Requires="v">
-                <p:oleObj spid="_x0000_s12303" name="Equation" r:id="rId6" imgW="774360" imgH="711000" progId="Equation.3">
+                <p:oleObj spid="_x0000_s12307" name="Equation" r:id="rId6" imgW="774360" imgH="711000" progId="Equation.3">
                   <p:embed/>
                 </p:oleObj>
               </mc:Choice>
@@ -30867,7 +30933,7 @@
                       <a:noFill/>
                       <a:extLst>
                         <a:ext uri="{909E8E84-426E-40dd-AFC4-6F175D3DCCD1}">
-                          <a14:hiddenFill xmlns:a14="http://schemas.microsoft.com/office/drawing/2010/main" xmlns="">
+                          <a14:hiddenFill xmlns="" xmlns:a14="http://schemas.microsoft.com/office/drawing/2010/main">
                             <a:solidFill>
                               <a:srgbClr val="FFFFFF"/>
                             </a:solidFill>
@@ -31678,7 +31744,7 @@
           <a:graphicData uri="http://schemas.openxmlformats.org/presentationml/2006/ole">
             <mc:AlternateContent xmlns:mc="http://schemas.openxmlformats.org/markup-compatibility/2006">
               <mc:Choice xmlns:v="urn:schemas-microsoft-com:vml" Requires="v">
-                <p:oleObj spid="_x0000_s13326" name="Equation" r:id="rId4" imgW="419040" imgH="711000" progId="Equation.DSMT4">
+                <p:oleObj spid="_x0000_s13330" name="Equation" r:id="rId4" imgW="419040" imgH="711000" progId="Equation.DSMT4">
                   <p:embed/>
                 </p:oleObj>
               </mc:Choice>
@@ -31717,7 +31783,7 @@
                       <a:noFill/>
                       <a:extLst>
                         <a:ext uri="{909E8E84-426E-40dd-AFC4-6F175D3DCCD1}">
-                          <a14:hiddenFill xmlns:a14="http://schemas.microsoft.com/office/drawing/2010/main" xmlns="">
+                          <a14:hiddenFill xmlns="" xmlns:a14="http://schemas.microsoft.com/office/drawing/2010/main">
                             <a:solidFill>
                               <a:srgbClr val="FFFFFF"/>
                             </a:solidFill>
@@ -32172,7 +32238,7 @@
           <a:graphicData uri="http://schemas.openxmlformats.org/presentationml/2006/ole">
             <mc:AlternateContent xmlns:mc="http://schemas.openxmlformats.org/markup-compatibility/2006">
               <mc:Choice xmlns:v="urn:schemas-microsoft-com:vml" Requires="v">
-                <p:oleObj spid="_x0000_s13327" name="Equation" r:id="rId6" imgW="774360" imgH="711000" progId="Equation.3">
+                <p:oleObj spid="_x0000_s13331" name="Equation" r:id="rId6" imgW="774360" imgH="711000" progId="Equation.3">
                   <p:embed/>
                 </p:oleObj>
               </mc:Choice>
@@ -32211,7 +32277,7 @@
                       <a:noFill/>
                       <a:extLst>
                         <a:ext uri="{909E8E84-426E-40dd-AFC4-6F175D3DCCD1}">
-                          <a14:hiddenFill xmlns:a14="http://schemas.microsoft.com/office/drawing/2010/main" xmlns="">
+                          <a14:hiddenFill xmlns="" xmlns:a14="http://schemas.microsoft.com/office/drawing/2010/main">
                             <a:solidFill>
                               <a:srgbClr val="FFFFFF"/>
                             </a:solidFill>
@@ -32444,7 +32510,7 @@
           <a:graphicData uri="http://schemas.openxmlformats.org/presentationml/2006/ole">
             <mc:AlternateContent xmlns:mc="http://schemas.openxmlformats.org/markup-compatibility/2006">
               <mc:Choice xmlns:v="urn:schemas-microsoft-com:vml" Requires="v">
-                <p:oleObj spid="_x0000_s14350" name="Equation" r:id="rId4" imgW="419040" imgH="711000" progId="Equation.DSMT4">
+                <p:oleObj spid="_x0000_s14354" name="Equation" r:id="rId4" imgW="419040" imgH="711000" progId="Equation.DSMT4">
                   <p:embed/>
                 </p:oleObj>
               </mc:Choice>
@@ -32483,7 +32549,7 @@
                       <a:noFill/>
                       <a:extLst>
                         <a:ext uri="{909E8E84-426E-40dd-AFC4-6F175D3DCCD1}">
-                          <a14:hiddenFill xmlns:a14="http://schemas.microsoft.com/office/drawing/2010/main" xmlns="">
+                          <a14:hiddenFill xmlns="" xmlns:a14="http://schemas.microsoft.com/office/drawing/2010/main">
                             <a:solidFill>
                               <a:srgbClr val="FFFFFF"/>
                             </a:solidFill>
@@ -32938,7 +33004,7 @@
           <a:graphicData uri="http://schemas.openxmlformats.org/presentationml/2006/ole">
             <mc:AlternateContent xmlns:mc="http://schemas.openxmlformats.org/markup-compatibility/2006">
               <mc:Choice xmlns:v="urn:schemas-microsoft-com:vml" Requires="v">
-                <p:oleObj spid="_x0000_s14351" name="Equation" r:id="rId6" imgW="774360" imgH="711000" progId="Equation.3">
+                <p:oleObj spid="_x0000_s14355" name="Equation" r:id="rId6" imgW="774360" imgH="711000" progId="Equation.3">
                   <p:embed/>
                 </p:oleObj>
               </mc:Choice>
@@ -32977,7 +33043,7 @@
                       <a:noFill/>
                       <a:extLst>
                         <a:ext uri="{909E8E84-426E-40dd-AFC4-6F175D3DCCD1}">
-                          <a14:hiddenFill xmlns:a14="http://schemas.microsoft.com/office/drawing/2010/main" xmlns="">
+                          <a14:hiddenFill xmlns="" xmlns:a14="http://schemas.microsoft.com/office/drawing/2010/main">
                             <a:solidFill>
                               <a:srgbClr val="FFFFFF"/>
                             </a:solidFill>
@@ -33883,7 +33949,7 @@
           <a:graphicData uri="http://schemas.openxmlformats.org/presentationml/2006/ole">
             <mc:AlternateContent xmlns:mc="http://schemas.openxmlformats.org/markup-compatibility/2006">
               <mc:Choice xmlns:v="urn:schemas-microsoft-com:vml" Requires="v">
-                <p:oleObj spid="_x0000_s15380" name="Equation" r:id="rId4" imgW="419040" imgH="711000" progId="Equation.DSMT4">
+                <p:oleObj spid="_x0000_s15386" name="Equation" r:id="rId4" imgW="419040" imgH="711000" progId="Equation.DSMT4">
                   <p:embed/>
                 </p:oleObj>
               </mc:Choice>
@@ -33922,7 +33988,7 @@
                       <a:noFill/>
                       <a:extLst>
                         <a:ext uri="{909E8E84-426E-40dd-AFC4-6F175D3DCCD1}">
-                          <a14:hiddenFill xmlns:a14="http://schemas.microsoft.com/office/drawing/2010/main" xmlns="">
+                          <a14:hiddenFill xmlns="" xmlns:a14="http://schemas.microsoft.com/office/drawing/2010/main">
                             <a:solidFill>
                               <a:srgbClr val="FFFFFF"/>
                             </a:solidFill>
@@ -34377,7 +34443,7 @@
           <a:graphicData uri="http://schemas.openxmlformats.org/presentationml/2006/ole">
             <mc:AlternateContent xmlns:mc="http://schemas.openxmlformats.org/markup-compatibility/2006">
               <mc:Choice xmlns:v="urn:schemas-microsoft-com:vml" Requires="v">
-                <p:oleObj spid="_x0000_s15381" name="Equation" r:id="rId6" imgW="774360" imgH="711000" progId="Equation.DSMT4">
+                <p:oleObj spid="_x0000_s15387" name="Equation" r:id="rId6" imgW="774360" imgH="711000" progId="Equation.DSMT4">
                   <p:embed/>
                 </p:oleObj>
               </mc:Choice>
@@ -34416,7 +34482,7 @@
                       <a:noFill/>
                       <a:extLst>
                         <a:ext uri="{909E8E84-426E-40dd-AFC4-6F175D3DCCD1}">
-                          <a14:hiddenFill xmlns:a14="http://schemas.microsoft.com/office/drawing/2010/main" xmlns="">
+                          <a14:hiddenFill xmlns="" xmlns:a14="http://schemas.microsoft.com/office/drawing/2010/main">
                             <a:solidFill>
                               <a:srgbClr val="FFFFFF"/>
                             </a:solidFill>
@@ -34698,7 +34764,7 @@
           <a:graphicData uri="http://schemas.openxmlformats.org/presentationml/2006/ole">
             <mc:AlternateContent xmlns:mc="http://schemas.openxmlformats.org/markup-compatibility/2006">
               <mc:Choice xmlns:v="urn:schemas-microsoft-com:vml" Requires="v">
-                <p:oleObj spid="_x0000_s15382" name="Equation" r:id="rId8" imgW="2400120" imgH="1117440" progId="Equation.3">
+                <p:oleObj spid="_x0000_s15388" name="Equation" r:id="rId8" imgW="2400120" imgH="1117440" progId="Equation.3">
                   <p:embed/>
                 </p:oleObj>
               </mc:Choice>
@@ -34737,7 +34803,7 @@
                       <a:noFill/>
                       <a:extLst>
                         <a:ext uri="{909E8E84-426E-40dd-AFC4-6F175D3DCCD1}">
-                          <a14:hiddenFill xmlns:a14="http://schemas.microsoft.com/office/drawing/2010/main" xmlns="">
+                          <a14:hiddenFill xmlns="" xmlns:a14="http://schemas.microsoft.com/office/drawing/2010/main">
                             <a:solidFill>
                               <a:srgbClr val="FFFFFF"/>
                             </a:solidFill>
@@ -35505,14 +35571,14 @@
           <a:effectLst/>
           <a:extLst>
             <a:ext uri="{909E8E84-426E-40dd-AFC4-6F175D3DCCD1}">
-              <a14:hiddenFill xmlns:a14="http://schemas.microsoft.com/office/drawing/2010/main" xmlns="">
+              <a14:hiddenFill xmlns="" xmlns:a14="http://schemas.microsoft.com/office/drawing/2010/main">
                 <a:solidFill>
                   <a:schemeClr val="accent1"/>
                 </a:solidFill>
               </a14:hiddenFill>
             </a:ext>
             <a:ext uri="{91240B29-F687-4f45-9708-019B960494DF}">
-              <a14:hiddenLine xmlns:a14="http://schemas.microsoft.com/office/drawing/2010/main" xmlns="" w="9525">
+              <a14:hiddenLine xmlns="" xmlns:a14="http://schemas.microsoft.com/office/drawing/2010/main" w="9525">
                 <a:solidFill>
                   <a:schemeClr val="tx1"/>
                 </a:solidFill>
@@ -35522,7 +35588,7 @@
               </a14:hiddenLine>
             </a:ext>
             <a:ext uri="{AF507438-7753-43e0-B8FC-AC1667EBCBE1}">
-              <a14:hiddenEffects xmlns:a14="http://schemas.microsoft.com/office/drawing/2010/main" xmlns="">
+              <a14:hiddenEffects xmlns="" xmlns:a14="http://schemas.microsoft.com/office/drawing/2010/main">
                 <a:effectLst>
                   <a:outerShdw dist="35921" dir="2700000" algn="ctr" rotWithShape="0">
                     <a:schemeClr val="bg2"/>
@@ -35569,14 +35635,14 @@
           <a:effectLst/>
           <a:extLst>
             <a:ext uri="{909E8E84-426E-40dd-AFC4-6F175D3DCCD1}">
-              <a14:hiddenFill xmlns:a14="http://schemas.microsoft.com/office/drawing/2010/main" xmlns="">
+              <a14:hiddenFill xmlns="" xmlns:a14="http://schemas.microsoft.com/office/drawing/2010/main">
                 <a:solidFill>
                   <a:schemeClr val="accent1"/>
                 </a:solidFill>
               </a14:hiddenFill>
             </a:ext>
             <a:ext uri="{91240B29-F687-4f45-9708-019B960494DF}">
-              <a14:hiddenLine xmlns:a14="http://schemas.microsoft.com/office/drawing/2010/main" xmlns="" w="9525">
+              <a14:hiddenLine xmlns="" xmlns:a14="http://schemas.microsoft.com/office/drawing/2010/main" w="9525">
                 <a:solidFill>
                   <a:schemeClr val="tx1"/>
                 </a:solidFill>
@@ -35586,7 +35652,7 @@
               </a14:hiddenLine>
             </a:ext>
             <a:ext uri="{AF507438-7753-43e0-B8FC-AC1667EBCBE1}">
-              <a14:hiddenEffects xmlns:a14="http://schemas.microsoft.com/office/drawing/2010/main" xmlns="">
+              <a14:hiddenEffects xmlns="" xmlns:a14="http://schemas.microsoft.com/office/drawing/2010/main">
                 <a:effectLst>
                   <a:outerShdw dist="35921" dir="2700000" algn="ctr" rotWithShape="0">
                     <a:schemeClr val="bg2"/>
@@ -35633,14 +35699,14 @@
           <a:effectLst/>
           <a:extLst>
             <a:ext uri="{909E8E84-426E-40dd-AFC4-6F175D3DCCD1}">
-              <a14:hiddenFill xmlns:a14="http://schemas.microsoft.com/office/drawing/2010/main" xmlns="">
+              <a14:hiddenFill xmlns="" xmlns:a14="http://schemas.microsoft.com/office/drawing/2010/main">
                 <a:solidFill>
                   <a:schemeClr val="accent1"/>
                 </a:solidFill>
               </a14:hiddenFill>
             </a:ext>
             <a:ext uri="{91240B29-F687-4f45-9708-019B960494DF}">
-              <a14:hiddenLine xmlns:a14="http://schemas.microsoft.com/office/drawing/2010/main" xmlns="" w="9525">
+              <a14:hiddenLine xmlns="" xmlns:a14="http://schemas.microsoft.com/office/drawing/2010/main" w="9525">
                 <a:solidFill>
                   <a:schemeClr val="tx1"/>
                 </a:solidFill>
@@ -35650,7 +35716,7 @@
               </a14:hiddenLine>
             </a:ext>
             <a:ext uri="{AF507438-7753-43e0-B8FC-AC1667EBCBE1}">
-              <a14:hiddenEffects xmlns:a14="http://schemas.microsoft.com/office/drawing/2010/main" xmlns="">
+              <a14:hiddenEffects xmlns="" xmlns:a14="http://schemas.microsoft.com/office/drawing/2010/main">
                 <a:effectLst>
                   <a:outerShdw dist="35921" dir="2700000" algn="ctr" rotWithShape="0">
                     <a:schemeClr val="bg2"/>
@@ -35697,14 +35763,14 @@
           <a:effectLst/>
           <a:extLst>
             <a:ext uri="{909E8E84-426E-40dd-AFC4-6F175D3DCCD1}">
-              <a14:hiddenFill xmlns:a14="http://schemas.microsoft.com/office/drawing/2010/main" xmlns="">
+              <a14:hiddenFill xmlns="" xmlns:a14="http://schemas.microsoft.com/office/drawing/2010/main">
                 <a:solidFill>
                   <a:schemeClr val="accent1"/>
                 </a:solidFill>
               </a14:hiddenFill>
             </a:ext>
             <a:ext uri="{91240B29-F687-4f45-9708-019B960494DF}">
-              <a14:hiddenLine xmlns:a14="http://schemas.microsoft.com/office/drawing/2010/main" xmlns="" w="9525">
+              <a14:hiddenLine xmlns="" xmlns:a14="http://schemas.microsoft.com/office/drawing/2010/main" w="9525">
                 <a:solidFill>
                   <a:schemeClr val="tx1"/>
                 </a:solidFill>
@@ -35714,7 +35780,7 @@
               </a14:hiddenLine>
             </a:ext>
             <a:ext uri="{AF507438-7753-43e0-B8FC-AC1667EBCBE1}">
-              <a14:hiddenEffects xmlns:a14="http://schemas.microsoft.com/office/drawing/2010/main" xmlns="">
+              <a14:hiddenEffects xmlns="" xmlns:a14="http://schemas.microsoft.com/office/drawing/2010/main">
                 <a:effectLst>
                   <a:outerShdw dist="35921" dir="2700000" algn="ctr" rotWithShape="0">
                     <a:schemeClr val="bg2"/>
@@ -38236,7 +38302,7 @@
           <a:graphicData uri="http://schemas.openxmlformats.org/presentationml/2006/ole">
             <mc:AlternateContent xmlns:mc="http://schemas.openxmlformats.org/markup-compatibility/2006">
               <mc:Choice xmlns:v="urn:schemas-microsoft-com:vml" Requires="v">
-                <p:oleObj spid="_x0000_s16392" name="Equation" r:id="rId4" imgW="2603160" imgH="1473120" progId="Equation.3">
+                <p:oleObj spid="_x0000_s16394" name="Equation" r:id="rId4" imgW="2603160" imgH="1473120" progId="Equation.3">
                   <p:embed/>
                 </p:oleObj>
               </mc:Choice>
@@ -38356,14 +38422,14 @@
           </a:ln>
           <a:extLst>
             <a:ext uri="{909E8E84-426E-40dd-AFC4-6F175D3DCCD1}">
-              <a14:hiddenFill xmlns:a14="http://schemas.microsoft.com/office/drawing/2010/main" xmlns="">
+              <a14:hiddenFill xmlns="" xmlns:a14="http://schemas.microsoft.com/office/drawing/2010/main">
                 <a:solidFill>
                   <a:srgbClr val="FFFFFF"/>
                 </a:solidFill>
               </a14:hiddenFill>
             </a:ext>
             <a:ext uri="{91240B29-F687-4f45-9708-019B960494DF}">
-              <a14:hiddenLine xmlns:a14="http://schemas.microsoft.com/office/drawing/2010/main" xmlns="" w="9525">
+              <a14:hiddenLine xmlns="" xmlns:a14="http://schemas.microsoft.com/office/drawing/2010/main" w="9525">
                 <a:solidFill>
                   <a:srgbClr val="000000"/>
                 </a:solidFill>
@@ -38419,14 +38485,14 @@
           </a:ln>
           <a:extLst>
             <a:ext uri="{909E8E84-426E-40dd-AFC4-6F175D3DCCD1}">
-              <a14:hiddenFill xmlns:a14="http://schemas.microsoft.com/office/drawing/2010/main" xmlns="">
+              <a14:hiddenFill xmlns="" xmlns:a14="http://schemas.microsoft.com/office/drawing/2010/main">
                 <a:solidFill>
                   <a:srgbClr val="FFFFFF"/>
                 </a:solidFill>
               </a14:hiddenFill>
             </a:ext>
             <a:ext uri="{91240B29-F687-4f45-9708-019B960494DF}">
-              <a14:hiddenLine xmlns:a14="http://schemas.microsoft.com/office/drawing/2010/main" xmlns="" w="9525">
+              <a14:hiddenLine xmlns="" xmlns:a14="http://schemas.microsoft.com/office/drawing/2010/main" w="9525">
                 <a:solidFill>
                   <a:srgbClr val="000000"/>
                 </a:solidFill>
@@ -39064,14 +39130,14 @@
           </a:ln>
           <a:extLst>
             <a:ext uri="{909E8E84-426E-40dd-AFC4-6F175D3DCCD1}">
-              <a14:hiddenFill xmlns:a14="http://schemas.microsoft.com/office/drawing/2010/main" xmlns="">
+              <a14:hiddenFill xmlns="" xmlns:a14="http://schemas.microsoft.com/office/drawing/2010/main">
                 <a:solidFill>
                   <a:srgbClr val="FFFFFF"/>
                 </a:solidFill>
               </a14:hiddenFill>
             </a:ext>
             <a:ext uri="{91240B29-F687-4f45-9708-019B960494DF}">
-              <a14:hiddenLine xmlns:a14="http://schemas.microsoft.com/office/drawing/2010/main" xmlns="" w="9525">
+              <a14:hiddenLine xmlns="" xmlns:a14="http://schemas.microsoft.com/office/drawing/2010/main" w="9525">
                 <a:solidFill>
                   <a:srgbClr val="000000"/>
                 </a:solidFill>
@@ -39365,7 +39431,7 @@
           <a:graphicData uri="http://schemas.openxmlformats.org/presentationml/2006/ole">
             <mc:AlternateContent xmlns:mc="http://schemas.openxmlformats.org/markup-compatibility/2006">
               <mc:Choice xmlns:v="urn:schemas-microsoft-com:vml" Requires="v">
-                <p:oleObj spid="_x0000_s17428" name="Equation" r:id="rId4" imgW="2361960" imgH="1473120" progId="Equation.DSMT4">
+                <p:oleObj spid="_x0000_s17434" name="Equation" r:id="rId4" imgW="2361960" imgH="1473120" progId="Equation.DSMT4">
                   <p:embed/>
                 </p:oleObj>
               </mc:Choice>
@@ -39404,7 +39470,7 @@
                       <a:noFill/>
                       <a:extLst>
                         <a:ext uri="{909E8E84-426E-40dd-AFC4-6F175D3DCCD1}">
-                          <a14:hiddenFill xmlns:a14="http://schemas.microsoft.com/office/drawing/2010/main" xmlns="">
+                          <a14:hiddenFill xmlns="" xmlns:a14="http://schemas.microsoft.com/office/drawing/2010/main">
                             <a:solidFill>
                               <a:srgbClr val="FFFFFF"/>
                             </a:solidFill>
@@ -39435,7 +39501,7 @@
           <a:graphicData uri="http://schemas.openxmlformats.org/presentationml/2006/ole">
             <mc:AlternateContent xmlns:mc="http://schemas.openxmlformats.org/markup-compatibility/2006">
               <mc:Choice xmlns:v="urn:schemas-microsoft-com:vml" Requires="v">
-                <p:oleObj spid="_x0000_s17429" name="Equation" r:id="rId6" imgW="2361960" imgH="1473120" progId="Equation.DSMT4">
+                <p:oleObj spid="_x0000_s17435" name="Equation" r:id="rId6" imgW="2361960" imgH="1473120" progId="Equation.DSMT4">
                   <p:embed/>
                 </p:oleObj>
               </mc:Choice>
@@ -39474,7 +39540,7 @@
                       <a:noFill/>
                       <a:extLst>
                         <a:ext uri="{909E8E84-426E-40dd-AFC4-6F175D3DCCD1}">
-                          <a14:hiddenFill xmlns:a14="http://schemas.microsoft.com/office/drawing/2010/main" xmlns="">
+                          <a14:hiddenFill xmlns="" xmlns:a14="http://schemas.microsoft.com/office/drawing/2010/main">
                             <a:solidFill>
                               <a:srgbClr val="FFFFFF"/>
                             </a:solidFill>
@@ -39505,7 +39571,7 @@
           <a:graphicData uri="http://schemas.openxmlformats.org/presentationml/2006/ole">
             <mc:AlternateContent xmlns:mc="http://schemas.openxmlformats.org/markup-compatibility/2006">
               <mc:Choice xmlns:v="urn:schemas-microsoft-com:vml" Requires="v">
-                <p:oleObj spid="_x0000_s17430" name="Equation" r:id="rId8" imgW="2361960" imgH="1473120" progId="Equation.3">
+                <p:oleObj spid="_x0000_s17436" name="Equation" r:id="rId8" imgW="2361960" imgH="1473120" progId="Equation.3">
                   <p:embed/>
                 </p:oleObj>
               </mc:Choice>
@@ -39544,7 +39610,7 @@
                       <a:noFill/>
                       <a:extLst>
                         <a:ext uri="{909E8E84-426E-40dd-AFC4-6F175D3DCCD1}">
-                          <a14:hiddenFill xmlns:a14="http://schemas.microsoft.com/office/drawing/2010/main" xmlns="">
+                          <a14:hiddenFill xmlns="" xmlns:a14="http://schemas.microsoft.com/office/drawing/2010/main">
                             <a:solidFill>
                               <a:srgbClr val="FFFFFF"/>
                             </a:solidFill>
@@ -40719,7 +40785,7 @@
           <a:graphicData uri="http://schemas.openxmlformats.org/presentationml/2006/ole">
             <mc:AlternateContent xmlns:mc="http://schemas.openxmlformats.org/markup-compatibility/2006">
               <mc:Choice xmlns:v="urn:schemas-microsoft-com:vml" Requires="v">
-                <p:oleObj spid="_x0000_s19464" name="Equation" r:id="rId4" imgW="5816520" imgH="1473120" progId="Equation.3">
+                <p:oleObj spid="_x0000_s19466" name="Equation" r:id="rId4" imgW="5816520" imgH="1473120" progId="Equation.3">
                   <p:embed/>
                 </p:oleObj>
               </mc:Choice>
@@ -40758,7 +40824,7 @@
                       <a:noFill/>
                       <a:extLst>
                         <a:ext uri="{909E8E84-426E-40dd-AFC4-6F175D3DCCD1}">
-                          <a14:hiddenFill xmlns:a14="http://schemas.microsoft.com/office/drawing/2010/main" xmlns="">
+                          <a14:hiddenFill xmlns="" xmlns:a14="http://schemas.microsoft.com/office/drawing/2010/main">
                             <a:solidFill>
                               <a:srgbClr val="FFFFFF"/>
                             </a:solidFill>
@@ -41839,7 +41905,7 @@
           <a:graphicData uri="http://schemas.openxmlformats.org/presentationml/2006/ole">
             <mc:AlternateContent xmlns:mc="http://schemas.openxmlformats.org/markup-compatibility/2006">
               <mc:Choice xmlns:v="urn:schemas-microsoft-com:vml" Requires="v">
-                <p:oleObj spid="_x0000_s20518" name="Equation" r:id="rId8" imgW="1002960" imgH="1473120" progId="Equation.DSMT4">
+                <p:oleObj spid="_x0000_s20530" name="Equation" r:id="rId8" imgW="1002960" imgH="1473120" progId="Equation.DSMT4">
                   <p:embed/>
                 </p:oleObj>
               </mc:Choice>
@@ -41878,7 +41944,7 @@
                       <a:noFill/>
                       <a:extLst>
                         <a:ext uri="{909E8E84-426E-40dd-AFC4-6F175D3DCCD1}">
-                          <a14:hiddenFill xmlns:a14="http://schemas.microsoft.com/office/drawing/2010/main" xmlns="">
+                          <a14:hiddenFill xmlns="" xmlns:a14="http://schemas.microsoft.com/office/drawing/2010/main">
                             <a:solidFill>
                               <a:srgbClr val="FFFFFF"/>
                             </a:solidFill>
@@ -41909,7 +41975,7 @@
           <a:graphicData uri="http://schemas.openxmlformats.org/presentationml/2006/ole">
             <mc:AlternateContent xmlns:mc="http://schemas.openxmlformats.org/markup-compatibility/2006">
               <mc:Choice xmlns:v="urn:schemas-microsoft-com:vml" Requires="v">
-                <p:oleObj spid="_x0000_s20519" name="Equation" r:id="rId10" imgW="838080" imgH="1473120" progId="Equation.DSMT4">
+                <p:oleObj spid="_x0000_s20531" name="Equation" r:id="rId10" imgW="838080" imgH="1473120" progId="Equation.DSMT4">
                   <p:embed/>
                 </p:oleObj>
               </mc:Choice>
@@ -41948,7 +42014,7 @@
                       <a:noFill/>
                       <a:extLst>
                         <a:ext uri="{909E8E84-426E-40dd-AFC4-6F175D3DCCD1}">
-                          <a14:hiddenFill xmlns:a14="http://schemas.microsoft.com/office/drawing/2010/main" xmlns="">
+                          <a14:hiddenFill xmlns="" xmlns:a14="http://schemas.microsoft.com/office/drawing/2010/main">
                             <a:solidFill>
                               <a:srgbClr val="FFFFFF"/>
                             </a:solidFill>
@@ -42248,7 +42314,7 @@
           <a:graphicData uri="http://schemas.openxmlformats.org/presentationml/2006/ole">
             <mc:AlternateContent xmlns:mc="http://schemas.openxmlformats.org/markup-compatibility/2006">
               <mc:Choice xmlns:v="urn:schemas-microsoft-com:vml" Requires="v">
-                <p:oleObj spid="_x0000_s20520" name="Equation" r:id="rId13" imgW="1002960" imgH="1473120" progId="Equation.DSMT4">
+                <p:oleObj spid="_x0000_s20532" name="Equation" r:id="rId13" imgW="1002960" imgH="1473120" progId="Equation.DSMT4">
                   <p:embed/>
                 </p:oleObj>
               </mc:Choice>
@@ -42287,7 +42353,7 @@
                       <a:noFill/>
                       <a:extLst>
                         <a:ext uri="{909E8E84-426E-40dd-AFC4-6F175D3DCCD1}">
-                          <a14:hiddenFill xmlns:a14="http://schemas.microsoft.com/office/drawing/2010/main" xmlns="">
+                          <a14:hiddenFill xmlns="" xmlns:a14="http://schemas.microsoft.com/office/drawing/2010/main">
                             <a:solidFill>
                               <a:srgbClr val="FFFFFF"/>
                             </a:solidFill>
@@ -42318,7 +42384,7 @@
           <a:graphicData uri="http://schemas.openxmlformats.org/presentationml/2006/ole">
             <mc:AlternateContent xmlns:mc="http://schemas.openxmlformats.org/markup-compatibility/2006">
               <mc:Choice xmlns:v="urn:schemas-microsoft-com:vml" Requires="v">
-                <p:oleObj spid="_x0000_s20521" name="Equation" r:id="rId14" imgW="2286000" imgH="1473120" progId="Equation.DSMT4">
+                <p:oleObj spid="_x0000_s20533" name="Equation" r:id="rId14" imgW="2286000" imgH="1473120" progId="Equation.DSMT4">
                   <p:embed/>
                 </p:oleObj>
               </mc:Choice>
@@ -42357,7 +42423,7 @@
                       <a:noFill/>
                       <a:extLst>
                         <a:ext uri="{909E8E84-426E-40dd-AFC4-6F175D3DCCD1}">
-                          <a14:hiddenFill xmlns:a14="http://schemas.microsoft.com/office/drawing/2010/main" xmlns="">
+                          <a14:hiddenFill xmlns="" xmlns:a14="http://schemas.microsoft.com/office/drawing/2010/main">
                             <a:solidFill>
                               <a:srgbClr val="FFFFFF"/>
                             </a:solidFill>
@@ -42505,7 +42571,7 @@
           <a:graphicData uri="http://schemas.openxmlformats.org/presentationml/2006/ole">
             <mc:AlternateContent xmlns:mc="http://schemas.openxmlformats.org/markup-compatibility/2006">
               <mc:Choice xmlns:v="urn:schemas-microsoft-com:vml" Requires="v">
-                <p:oleObj spid="_x0000_s20522" name="Equation" r:id="rId16" imgW="1002960" imgH="1473120" progId="Equation.DSMT4">
+                <p:oleObj spid="_x0000_s20534" name="Equation" r:id="rId16" imgW="1002960" imgH="1473120" progId="Equation.DSMT4">
                   <p:embed/>
                 </p:oleObj>
               </mc:Choice>
@@ -42544,7 +42610,7 @@
                       <a:noFill/>
                       <a:extLst>
                         <a:ext uri="{909E8E84-426E-40dd-AFC4-6F175D3DCCD1}">
-                          <a14:hiddenFill xmlns:a14="http://schemas.microsoft.com/office/drawing/2010/main" xmlns="">
+                          <a14:hiddenFill xmlns="" xmlns:a14="http://schemas.microsoft.com/office/drawing/2010/main">
                             <a:solidFill>
                               <a:srgbClr val="FFFFFF"/>
                             </a:solidFill>
@@ -42575,7 +42641,7 @@
           <a:graphicData uri="http://schemas.openxmlformats.org/presentationml/2006/ole">
             <mc:AlternateContent xmlns:mc="http://schemas.openxmlformats.org/markup-compatibility/2006">
               <mc:Choice xmlns:v="urn:schemas-microsoft-com:vml" Requires="v">
-                <p:oleObj spid="_x0000_s20523" name="Equation" r:id="rId17" imgW="2286000" imgH="1473120" progId="Equation.3">
+                <p:oleObj spid="_x0000_s20535" name="Equation" r:id="rId17" imgW="2286000" imgH="1473120" progId="Equation.3">
                   <p:embed/>
                 </p:oleObj>
               </mc:Choice>
@@ -42614,7 +42680,7 @@
                       <a:noFill/>
                       <a:extLst>
                         <a:ext uri="{909E8E84-426E-40dd-AFC4-6F175D3DCCD1}">
-                          <a14:hiddenFill xmlns:a14="http://schemas.microsoft.com/office/drawing/2010/main" xmlns="">
+                          <a14:hiddenFill xmlns="" xmlns:a14="http://schemas.microsoft.com/office/drawing/2010/main">
                             <a:solidFill>
                               <a:srgbClr val="FFFFFF"/>
                             </a:solidFill>
@@ -43134,6 +43200,58 @@
           </a:p>
         </p:txBody>
       </p:sp>
+      <p:sp>
+        <p:nvSpPr>
+          <p:cNvPr id="5" name="TextBox 4">
+            <a:extLst>
+              <a:ext uri="{FF2B5EF4-FFF2-40B4-BE49-F238E27FC236}">
+                <a16:creationId xmlns:a16="http://schemas.microsoft.com/office/drawing/2014/main" id="{BD5D35DE-DE5B-41A4-BDDB-DC86E9C3D598}"/>
+              </a:ext>
+            </a:extLst>
+          </p:cNvPr>
+          <p:cNvSpPr txBox="1"/>
+          <p:nvPr/>
+        </p:nvSpPr>
+        <p:spPr>
+          <a:xfrm>
+            <a:off x="7506789" y="4667794"/>
+            <a:ext cx="4868091" cy="1200329"/>
+          </a:xfrm>
+          <a:prstGeom prst="rect">
+            <a:avLst/>
+          </a:prstGeom>
+          <a:noFill/>
+        </p:spPr>
+        <p:txBody>
+          <a:bodyPr wrap="square" rtlCol="0">
+            <a:spAutoFit/>
+          </a:bodyPr>
+          <a:lstStyle/>
+          <a:p>
+            <a:r>
+              <a:rPr lang="en-US" dirty="0"/>
+              <a:t>For this course:</a:t>
+            </a:r>
+            <a:br>
+              <a:rPr lang="en-US" dirty="0"/>
+            </a:br>
+            <a:br>
+              <a:rPr lang="en-US" dirty="0"/>
+            </a:br>
+            <a:r>
+              <a:rPr lang="en-US" dirty="0"/>
+              <a:t>Camera space = View space</a:t>
+            </a:r>
+            <a:br>
+              <a:rPr lang="en-US" dirty="0"/>
+            </a:br>
+            <a:r>
+              <a:rPr lang="en-US" dirty="0"/>
+              <a:t>Camera Transformation = View Transformation</a:t>
+            </a:r>
+          </a:p>
+        </p:txBody>
+      </p:sp>
     </p:spTree>
     <p:extLst>
       <p:ext uri="{BB962C8B-B14F-4D97-AF65-F5344CB8AC3E}">
@@ -43222,14 +43340,14 @@
           <a:ln/>
           <a:extLst>
             <a:ext uri="{909E8E84-426E-40dd-AFC4-6F175D3DCCD1}">
-              <a14:hiddenFill xmlns:a14="http://schemas.microsoft.com/office/drawing/2010/main" xmlns="">
+              <a14:hiddenFill xmlns="" xmlns:a14="http://schemas.microsoft.com/office/drawing/2010/main">
                 <a:solidFill>
                   <a:srgbClr val="FFFFFF"/>
                 </a:solidFill>
               </a14:hiddenFill>
             </a:ext>
             <a:ext uri="{91240B29-F687-4f45-9708-019B960494DF}">
-              <a14:hiddenLine xmlns:a14="http://schemas.microsoft.com/office/drawing/2010/main" xmlns="" w="9525">
+              <a14:hiddenLine xmlns="" xmlns:a14="http://schemas.microsoft.com/office/drawing/2010/main" w="9525">
                 <a:solidFill>
                   <a:srgbClr val="000000"/>
                 </a:solidFill>
@@ -43997,7 +44115,7 @@
           </a:ln>
           <a:extLst>
             <a:ext uri="{909E8E84-426E-40dd-AFC4-6F175D3DCCD1}">
-              <a14:hiddenFill xmlns:a14="http://schemas.microsoft.com/office/drawing/2010/main" xmlns="">
+              <a14:hiddenFill xmlns="" xmlns:a14="http://schemas.microsoft.com/office/drawing/2010/main">
                 <a:noFill/>
               </a14:hiddenFill>
             </a:ext>
@@ -44033,14 +44151,14 @@
           </a:ln>
           <a:extLst>
             <a:ext uri="{909E8E84-426E-40dd-AFC4-6F175D3DCCD1}">
-              <a14:hiddenFill xmlns:a14="http://schemas.microsoft.com/office/drawing/2010/main" xmlns="">
+              <a14:hiddenFill xmlns="" xmlns:a14="http://schemas.microsoft.com/office/drawing/2010/main">
                 <a:solidFill>
                   <a:srgbClr val="FFFFFF"/>
                 </a:solidFill>
               </a14:hiddenFill>
             </a:ext>
             <a:ext uri="{91240B29-F687-4f45-9708-019B960494DF}">
-              <a14:hiddenLine xmlns:a14="http://schemas.microsoft.com/office/drawing/2010/main" xmlns="" w="12700">
+              <a14:hiddenLine xmlns="" xmlns:a14="http://schemas.microsoft.com/office/drawing/2010/main" w="12700">
                 <a:solidFill>
                   <a:srgbClr val="000000"/>
                 </a:solidFill>
@@ -44435,7 +44553,7 @@
           </a:ln>
           <a:extLst>
             <a:ext uri="{909E8E84-426E-40dd-AFC4-6F175D3DCCD1}">
-              <a14:hiddenFill xmlns:a14="http://schemas.microsoft.com/office/drawing/2010/main" xmlns="">
+              <a14:hiddenFill xmlns="" xmlns:a14="http://schemas.microsoft.com/office/drawing/2010/main">
                 <a:noFill/>
               </a14:hiddenFill>
             </a:ext>
@@ -44471,14 +44589,14 @@
           </a:ln>
           <a:extLst>
             <a:ext uri="{909E8E84-426E-40dd-AFC4-6F175D3DCCD1}">
-              <a14:hiddenFill xmlns:a14="http://schemas.microsoft.com/office/drawing/2010/main" xmlns="">
+              <a14:hiddenFill xmlns="" xmlns:a14="http://schemas.microsoft.com/office/drawing/2010/main">
                 <a:solidFill>
                   <a:srgbClr val="FFFFFF"/>
                 </a:solidFill>
               </a14:hiddenFill>
             </a:ext>
             <a:ext uri="{91240B29-F687-4f45-9708-019B960494DF}">
-              <a14:hiddenLine xmlns:a14="http://schemas.microsoft.com/office/drawing/2010/main" xmlns="" w="12700">
+              <a14:hiddenLine xmlns="" xmlns:a14="http://schemas.microsoft.com/office/drawing/2010/main" w="12700">
                 <a:solidFill>
                   <a:srgbClr val="000000"/>
                 </a:solidFill>
@@ -44636,7 +44754,7 @@
           </a:ln>
           <a:extLst>
             <a:ext uri="{909E8E84-426E-40dd-AFC4-6F175D3DCCD1}">
-              <a14:hiddenFill xmlns:a14="http://schemas.microsoft.com/office/drawing/2010/main" xmlns="">
+              <a14:hiddenFill xmlns="" xmlns:a14="http://schemas.microsoft.com/office/drawing/2010/main">
                 <a:noFill/>
               </a14:hiddenFill>
             </a:ext>
@@ -44672,14 +44790,14 @@
           </a:ln>
           <a:extLst>
             <a:ext uri="{909E8E84-426E-40dd-AFC4-6F175D3DCCD1}">
-              <a14:hiddenFill xmlns:a14="http://schemas.microsoft.com/office/drawing/2010/main" xmlns="">
+              <a14:hiddenFill xmlns="" xmlns:a14="http://schemas.microsoft.com/office/drawing/2010/main">
                 <a:solidFill>
                   <a:srgbClr val="FFFFFF"/>
                 </a:solidFill>
               </a14:hiddenFill>
             </a:ext>
             <a:ext uri="{91240B29-F687-4f45-9708-019B960494DF}">
-              <a14:hiddenLine xmlns:a14="http://schemas.microsoft.com/office/drawing/2010/main" xmlns="" w="12700">
+              <a14:hiddenLine xmlns="" xmlns:a14="http://schemas.microsoft.com/office/drawing/2010/main" w="12700">
                 <a:solidFill>
                   <a:srgbClr val="000000"/>
                 </a:solidFill>
@@ -44837,7 +44955,7 @@
           </a:ln>
           <a:extLst>
             <a:ext uri="{909E8E84-426E-40dd-AFC4-6F175D3DCCD1}">
-              <a14:hiddenFill xmlns:a14="http://schemas.microsoft.com/office/drawing/2010/main" xmlns="">
+              <a14:hiddenFill xmlns="" xmlns:a14="http://schemas.microsoft.com/office/drawing/2010/main">
                 <a:noFill/>
               </a14:hiddenFill>
             </a:ext>
@@ -44873,14 +44991,14 @@
           </a:ln>
           <a:extLst>
             <a:ext uri="{909E8E84-426E-40dd-AFC4-6F175D3DCCD1}">
-              <a14:hiddenFill xmlns:a14="http://schemas.microsoft.com/office/drawing/2010/main" xmlns="">
+              <a14:hiddenFill xmlns="" xmlns:a14="http://schemas.microsoft.com/office/drawing/2010/main">
                 <a:solidFill>
                   <a:srgbClr val="FFFFFF"/>
                 </a:solidFill>
               </a14:hiddenFill>
             </a:ext>
             <a:ext uri="{91240B29-F687-4f45-9708-019B960494DF}">
-              <a14:hiddenLine xmlns:a14="http://schemas.microsoft.com/office/drawing/2010/main" xmlns="" w="12700">
+              <a14:hiddenLine xmlns="" xmlns:a14="http://schemas.microsoft.com/office/drawing/2010/main" w="12700">
                 <a:solidFill>
                   <a:srgbClr val="000000"/>
                 </a:solidFill>
@@ -45044,7 +45162,7 @@
           </a:ln>
           <a:extLst>
             <a:ext uri="{909E8E84-426E-40dd-AFC4-6F175D3DCCD1}">
-              <a14:hiddenFill xmlns:a14="http://schemas.microsoft.com/office/drawing/2010/main" xmlns="">
+              <a14:hiddenFill xmlns="" xmlns:a14="http://schemas.microsoft.com/office/drawing/2010/main">
                 <a:noFill/>
               </a14:hiddenFill>
             </a:ext>
@@ -45080,14 +45198,14 @@
           </a:ln>
           <a:extLst>
             <a:ext uri="{909E8E84-426E-40dd-AFC4-6F175D3DCCD1}">
-              <a14:hiddenFill xmlns:a14="http://schemas.microsoft.com/office/drawing/2010/main" xmlns="">
+              <a14:hiddenFill xmlns="" xmlns:a14="http://schemas.microsoft.com/office/drawing/2010/main">
                 <a:solidFill>
                   <a:srgbClr val="FFFFFF"/>
                 </a:solidFill>
               </a14:hiddenFill>
             </a:ext>
             <a:ext uri="{91240B29-F687-4f45-9708-019B960494DF}">
-              <a14:hiddenLine xmlns:a14="http://schemas.microsoft.com/office/drawing/2010/main" xmlns="" w="12700">
+              <a14:hiddenLine xmlns="" xmlns:a14="http://schemas.microsoft.com/office/drawing/2010/main" w="12700">
                 <a:solidFill>
                   <a:srgbClr val="000000"/>
                 </a:solidFill>
@@ -45245,7 +45363,7 @@
           </a:ln>
           <a:extLst>
             <a:ext uri="{909E8E84-426E-40dd-AFC4-6F175D3DCCD1}">
-              <a14:hiddenFill xmlns:a14="http://schemas.microsoft.com/office/drawing/2010/main" xmlns="">
+              <a14:hiddenFill xmlns="" xmlns:a14="http://schemas.microsoft.com/office/drawing/2010/main">
                 <a:noFill/>
               </a14:hiddenFill>
             </a:ext>
@@ -45286,7 +45404,7 @@
           </a:ln>
           <a:extLst>
             <a:ext uri="{909E8E84-426E-40dd-AFC4-6F175D3DCCD1}">
-              <a14:hiddenFill xmlns:a14="http://schemas.microsoft.com/office/drawing/2010/main" xmlns="">
+              <a14:hiddenFill xmlns="" xmlns:a14="http://schemas.microsoft.com/office/drawing/2010/main">
                 <a:noFill/>
               </a14:hiddenFill>
             </a:ext>
@@ -45322,14 +45440,14 @@
           </a:ln>
           <a:extLst>
             <a:ext uri="{909E8E84-426E-40dd-AFC4-6F175D3DCCD1}">
-              <a14:hiddenFill xmlns:a14="http://schemas.microsoft.com/office/drawing/2010/main" xmlns="">
+              <a14:hiddenFill xmlns="" xmlns:a14="http://schemas.microsoft.com/office/drawing/2010/main">
                 <a:solidFill>
                   <a:srgbClr val="FFFFFF"/>
                 </a:solidFill>
               </a14:hiddenFill>
             </a:ext>
             <a:ext uri="{91240B29-F687-4f45-9708-019B960494DF}">
-              <a14:hiddenLine xmlns:a14="http://schemas.microsoft.com/office/drawing/2010/main" xmlns="" w="12700">
+              <a14:hiddenLine xmlns="" xmlns:a14="http://schemas.microsoft.com/office/drawing/2010/main" w="12700">
                 <a:solidFill>
                   <a:srgbClr val="000000"/>
                 </a:solidFill>
@@ -45482,14 +45600,14 @@
           </a:ln>
           <a:extLst>
             <a:ext uri="{909E8E84-426E-40dd-AFC4-6F175D3DCCD1}">
-              <a14:hiddenFill xmlns:a14="http://schemas.microsoft.com/office/drawing/2010/main" xmlns="">
+              <a14:hiddenFill xmlns="" xmlns:a14="http://schemas.microsoft.com/office/drawing/2010/main">
                 <a:solidFill>
                   <a:srgbClr val="FFFFFF"/>
                 </a:solidFill>
               </a14:hiddenFill>
             </a:ext>
             <a:ext uri="{91240B29-F687-4f45-9708-019B960494DF}">
-              <a14:hiddenLine xmlns:a14="http://schemas.microsoft.com/office/drawing/2010/main" xmlns="" w="12700">
+              <a14:hiddenLine xmlns="" xmlns:a14="http://schemas.microsoft.com/office/drawing/2010/main" w="12700">
                 <a:solidFill>
                   <a:srgbClr val="000000"/>
                 </a:solidFill>

--- a/Lectures/CS418-Lecture3-Transformations.pptx
+++ b/Lectures/CS418-Lecture3-Transformations.pptx
@@ -10839,7 +10839,7 @@
           <a:graphicData uri="http://schemas.openxmlformats.org/presentationml/2006/ole">
             <mc:AlternateContent xmlns:mc="http://schemas.openxmlformats.org/markup-compatibility/2006">
               <mc:Choice xmlns:v="urn:schemas-microsoft-com:vml" Requires="v">
-                <p:oleObj spid="_x0000_s1050" name="Equation" r:id="rId4" imgW="914400" imgH="267840" progId="Equation.DSMT4">
+                <p:oleObj spid="_x0000_s1053" name="Equation" r:id="rId4" imgW="914400" imgH="267840" progId="Equation.DSMT4">
                   <p:embed/>
                 </p:oleObj>
               </mc:Choice>
@@ -10909,7 +10909,7 @@
           <a:graphicData uri="http://schemas.openxmlformats.org/presentationml/2006/ole">
             <mc:AlternateContent xmlns:mc="http://schemas.openxmlformats.org/markup-compatibility/2006">
               <mc:Choice xmlns:v="urn:schemas-microsoft-com:vml" Requires="v">
-                <p:oleObj spid="_x0000_s1051" name="Equation" r:id="rId6" imgW="596880" imgH="711000" progId="Equation.DSMT4">
+                <p:oleObj spid="_x0000_s1054" name="Equation" r:id="rId6" imgW="596880" imgH="711000" progId="Equation.DSMT4">
                   <p:embed/>
                 </p:oleObj>
               </mc:Choice>
@@ -11068,7 +11068,7 @@
           <a:graphicData uri="http://schemas.openxmlformats.org/presentationml/2006/ole">
             <mc:AlternateContent xmlns:mc="http://schemas.openxmlformats.org/markup-compatibility/2006">
               <mc:Choice xmlns:v="urn:schemas-microsoft-com:vml" Requires="v">
-                <p:oleObj spid="_x0000_s1052" name="Equation" r:id="rId8" imgW="419040" imgH="711000" progId="Equation.3">
+                <p:oleObj spid="_x0000_s1055" name="Equation" r:id="rId8" imgW="419040" imgH="711000" progId="Equation.3">
                   <p:embed/>
                 </p:oleObj>
               </mc:Choice>
@@ -11929,7 +11929,7 @@
           <a:graphicData uri="http://schemas.openxmlformats.org/presentationml/2006/ole">
             <mc:AlternateContent xmlns:mc="http://schemas.openxmlformats.org/markup-compatibility/2006">
               <mc:Choice xmlns:v="urn:schemas-microsoft-com:vml" Requires="v">
-                <p:oleObj spid="_x0000_s2066" name="Equation" r:id="rId4" imgW="914400" imgH="267840" progId="Equation.DSMT4">
+                <p:oleObj spid="_x0000_s2068" name="Equation" r:id="rId4" imgW="914400" imgH="267840" progId="Equation.DSMT4">
                   <p:embed/>
                 </p:oleObj>
               </mc:Choice>
@@ -11999,7 +11999,7 @@
           <a:graphicData uri="http://schemas.openxmlformats.org/presentationml/2006/ole">
             <mc:AlternateContent xmlns:mc="http://schemas.openxmlformats.org/markup-compatibility/2006">
               <mc:Choice xmlns:v="urn:schemas-microsoft-com:vml" Requires="v">
-                <p:oleObj spid="_x0000_s2067" name="Equation" r:id="rId6" imgW="419040" imgH="711000" progId="Equation.3">
+                <p:oleObj spid="_x0000_s2069" name="Equation" r:id="rId6" imgW="419040" imgH="711000" progId="Equation.3">
                   <p:embed/>
                 </p:oleObj>
               </mc:Choice>
@@ -12914,7 +12914,7 @@
           <a:graphicData uri="http://schemas.openxmlformats.org/presentationml/2006/ole">
             <mc:AlternateContent xmlns:mc="http://schemas.openxmlformats.org/markup-compatibility/2006">
               <mc:Choice xmlns:v="urn:schemas-microsoft-com:vml" Requires="v">
-                <p:oleObj spid="_x0000_s3128" name="Equation" r:id="rId4" imgW="914400" imgH="267840" progId="Equation.DSMT4">
+                <p:oleObj spid="_x0000_s3134" name="Equation" r:id="rId4" imgW="914400" imgH="267840" progId="Equation.DSMT4">
                   <p:embed/>
                 </p:oleObj>
               </mc:Choice>
@@ -12990,7 +12990,7 @@
           <a:graphicData uri="http://schemas.openxmlformats.org/presentationml/2006/ole">
             <mc:AlternateContent xmlns:mc="http://schemas.openxmlformats.org/markup-compatibility/2006">
               <mc:Choice xmlns:v="urn:schemas-microsoft-com:vml" Requires="v">
-                <p:oleObj spid="_x0000_s3129" name="Equation" r:id="rId6" imgW="419040" imgH="711000" progId="Equation.DSMT4">
+                <p:oleObj spid="_x0000_s3135" name="Equation" r:id="rId6" imgW="419040" imgH="711000" progId="Equation.DSMT4">
                   <p:embed/>
                 </p:oleObj>
               </mc:Choice>
@@ -13066,7 +13066,7 @@
           <a:graphicData uri="http://schemas.openxmlformats.org/presentationml/2006/ole">
             <mc:AlternateContent xmlns:mc="http://schemas.openxmlformats.org/markup-compatibility/2006">
               <mc:Choice xmlns:v="urn:schemas-microsoft-com:vml" Requires="v">
-                <p:oleObj spid="_x0000_s3130" name="Equation" r:id="rId8" imgW="1917360" imgH="711000" progId="Equation.DSMT4">
+                <p:oleObj spid="_x0000_s3136" name="Equation" r:id="rId8" imgW="1917360" imgH="711000" progId="Equation.DSMT4">
                   <p:embed/>
                 </p:oleObj>
               </mc:Choice>
@@ -13168,7 +13168,7 @@
           <a:graphicData uri="http://schemas.openxmlformats.org/presentationml/2006/ole">
             <mc:AlternateContent xmlns:mc="http://schemas.openxmlformats.org/markup-compatibility/2006">
               <mc:Choice xmlns:v="urn:schemas-microsoft-com:vml" Requires="v">
-                <p:oleObj spid="_x0000_s3131" name="Equation" r:id="rId11" imgW="1257120" imgH="711000" progId="Equation.DSMT4">
+                <p:oleObj spid="_x0000_s3137" name="Equation" r:id="rId11" imgW="1257120" imgH="711000" progId="Equation.DSMT4">
                   <p:embed/>
                 </p:oleObj>
               </mc:Choice>
@@ -13357,7 +13357,7 @@
           <a:graphicData uri="http://schemas.openxmlformats.org/presentationml/2006/ole">
             <mc:AlternateContent xmlns:mc="http://schemas.openxmlformats.org/markup-compatibility/2006">
               <mc:Choice xmlns:v="urn:schemas-microsoft-com:vml" Requires="v">
-                <p:oleObj spid="_x0000_s3132" name="Equation" r:id="rId13" imgW="419040" imgH="711000" progId="Equation.DSMT4">
+                <p:oleObj spid="_x0000_s3138" name="Equation" r:id="rId13" imgW="419040" imgH="711000" progId="Equation.DSMT4">
                   <p:embed/>
                 </p:oleObj>
               </mc:Choice>
@@ -13427,7 +13427,7 @@
           <a:graphicData uri="http://schemas.openxmlformats.org/presentationml/2006/ole">
             <mc:AlternateContent xmlns:mc="http://schemas.openxmlformats.org/markup-compatibility/2006">
               <mc:Choice xmlns:v="urn:schemas-microsoft-com:vml" Requires="v">
-                <p:oleObj spid="_x0000_s3133" name="Equation" r:id="rId14" imgW="596880" imgH="711000" progId="Equation.3">
+                <p:oleObj spid="_x0000_s3139" name="Equation" r:id="rId14" imgW="596880" imgH="711000" progId="Equation.3">
                   <p:embed/>
                 </p:oleObj>
               </mc:Choice>
@@ -14686,7 +14686,7 @@
           <a:graphicData uri="http://schemas.openxmlformats.org/presentationml/2006/ole">
             <mc:AlternateContent xmlns:mc="http://schemas.openxmlformats.org/markup-compatibility/2006">
               <mc:Choice xmlns:v="urn:schemas-microsoft-com:vml" Requires="v">
-                <p:oleObj spid="_x0000_s4138" name="Equation" r:id="rId4" imgW="914400" imgH="267840" progId="Equation.DSMT4">
+                <p:oleObj spid="_x0000_s4143" name="Equation" r:id="rId4" imgW="914400" imgH="267840" progId="Equation.DSMT4">
                   <p:embed/>
                 </p:oleObj>
               </mc:Choice>
@@ -14756,7 +14756,7 @@
           <a:graphicData uri="http://schemas.openxmlformats.org/presentationml/2006/ole">
             <mc:AlternateContent xmlns:mc="http://schemas.openxmlformats.org/markup-compatibility/2006">
               <mc:Choice xmlns:v="urn:schemas-microsoft-com:vml" Requires="v">
-                <p:oleObj spid="_x0000_s4139" name="Equation" r:id="rId6" imgW="419040" imgH="711000" progId="Equation.DSMT4">
+                <p:oleObj spid="_x0000_s4144" name="Equation" r:id="rId6" imgW="419040" imgH="711000" progId="Equation.DSMT4">
                   <p:embed/>
                 </p:oleObj>
               </mc:Choice>
@@ -14828,7 +14828,7 @@
           <a:graphicData uri="http://schemas.openxmlformats.org/presentationml/2006/ole">
             <mc:AlternateContent xmlns:mc="http://schemas.openxmlformats.org/markup-compatibility/2006">
               <mc:Choice xmlns:v="urn:schemas-microsoft-com:vml" Requires="v">
-                <p:oleObj spid="_x0000_s4140" name="Equation" r:id="rId8" imgW="1993680" imgH="711000" progId="Equation.DSMT4">
+                <p:oleObj spid="_x0000_s4145" name="Equation" r:id="rId8" imgW="1993680" imgH="711000" progId="Equation.DSMT4">
                   <p:embed/>
                 </p:oleObj>
               </mc:Choice>
@@ -14930,7 +14930,7 @@
           <a:graphicData uri="http://schemas.openxmlformats.org/presentationml/2006/ole">
             <mc:AlternateContent xmlns:mc="http://schemas.openxmlformats.org/markup-compatibility/2006">
               <mc:Choice xmlns:v="urn:schemas-microsoft-com:vml" Requires="v">
-                <p:oleObj spid="_x0000_s4141" name="Equation" r:id="rId11" imgW="1206360" imgH="711000" progId="Equation.DSMT4">
+                <p:oleObj spid="_x0000_s4146" name="Equation" r:id="rId11" imgW="1206360" imgH="711000" progId="Equation.DSMT4">
                   <p:embed/>
                 </p:oleObj>
               </mc:Choice>
@@ -15002,7 +15002,7 @@
           <a:graphicData uri="http://schemas.openxmlformats.org/presentationml/2006/ole">
             <mc:AlternateContent xmlns:mc="http://schemas.openxmlformats.org/markup-compatibility/2006">
               <mc:Choice xmlns:v="urn:schemas-microsoft-com:vml" Requires="v">
-                <p:oleObj spid="_x0000_s4142" name="Equation" r:id="rId13" imgW="1917360" imgH="711000" progId="Equation.3">
+                <p:oleObj spid="_x0000_s4147" name="Equation" r:id="rId13" imgW="1917360" imgH="711000" progId="Equation.3">
                   <p:embed/>
                 </p:oleObj>
               </mc:Choice>
@@ -17303,7 +17303,7 @@
           <a:graphicData uri="http://schemas.openxmlformats.org/presentationml/2006/ole">
             <mc:AlternateContent xmlns:mc="http://schemas.openxmlformats.org/markup-compatibility/2006">
               <mc:Choice xmlns:v="urn:schemas-microsoft-com:vml" Requires="v">
-                <p:oleObj spid="_x0000_s5176" name="Equation" r:id="rId4" imgW="914400" imgH="267840" progId="Equation.DSMT4">
+                <p:oleObj spid="_x0000_s5182" name="Equation" r:id="rId4" imgW="914400" imgH="267840" progId="Equation.DSMT4">
                   <p:embed/>
                 </p:oleObj>
               </mc:Choice>
@@ -17375,7 +17375,7 @@
           <a:graphicData uri="http://schemas.openxmlformats.org/presentationml/2006/ole">
             <mc:AlternateContent xmlns:mc="http://schemas.openxmlformats.org/markup-compatibility/2006">
               <mc:Choice xmlns:v="urn:schemas-microsoft-com:vml" Requires="v">
-                <p:oleObj spid="_x0000_s5177" name="Equation" r:id="rId6" imgW="419040" imgH="711000" progId="Equation.DSMT4">
+                <p:oleObj spid="_x0000_s5183" name="Equation" r:id="rId6" imgW="419040" imgH="711000" progId="Equation.DSMT4">
                   <p:embed/>
                 </p:oleObj>
               </mc:Choice>
@@ -17447,7 +17447,7 @@
           <a:graphicData uri="http://schemas.openxmlformats.org/presentationml/2006/ole">
             <mc:AlternateContent xmlns:mc="http://schemas.openxmlformats.org/markup-compatibility/2006">
               <mc:Choice xmlns:v="urn:schemas-microsoft-com:vml" Requires="v">
-                <p:oleObj spid="_x0000_s5178" name="Equation" r:id="rId8" imgW="1993680" imgH="711000" progId="Equation.DSMT4">
+                <p:oleObj spid="_x0000_s5184" name="Equation" r:id="rId8" imgW="1993680" imgH="711000" progId="Equation.DSMT4">
                   <p:embed/>
                 </p:oleObj>
               </mc:Choice>
@@ -17517,7 +17517,7 @@
           <a:graphicData uri="http://schemas.openxmlformats.org/presentationml/2006/ole">
             <mc:AlternateContent xmlns:mc="http://schemas.openxmlformats.org/markup-compatibility/2006">
               <mc:Choice xmlns:v="urn:schemas-microsoft-com:vml" Requires="v">
-                <p:oleObj spid="_x0000_s5179" name="Equation" r:id="rId10" imgW="2044440" imgH="711000" progId="Equation.DSMT4">
+                <p:oleObj spid="_x0000_s5185" name="Equation" r:id="rId10" imgW="2044440" imgH="711000" progId="Equation.DSMT4">
                   <p:embed/>
                 </p:oleObj>
               </mc:Choice>
@@ -17589,7 +17589,7 @@
           <a:graphicData uri="http://schemas.openxmlformats.org/presentationml/2006/ole">
             <mc:AlternateContent xmlns:mc="http://schemas.openxmlformats.org/markup-compatibility/2006">
               <mc:Choice xmlns:v="urn:schemas-microsoft-com:vml" Requires="v">
-                <p:oleObj spid="_x0000_s5180" name="Equation" r:id="rId12" imgW="1917360" imgH="711000" progId="Equation.DSMT4">
+                <p:oleObj spid="_x0000_s5186" name="Equation" r:id="rId12" imgW="1917360" imgH="711000" progId="Equation.DSMT4">
                   <p:embed/>
                 </p:oleObj>
               </mc:Choice>
@@ -18359,7 +18359,7 @@
           <a:graphicData uri="http://schemas.openxmlformats.org/presentationml/2006/ole">
             <mc:AlternateContent xmlns:mc="http://schemas.openxmlformats.org/markup-compatibility/2006">
               <mc:Choice xmlns:v="urn:schemas-microsoft-com:vml" Requires="v">
-                <p:oleObj spid="_x0000_s5181" name="Equation" r:id="rId14" imgW="2286000" imgH="736560" progId="Equation.3">
+                <p:oleObj spid="_x0000_s5187" name="Equation" r:id="rId14" imgW="2286000" imgH="736560" progId="Equation.3">
                   <p:embed/>
                 </p:oleObj>
               </mc:Choice>
@@ -18733,7 +18733,7 @@
           <a:graphicData uri="http://schemas.openxmlformats.org/presentationml/2006/ole">
             <mc:AlternateContent xmlns:mc="http://schemas.openxmlformats.org/markup-compatibility/2006">
               <mc:Choice xmlns:v="urn:schemas-microsoft-com:vml" Requires="v">
-                <p:oleObj spid="_x0000_s6182" name="Equation" r:id="rId4" imgW="2286000" imgH="736560" progId="Equation.DSMT4">
+                <p:oleObj spid="_x0000_s6186" name="Equation" r:id="rId4" imgW="2286000" imgH="736560" progId="Equation.DSMT4">
                   <p:embed/>
                 </p:oleObj>
               </mc:Choice>
@@ -18803,7 +18803,7 @@
           <a:graphicData uri="http://schemas.openxmlformats.org/presentationml/2006/ole">
             <mc:AlternateContent xmlns:mc="http://schemas.openxmlformats.org/markup-compatibility/2006">
               <mc:Choice xmlns:v="urn:schemas-microsoft-com:vml" Requires="v">
-                <p:oleObj spid="_x0000_s6183" name="Equation" r:id="rId6" imgW="2514600" imgH="1117440" progId="Equation.DSMT4">
+                <p:oleObj spid="_x0000_s6187" name="Equation" r:id="rId6" imgW="2514600" imgH="1117440" progId="Equation.DSMT4">
                   <p:embed/>
                 </p:oleObj>
               </mc:Choice>
@@ -18873,7 +18873,7 @@
           <a:graphicData uri="http://schemas.openxmlformats.org/presentationml/2006/ole">
             <mc:AlternateContent xmlns:mc="http://schemas.openxmlformats.org/markup-compatibility/2006">
               <mc:Choice xmlns:v="urn:schemas-microsoft-com:vml" Requires="v">
-                <p:oleObj spid="_x0000_s6184" name="Equation" r:id="rId8" imgW="1993680" imgH="711000" progId="Equation.DSMT4">
+                <p:oleObj spid="_x0000_s6188" name="Equation" r:id="rId8" imgW="1993680" imgH="711000" progId="Equation.DSMT4">
                   <p:embed/>
                 </p:oleObj>
               </mc:Choice>
@@ -18993,7 +18993,7 @@
           <a:graphicData uri="http://schemas.openxmlformats.org/presentationml/2006/ole">
             <mc:AlternateContent xmlns:mc="http://schemas.openxmlformats.org/markup-compatibility/2006">
               <mc:Choice xmlns:v="urn:schemas-microsoft-com:vml" Requires="v">
-                <p:oleObj spid="_x0000_s6185" name="Equation" r:id="rId10" imgW="4152600" imgH="1117440" progId="Equation.3">
+                <p:oleObj spid="_x0000_s6189" name="Equation" r:id="rId10" imgW="4152600" imgH="1117440" progId="Equation.3">
                   <p:embed/>
                 </p:oleObj>
               </mc:Choice>
@@ -20539,7 +20539,7 @@
           <a:graphicData uri="http://schemas.openxmlformats.org/presentationml/2006/ole">
             <mc:AlternateContent xmlns:mc="http://schemas.openxmlformats.org/markup-compatibility/2006">
               <mc:Choice xmlns:v="urn:schemas-microsoft-com:vml" Requires="v">
-                <p:oleObj spid="_x0000_s7194" name="Equation" r:id="rId4" imgW="2920680" imgH="3098520" progId="Equation.DSMT4">
+                <p:oleObj spid="_x0000_s7197" name="Equation" r:id="rId4" imgW="2920680" imgH="3098520" progId="Equation.DSMT4">
                   <p:embed/>
                 </p:oleObj>
               </mc:Choice>
@@ -20609,7 +20609,7 @@
           <a:graphicData uri="http://schemas.openxmlformats.org/presentationml/2006/ole">
             <mc:AlternateContent xmlns:mc="http://schemas.openxmlformats.org/markup-compatibility/2006">
               <mc:Choice xmlns:v="urn:schemas-microsoft-com:vml" Requires="v">
-                <p:oleObj spid="_x0000_s7195" name="Equation" r:id="rId6" imgW="2920680" imgH="3073320" progId="Equation.DSMT4">
+                <p:oleObj spid="_x0000_s7198" name="Equation" r:id="rId6" imgW="2920680" imgH="3073320" progId="Equation.DSMT4">
                   <p:embed/>
                 </p:oleObj>
               </mc:Choice>
@@ -21328,7 +21328,7 @@
           <a:graphicData uri="http://schemas.openxmlformats.org/presentationml/2006/ole">
             <mc:AlternateContent xmlns:mc="http://schemas.openxmlformats.org/markup-compatibility/2006">
               <mc:Choice xmlns:v="urn:schemas-microsoft-com:vml" Requires="v">
-                <p:oleObj spid="_x0000_s7196" name="Equation" r:id="rId8" imgW="914400" imgH="267840" progId="Equation.3">
+                <p:oleObj spid="_x0000_s7199" name="Equation" r:id="rId8" imgW="914400" imgH="267840" progId="Equation.3">
                   <p:embed/>
                 </p:oleObj>
               </mc:Choice>
@@ -26663,7 +26663,7 @@
           <a:graphicData uri="http://schemas.openxmlformats.org/presentationml/2006/ole">
             <mc:AlternateContent xmlns:mc="http://schemas.openxmlformats.org/markup-compatibility/2006">
               <mc:Choice xmlns:v="urn:schemas-microsoft-com:vml" Requires="v">
-                <p:oleObj spid="_x0000_s8221" name="Equation" r:id="rId4" imgW="1473120" imgH="1117440" progId="Equation.DSMT4">
+                <p:oleObj spid="_x0000_s8224" name="Equation" r:id="rId4" imgW="1473120" imgH="1117440" progId="Equation.DSMT4">
                   <p:embed/>
                 </p:oleObj>
               </mc:Choice>
@@ -26735,7 +26735,7 @@
           <a:graphicData uri="http://schemas.openxmlformats.org/presentationml/2006/ole">
             <mc:AlternateContent xmlns:mc="http://schemas.openxmlformats.org/markup-compatibility/2006">
               <mc:Choice xmlns:v="urn:schemas-microsoft-com:vml" Requires="v">
-                <p:oleObj spid="_x0000_s8222" name="Equation" r:id="rId6" imgW="3009600" imgH="1422360" progId="Equation.DSMT4">
+                <p:oleObj spid="_x0000_s8225" name="Equation" r:id="rId6" imgW="3009600" imgH="1422360" progId="Equation.DSMT4">
                   <p:embed/>
                 </p:oleObj>
               </mc:Choice>
@@ -26797,7 +26797,7 @@
           <a:graphicData uri="http://schemas.openxmlformats.org/presentationml/2006/ole">
             <mc:AlternateContent xmlns:mc="http://schemas.openxmlformats.org/markup-compatibility/2006">
               <mc:Choice xmlns:v="urn:schemas-microsoft-com:vml" Requires="v">
-                <p:oleObj spid="_x0000_s8223" name="Equation" r:id="rId8" imgW="2184120" imgH="1422360" progId="Equation.3">
+                <p:oleObj spid="_x0000_s8226" name="Equation" r:id="rId8" imgW="2184120" imgH="1422360" progId="Equation.3">
                   <p:embed/>
                 </p:oleObj>
               </mc:Choice>
@@ -26851,6 +26851,53 @@
           </a:graphicData>
         </a:graphic>
       </p:graphicFrame>
+      <p:sp>
+        <p:nvSpPr>
+          <p:cNvPr id="2" name="TextBox 1">
+            <a:extLst>
+              <a:ext uri="{FF2B5EF4-FFF2-40B4-BE49-F238E27FC236}">
+                <a16:creationId xmlns:a16="http://schemas.microsoft.com/office/drawing/2014/main" id="{82B6A06F-0466-4A12-8B42-702915E45DF8}"/>
+              </a:ext>
+            </a:extLst>
+          </p:cNvPr>
+          <p:cNvSpPr txBox="1"/>
+          <p:nvPr/>
+        </p:nvSpPr>
+        <p:spPr>
+          <a:xfrm>
+            <a:off x="182564" y="5534164"/>
+            <a:ext cx="2655207" cy="954107"/>
+          </a:xfrm>
+          <a:prstGeom prst="rect">
+            <a:avLst/>
+          </a:prstGeom>
+          <a:noFill/>
+          <a:ln>
+            <a:solidFill>
+              <a:schemeClr val="tx1"/>
+            </a:solidFill>
+          </a:ln>
+        </p:spPr>
+        <p:txBody>
+          <a:bodyPr wrap="square" rtlCol="0">
+            <a:spAutoFit/>
+          </a:bodyPr>
+          <a:lstStyle/>
+          <a:p>
+            <a:r>
+              <a:rPr lang="en-US" sz="1400" dirty="0"/>
+              <a:t>This is the transformation</a:t>
+            </a:r>
+            <a:br>
+              <a:rPr lang="en-US" sz="1400" dirty="0"/>
+            </a:br>
+            <a:r>
+              <a:rPr lang="en-US" sz="1400" dirty="0"/>
+              <a:t>WebGL and DirectX10+ use…pixel centers are at offsets of 0.5 from integer values</a:t>
+            </a:r>
+          </a:p>
+        </p:txBody>
+      </p:sp>
     </p:spTree>
     <p:extLst>
       <p:ext uri="{BB962C8B-B14F-4D97-AF65-F5344CB8AC3E}">
@@ -27561,7 +27608,7 @@
           <a:graphicData uri="http://schemas.openxmlformats.org/presentationml/2006/ole">
             <mc:AlternateContent xmlns:mc="http://schemas.openxmlformats.org/markup-compatibility/2006">
               <mc:Choice xmlns:v="urn:schemas-microsoft-com:vml" Requires="v">
-                <p:oleObj spid="_x0000_s9234" name="Equation" r:id="rId4" imgW="914400" imgH="267840" progId="Equation.DSMT4">
+                <p:oleObj spid="_x0000_s9236" name="Equation" r:id="rId4" imgW="914400" imgH="267840" progId="Equation.DSMT4">
                   <p:embed/>
                 </p:oleObj>
               </mc:Choice>
@@ -27631,7 +27678,7 @@
           <a:graphicData uri="http://schemas.openxmlformats.org/presentationml/2006/ole">
             <mc:AlternateContent xmlns:mc="http://schemas.openxmlformats.org/markup-compatibility/2006">
               <mc:Choice xmlns:v="urn:schemas-microsoft-com:vml" Requires="v">
-                <p:oleObj spid="_x0000_s9235" name="Equation" r:id="rId6" imgW="419040" imgH="711000" progId="Equation.3">
+                <p:oleObj spid="_x0000_s9237" name="Equation" r:id="rId6" imgW="419040" imgH="711000" progId="Equation.3">
                   <p:embed/>
                 </p:oleObj>
               </mc:Choice>
@@ -28406,7 +28453,7 @@
           <a:graphicData uri="http://schemas.openxmlformats.org/presentationml/2006/ole">
             <mc:AlternateContent xmlns:mc="http://schemas.openxmlformats.org/markup-compatibility/2006">
               <mc:Choice xmlns:v="urn:schemas-microsoft-com:vml" Requires="v">
-                <p:oleObj spid="_x0000_s10250" name="Equation" r:id="rId4" imgW="419040" imgH="711000" progId="Equation.3">
+                <p:oleObj spid="_x0000_s10251" name="Equation" r:id="rId4" imgW="419040" imgH="711000" progId="Equation.3">
                   <p:embed/>
                 </p:oleObj>
               </mc:Choice>
@@ -29246,7 +29293,7 @@
           <a:graphicData uri="http://schemas.openxmlformats.org/presentationml/2006/ole">
             <mc:AlternateContent xmlns:mc="http://schemas.openxmlformats.org/markup-compatibility/2006">
               <mc:Choice xmlns:v="urn:schemas-microsoft-com:vml" Requires="v">
-                <p:oleObj spid="_x0000_s11282" name="Equation" r:id="rId4" imgW="419040" imgH="711000" progId="Equation.DSMT4">
+                <p:oleObj spid="_x0000_s11284" name="Equation" r:id="rId4" imgW="419040" imgH="711000" progId="Equation.DSMT4">
                   <p:embed/>
                 </p:oleObj>
               </mc:Choice>
@@ -29740,7 +29787,7 @@
           <a:graphicData uri="http://schemas.openxmlformats.org/presentationml/2006/ole">
             <mc:AlternateContent xmlns:mc="http://schemas.openxmlformats.org/markup-compatibility/2006">
               <mc:Choice xmlns:v="urn:schemas-microsoft-com:vml" Requires="v">
-                <p:oleObj spid="_x0000_s11283" name="Equation" r:id="rId6" imgW="774360" imgH="711000" progId="Equation.3">
+                <p:oleObj spid="_x0000_s11285" name="Equation" r:id="rId6" imgW="774360" imgH="711000" progId="Equation.3">
                   <p:embed/>
                 </p:oleObj>
               </mc:Choice>
@@ -30400,7 +30447,7 @@
           <a:graphicData uri="http://schemas.openxmlformats.org/presentationml/2006/ole">
             <mc:AlternateContent xmlns:mc="http://schemas.openxmlformats.org/markup-compatibility/2006">
               <mc:Choice xmlns:v="urn:schemas-microsoft-com:vml" Requires="v">
-                <p:oleObj spid="_x0000_s12306" name="Equation" r:id="rId4" imgW="419040" imgH="711000" progId="Equation.DSMT4">
+                <p:oleObj spid="_x0000_s12308" name="Equation" r:id="rId4" imgW="419040" imgH="711000" progId="Equation.DSMT4">
                   <p:embed/>
                 </p:oleObj>
               </mc:Choice>
@@ -30894,7 +30941,7 @@
           <a:graphicData uri="http://schemas.openxmlformats.org/presentationml/2006/ole">
             <mc:AlternateContent xmlns:mc="http://schemas.openxmlformats.org/markup-compatibility/2006">
               <mc:Choice xmlns:v="urn:schemas-microsoft-com:vml" Requires="v">
-                <p:oleObj spid="_x0000_s12307" name="Equation" r:id="rId6" imgW="774360" imgH="711000" progId="Equation.3">
+                <p:oleObj spid="_x0000_s12309" name="Equation" r:id="rId6" imgW="774360" imgH="711000" progId="Equation.3">
                   <p:embed/>
                 </p:oleObj>
               </mc:Choice>
@@ -31744,7 +31791,7 @@
           <a:graphicData uri="http://schemas.openxmlformats.org/presentationml/2006/ole">
             <mc:AlternateContent xmlns:mc="http://schemas.openxmlformats.org/markup-compatibility/2006">
               <mc:Choice xmlns:v="urn:schemas-microsoft-com:vml" Requires="v">
-                <p:oleObj spid="_x0000_s13330" name="Equation" r:id="rId4" imgW="419040" imgH="711000" progId="Equation.DSMT4">
+                <p:oleObj spid="_x0000_s13332" name="Equation" r:id="rId4" imgW="419040" imgH="711000" progId="Equation.DSMT4">
                   <p:embed/>
                 </p:oleObj>
               </mc:Choice>
@@ -32238,7 +32285,7 @@
           <a:graphicData uri="http://schemas.openxmlformats.org/presentationml/2006/ole">
             <mc:AlternateContent xmlns:mc="http://schemas.openxmlformats.org/markup-compatibility/2006">
               <mc:Choice xmlns:v="urn:schemas-microsoft-com:vml" Requires="v">
-                <p:oleObj spid="_x0000_s13331" name="Equation" r:id="rId6" imgW="774360" imgH="711000" progId="Equation.3">
+                <p:oleObj spid="_x0000_s13333" name="Equation" r:id="rId6" imgW="774360" imgH="711000" progId="Equation.3">
                   <p:embed/>
                 </p:oleObj>
               </mc:Choice>
@@ -32510,7 +32557,7 @@
           <a:graphicData uri="http://schemas.openxmlformats.org/presentationml/2006/ole">
             <mc:AlternateContent xmlns:mc="http://schemas.openxmlformats.org/markup-compatibility/2006">
               <mc:Choice xmlns:v="urn:schemas-microsoft-com:vml" Requires="v">
-                <p:oleObj spid="_x0000_s14354" name="Equation" r:id="rId4" imgW="419040" imgH="711000" progId="Equation.DSMT4">
+                <p:oleObj spid="_x0000_s14356" name="Equation" r:id="rId4" imgW="419040" imgH="711000" progId="Equation.DSMT4">
                   <p:embed/>
                 </p:oleObj>
               </mc:Choice>
@@ -33004,7 +33051,7 @@
           <a:graphicData uri="http://schemas.openxmlformats.org/presentationml/2006/ole">
             <mc:AlternateContent xmlns:mc="http://schemas.openxmlformats.org/markup-compatibility/2006">
               <mc:Choice xmlns:v="urn:schemas-microsoft-com:vml" Requires="v">
-                <p:oleObj spid="_x0000_s14355" name="Equation" r:id="rId6" imgW="774360" imgH="711000" progId="Equation.3">
+                <p:oleObj spid="_x0000_s14357" name="Equation" r:id="rId6" imgW="774360" imgH="711000" progId="Equation.3">
                   <p:embed/>
                 </p:oleObj>
               </mc:Choice>
@@ -33949,7 +33996,7 @@
           <a:graphicData uri="http://schemas.openxmlformats.org/presentationml/2006/ole">
             <mc:AlternateContent xmlns:mc="http://schemas.openxmlformats.org/markup-compatibility/2006">
               <mc:Choice xmlns:v="urn:schemas-microsoft-com:vml" Requires="v">
-                <p:oleObj spid="_x0000_s15386" name="Equation" r:id="rId4" imgW="419040" imgH="711000" progId="Equation.DSMT4">
+                <p:oleObj spid="_x0000_s15389" name="Equation" r:id="rId4" imgW="419040" imgH="711000" progId="Equation.DSMT4">
                   <p:embed/>
                 </p:oleObj>
               </mc:Choice>
@@ -34443,7 +34490,7 @@
           <a:graphicData uri="http://schemas.openxmlformats.org/presentationml/2006/ole">
             <mc:AlternateContent xmlns:mc="http://schemas.openxmlformats.org/markup-compatibility/2006">
               <mc:Choice xmlns:v="urn:schemas-microsoft-com:vml" Requires="v">
-                <p:oleObj spid="_x0000_s15387" name="Equation" r:id="rId6" imgW="774360" imgH="711000" progId="Equation.DSMT4">
+                <p:oleObj spid="_x0000_s15390" name="Equation" r:id="rId6" imgW="774360" imgH="711000" progId="Equation.DSMT4">
                   <p:embed/>
                 </p:oleObj>
               </mc:Choice>
@@ -34764,7 +34811,7 @@
           <a:graphicData uri="http://schemas.openxmlformats.org/presentationml/2006/ole">
             <mc:AlternateContent xmlns:mc="http://schemas.openxmlformats.org/markup-compatibility/2006">
               <mc:Choice xmlns:v="urn:schemas-microsoft-com:vml" Requires="v">
-                <p:oleObj spid="_x0000_s15388" name="Equation" r:id="rId8" imgW="2400120" imgH="1117440" progId="Equation.3">
+                <p:oleObj spid="_x0000_s15391" name="Equation" r:id="rId8" imgW="2400120" imgH="1117440" progId="Equation.3">
                   <p:embed/>
                 </p:oleObj>
               </mc:Choice>
@@ -37011,7 +37058,7 @@
           <a:p>
             <a:r>
               <a:rPr lang="en-US" dirty="0"/>
-              <a:t>Viewport Coordinates: pixel coordinates (i.e. screen space coordinates)</a:t>
+              <a:t>Viewport Coordinates: pixel coordinates </a:t>
             </a:r>
           </a:p>
           <a:p>
@@ -38302,7 +38349,7 @@
           <a:graphicData uri="http://schemas.openxmlformats.org/presentationml/2006/ole">
             <mc:AlternateContent xmlns:mc="http://schemas.openxmlformats.org/markup-compatibility/2006">
               <mc:Choice xmlns:v="urn:schemas-microsoft-com:vml" Requires="v">
-                <p:oleObj spid="_x0000_s16394" name="Equation" r:id="rId4" imgW="2603160" imgH="1473120" progId="Equation.3">
+                <p:oleObj spid="_x0000_s16395" name="Equation" r:id="rId4" imgW="2603160" imgH="1473120" progId="Equation.3">
                   <p:embed/>
                 </p:oleObj>
               </mc:Choice>
@@ -39431,7 +39478,7 @@
           <a:graphicData uri="http://schemas.openxmlformats.org/presentationml/2006/ole">
             <mc:AlternateContent xmlns:mc="http://schemas.openxmlformats.org/markup-compatibility/2006">
               <mc:Choice xmlns:v="urn:schemas-microsoft-com:vml" Requires="v">
-                <p:oleObj spid="_x0000_s17434" name="Equation" r:id="rId4" imgW="2361960" imgH="1473120" progId="Equation.DSMT4">
+                <p:oleObj spid="_x0000_s17437" name="Equation" r:id="rId4" imgW="2361960" imgH="1473120" progId="Equation.DSMT4">
                   <p:embed/>
                 </p:oleObj>
               </mc:Choice>
@@ -39501,7 +39548,7 @@
           <a:graphicData uri="http://schemas.openxmlformats.org/presentationml/2006/ole">
             <mc:AlternateContent xmlns:mc="http://schemas.openxmlformats.org/markup-compatibility/2006">
               <mc:Choice xmlns:v="urn:schemas-microsoft-com:vml" Requires="v">
-                <p:oleObj spid="_x0000_s17435" name="Equation" r:id="rId6" imgW="2361960" imgH="1473120" progId="Equation.DSMT4">
+                <p:oleObj spid="_x0000_s17438" name="Equation" r:id="rId6" imgW="2361960" imgH="1473120" progId="Equation.DSMT4">
                   <p:embed/>
                 </p:oleObj>
               </mc:Choice>
@@ -39571,7 +39618,7 @@
           <a:graphicData uri="http://schemas.openxmlformats.org/presentationml/2006/ole">
             <mc:AlternateContent xmlns:mc="http://schemas.openxmlformats.org/markup-compatibility/2006">
               <mc:Choice xmlns:v="urn:schemas-microsoft-com:vml" Requires="v">
-                <p:oleObj spid="_x0000_s17436" name="Equation" r:id="rId8" imgW="2361960" imgH="1473120" progId="Equation.3">
+                <p:oleObj spid="_x0000_s17439" name="Equation" r:id="rId8" imgW="2361960" imgH="1473120" progId="Equation.3">
                   <p:embed/>
                 </p:oleObj>
               </mc:Choice>
@@ -40785,7 +40832,7 @@
           <a:graphicData uri="http://schemas.openxmlformats.org/presentationml/2006/ole">
             <mc:AlternateContent xmlns:mc="http://schemas.openxmlformats.org/markup-compatibility/2006">
               <mc:Choice xmlns:v="urn:schemas-microsoft-com:vml" Requires="v">
-                <p:oleObj spid="_x0000_s19466" name="Equation" r:id="rId4" imgW="5816520" imgH="1473120" progId="Equation.3">
+                <p:oleObj spid="_x0000_s19467" name="Equation" r:id="rId4" imgW="5816520" imgH="1473120" progId="Equation.3">
                   <p:embed/>
                 </p:oleObj>
               </mc:Choice>
@@ -41905,7 +41952,7 @@
           <a:graphicData uri="http://schemas.openxmlformats.org/presentationml/2006/ole">
             <mc:AlternateContent xmlns:mc="http://schemas.openxmlformats.org/markup-compatibility/2006">
               <mc:Choice xmlns:v="urn:schemas-microsoft-com:vml" Requires="v">
-                <p:oleObj spid="_x0000_s20530" name="Equation" r:id="rId8" imgW="1002960" imgH="1473120" progId="Equation.DSMT4">
+                <p:oleObj spid="_x0000_s20536" name="Equation" r:id="rId8" imgW="1002960" imgH="1473120" progId="Equation.DSMT4">
                   <p:embed/>
                 </p:oleObj>
               </mc:Choice>
@@ -41975,7 +42022,7 @@
           <a:graphicData uri="http://schemas.openxmlformats.org/presentationml/2006/ole">
             <mc:AlternateContent xmlns:mc="http://schemas.openxmlformats.org/markup-compatibility/2006">
               <mc:Choice xmlns:v="urn:schemas-microsoft-com:vml" Requires="v">
-                <p:oleObj spid="_x0000_s20531" name="Equation" r:id="rId10" imgW="838080" imgH="1473120" progId="Equation.DSMT4">
+                <p:oleObj spid="_x0000_s20537" name="Equation" r:id="rId10" imgW="838080" imgH="1473120" progId="Equation.DSMT4">
                   <p:embed/>
                 </p:oleObj>
               </mc:Choice>
@@ -42314,7 +42361,7 @@
           <a:graphicData uri="http://schemas.openxmlformats.org/presentationml/2006/ole">
             <mc:AlternateContent xmlns:mc="http://schemas.openxmlformats.org/markup-compatibility/2006">
               <mc:Choice xmlns:v="urn:schemas-microsoft-com:vml" Requires="v">
-                <p:oleObj spid="_x0000_s20532" name="Equation" r:id="rId13" imgW="1002960" imgH="1473120" progId="Equation.DSMT4">
+                <p:oleObj spid="_x0000_s20538" name="Equation" r:id="rId13" imgW="1002960" imgH="1473120" progId="Equation.DSMT4">
                   <p:embed/>
                 </p:oleObj>
               </mc:Choice>
@@ -42384,7 +42431,7 @@
           <a:graphicData uri="http://schemas.openxmlformats.org/presentationml/2006/ole">
             <mc:AlternateContent xmlns:mc="http://schemas.openxmlformats.org/markup-compatibility/2006">
               <mc:Choice xmlns:v="urn:schemas-microsoft-com:vml" Requires="v">
-                <p:oleObj spid="_x0000_s20533" name="Equation" r:id="rId14" imgW="2286000" imgH="1473120" progId="Equation.DSMT4">
+                <p:oleObj spid="_x0000_s20539" name="Equation" r:id="rId14" imgW="2286000" imgH="1473120" progId="Equation.DSMT4">
                   <p:embed/>
                 </p:oleObj>
               </mc:Choice>
@@ -42571,7 +42618,7 @@
           <a:graphicData uri="http://schemas.openxmlformats.org/presentationml/2006/ole">
             <mc:AlternateContent xmlns:mc="http://schemas.openxmlformats.org/markup-compatibility/2006">
               <mc:Choice xmlns:v="urn:schemas-microsoft-com:vml" Requires="v">
-                <p:oleObj spid="_x0000_s20534" name="Equation" r:id="rId16" imgW="1002960" imgH="1473120" progId="Equation.DSMT4">
+                <p:oleObj spid="_x0000_s20540" name="Equation" r:id="rId16" imgW="1002960" imgH="1473120" progId="Equation.DSMT4">
                   <p:embed/>
                 </p:oleObj>
               </mc:Choice>
@@ -42641,7 +42688,7 @@
           <a:graphicData uri="http://schemas.openxmlformats.org/presentationml/2006/ole">
             <mc:AlternateContent xmlns:mc="http://schemas.openxmlformats.org/markup-compatibility/2006">
               <mc:Choice xmlns:v="urn:schemas-microsoft-com:vml" Requires="v">
-                <p:oleObj spid="_x0000_s20535" name="Equation" r:id="rId17" imgW="2286000" imgH="1473120" progId="Equation.3">
+                <p:oleObj spid="_x0000_s20541" name="Equation" r:id="rId17" imgW="2286000" imgH="1473120" progId="Equation.3">
                   <p:embed/>
                 </p:oleObj>
               </mc:Choice>
@@ -43214,8 +43261,8 @@
         </p:nvSpPr>
         <p:spPr>
           <a:xfrm>
-            <a:off x="7506789" y="4667794"/>
-            <a:ext cx="4868091" cy="1200329"/>
+            <a:off x="7673497" y="4589417"/>
+            <a:ext cx="4130229" cy="1631216"/>
           </a:xfrm>
           <a:prstGeom prst="rect">
             <a:avLst/>
@@ -43229,25 +43276,34 @@
           <a:lstStyle/>
           <a:p>
             <a:r>
-              <a:rPr lang="en-US" dirty="0"/>
+              <a:rPr lang="en-US" sz="1600" dirty="0"/>
               <a:t>For this course:</a:t>
             </a:r>
             <a:br>
-              <a:rPr lang="en-US" dirty="0"/>
+              <a:rPr lang="en-US" sz="1600" dirty="0"/>
             </a:br>
             <a:br>
-              <a:rPr lang="en-US" dirty="0"/>
+              <a:rPr lang="en-US" sz="1600" dirty="0"/>
             </a:br>
             <a:r>
-              <a:rPr lang="en-US" dirty="0"/>
+              <a:rPr lang="en-US" sz="1600" dirty="0"/>
               <a:t>Camera space = View space</a:t>
             </a:r>
             <a:br>
-              <a:rPr lang="en-US" dirty="0"/>
+              <a:rPr lang="en-US" sz="1600" dirty="0"/>
             </a:br>
             <a:r>
-              <a:rPr lang="en-US" dirty="0"/>
+              <a:rPr lang="en-US" sz="1600" dirty="0"/>
               <a:t>Camera Transformation = View Transformation</a:t>
+            </a:r>
+          </a:p>
+          <a:p>
+            <a:endParaRPr lang="en-US" sz="1600" dirty="0"/>
+          </a:p>
+          <a:p>
+            <a:r>
+              <a:rPr lang="en-US" sz="1600" dirty="0"/>
+              <a:t>Screen space = Viewport coordinates</a:t>
             </a:r>
           </a:p>
         </p:txBody>
